--- a/presentation.pptx
+++ b/presentation.pptx
@@ -6,6 +6,11 @@
   </p:sldMasterIdLst>
   <p:sldIdLst>
     <p:sldId id="256" r:id="rId3"/>
+    <p:sldId id="257" r:id="rId4"/>
+    <p:sldId id="258" r:id="rId5"/>
+    <p:sldId id="262" r:id="rId6"/>
+    <p:sldId id="261" r:id="rId7"/>
+    <p:sldId id="260" r:id="rId8"/>
   </p:sldIdLst>
   <p:sldSz cx="12192000" cy="6858000"/>
   <p:notesSz cx="6858000" cy="9144000"/>
@@ -636,6 +641,173 @@
 </p:sldLayout>
 </file>
 
+<file path=ppt/slideLayouts/slideLayout12.xml><?xml version="1.0" encoding="utf-8"?>
+<p:sldLayout xmlns:a="http://schemas.openxmlformats.org/drawingml/2006/main" xmlns:r="http://schemas.openxmlformats.org/officeDocument/2006/relationships" xmlns:p="http://schemas.openxmlformats.org/presentationml/2006/main" type="tx" preserve="1">
+  <p:cSld name="Title and Text">
+    <p:spTree>
+      <p:nvGrpSpPr>
+        <p:cNvPr id="1" name=""/>
+        <p:cNvGrpSpPr/>
+        <p:nvPr/>
+      </p:nvGrpSpPr>
+      <p:grpSpPr>
+        <a:xfrm>
+          <a:off x="0" y="0"/>
+          <a:ext cx="0" cy="0"/>
+          <a:chOff x="0" y="0"/>
+          <a:chExt cx="0" cy="0"/>
+        </a:xfrm>
+      </p:grpSpPr>
+      <p:sp>
+        <p:nvSpPr>
+          <p:cNvPr id="2" name="Title 1"/>
+          <p:cNvSpPr>
+            <a:spLocks noGrp="1"/>
+          </p:cNvSpPr>
+          <p:nvPr>
+            <p:ph type="title"/>
+          </p:nvPr>
+        </p:nvSpPr>
+        <p:spPr/>
+        <p:txBody>
+          <a:bodyPr/>
+          <a:lstStyle/>
+          <a:p>
+            <a:r>
+              <a:rPr lang="en-US" smtClean="0"/>
+              <a:t>Click to edit Master title style</a:t>
+            </a:r>
+            <a:endParaRPr lang="en-US"/>
+          </a:p>
+        </p:txBody>
+      </p:sp>
+      <p:sp>
+        <p:nvSpPr>
+          <p:cNvPr id="3" name="Text Placeholder 2"/>
+          <p:cNvSpPr>
+            <a:spLocks noGrp="1"/>
+          </p:cNvSpPr>
+          <p:nvPr>
+            <p:ph type="body" idx="1"/>
+          </p:nvPr>
+        </p:nvSpPr>
+        <p:spPr/>
+        <p:txBody>
+          <a:bodyPr/>
+          <a:lstStyle/>
+          <a:p>
+            <a:pPr lvl="0"/>
+            <a:r>
+              <a:rPr lang="en-US" smtClean="0"/>
+              <a:t>Click to edit Master text styles</a:t>
+            </a:r>
+            <a:endParaRPr lang="en-US" smtClean="0"/>
+          </a:p>
+          <a:p>
+            <a:pPr lvl="1"/>
+            <a:r>
+              <a:rPr lang="en-US" smtClean="0"/>
+              <a:t>Second level</a:t>
+            </a:r>
+            <a:endParaRPr lang="en-US" smtClean="0"/>
+          </a:p>
+          <a:p>
+            <a:pPr lvl="2"/>
+            <a:r>
+              <a:rPr lang="en-US" smtClean="0"/>
+              <a:t>Third level</a:t>
+            </a:r>
+            <a:endParaRPr lang="en-US" smtClean="0"/>
+          </a:p>
+          <a:p>
+            <a:pPr lvl="3"/>
+            <a:r>
+              <a:rPr lang="en-US" smtClean="0"/>
+              <a:t>Fourth level</a:t>
+            </a:r>
+            <a:endParaRPr lang="en-US" smtClean="0"/>
+          </a:p>
+          <a:p>
+            <a:pPr lvl="4"/>
+            <a:r>
+              <a:rPr lang="en-US" smtClean="0"/>
+              <a:t>Fifth level</a:t>
+            </a:r>
+            <a:endParaRPr lang="en-US"/>
+          </a:p>
+        </p:txBody>
+      </p:sp>
+      <p:sp>
+        <p:nvSpPr>
+          <p:cNvPr id="4" name="Date Placeholder 3"/>
+          <p:cNvSpPr>
+            <a:spLocks noGrp="1"/>
+          </p:cNvSpPr>
+          <p:nvPr>
+            <p:ph type="dt" sz="half" idx="10"/>
+          </p:nvPr>
+        </p:nvSpPr>
+        <p:spPr/>
+        <p:txBody>
+          <a:bodyPr/>
+          <a:lstStyle/>
+          <a:p>
+            <a:fld id="{63A1C593-65D0-4073-BCC9-577B9352EA97}" type="datetimeFigureOut">
+              <a:rPr lang="en-US" smtClean="0"/>
+            </a:fld>
+            <a:endParaRPr lang="en-US"/>
+          </a:p>
+        </p:txBody>
+      </p:sp>
+      <p:sp>
+        <p:nvSpPr>
+          <p:cNvPr id="5" name="Footer Placeholder 4"/>
+          <p:cNvSpPr>
+            <a:spLocks noGrp="1"/>
+          </p:cNvSpPr>
+          <p:nvPr>
+            <p:ph type="ftr" sz="quarter" idx="11"/>
+          </p:nvPr>
+        </p:nvSpPr>
+        <p:spPr/>
+        <p:txBody>
+          <a:bodyPr/>
+          <a:lstStyle/>
+          <a:p>
+            <a:endParaRPr lang="en-US"/>
+          </a:p>
+        </p:txBody>
+      </p:sp>
+      <p:sp>
+        <p:nvSpPr>
+          <p:cNvPr id="6" name="Slide Number Placeholder 5"/>
+          <p:cNvSpPr>
+            <a:spLocks noGrp="1"/>
+          </p:cNvSpPr>
+          <p:nvPr>
+            <p:ph type="sldNum" sz="quarter" idx="12"/>
+          </p:nvPr>
+        </p:nvSpPr>
+        <p:spPr/>
+        <p:txBody>
+          <a:bodyPr/>
+          <a:lstStyle/>
+          <a:p>
+            <a:fld id="{9B618960-8005-486C-9A75-10CB2AAC16F9}" type="slidenum">
+              <a:rPr lang="en-US" smtClean="0"/>
+            </a:fld>
+            <a:endParaRPr lang="en-US"/>
+          </a:p>
+        </p:txBody>
+      </p:sp>
+    </p:spTree>
+  </p:cSld>
+  <p:clrMapOvr>
+    <a:masterClrMapping/>
+  </p:clrMapOvr>
+</p:sldLayout>
+</file>
+
 <file path=ppt/slideLayouts/slideLayout2.xml><?xml version="1.0" encoding="utf-8"?>
 <p:sldLayout xmlns:a="http://schemas.openxmlformats.org/drawingml/2006/main" xmlns:r="http://schemas.openxmlformats.org/officeDocument/2006/relationships" xmlns:p="http://schemas.openxmlformats.org/presentationml/2006/main" type="obj" preserve="1">
   <p:cSld name="Title and Content">
@@ -2620,6 +2792,7 @@
     <p:sldLayoutId id="2147483657" r:id="rId9"/>
     <p:sldLayoutId id="2147483658" r:id="rId10"/>
     <p:sldLayoutId id="2147483659" r:id="rId11"/>
+    <p:sldLayoutId id="2147483660" r:id="rId12"/>
   </p:sldLayoutIdLst>
   <p:txStyles>
     <p:titleStyle>
@@ -3089,6 +3262,8102 @@
   <p:clrMapOvr>
     <a:masterClrMapping/>
   </p:clrMapOvr>
+  <mc:AlternateContent xmlns:mc="http://schemas.openxmlformats.org/markup-compatibility/2006">
+    <mc:Choice xmlns:p14="http://schemas.microsoft.com/office/powerpoint/2010/main" Requires="p14">
+      <p:transition spd="slow" p14:dur="2000"/>
+    </mc:Choice>
+    <mc:Fallback>
+      <p:transition spd="slow"/>
+    </mc:Fallback>
+  </mc:AlternateContent>
+</p:sld>
+</file>
+
+<file path=ppt/slides/slide2.xml><?xml version="1.0" encoding="utf-8"?>
+<p:sld xmlns:a="http://schemas.openxmlformats.org/drawingml/2006/main" xmlns:r="http://schemas.openxmlformats.org/officeDocument/2006/relationships" xmlns:p="http://schemas.openxmlformats.org/presentationml/2006/main">
+  <p:cSld>
+    <p:bg>
+      <p:bgPr>
+        <a:solidFill>
+          <a:srgbClr val="9A3B3B"/>
+        </a:solidFill>
+        <a:effectLst/>
+      </p:bgPr>
+    </p:bg>
+    <p:spTree>
+      <p:nvGrpSpPr>
+        <p:cNvPr id="1" name=""/>
+        <p:cNvGrpSpPr/>
+        <p:nvPr/>
+      </p:nvGrpSpPr>
+      <p:grpSpPr/>
+      <p:sp>
+        <p:nvSpPr>
+          <p:cNvPr id="4" name="Freeform 3"/>
+          <p:cNvSpPr/>
+          <p:nvPr/>
+        </p:nvSpPr>
+        <p:spPr>
+          <a:xfrm rot="21060000">
+            <a:off x="6864985" y="408940"/>
+            <a:ext cx="5293995" cy="843915"/>
+          </a:xfrm>
+          <a:custGeom>
+            <a:avLst/>
+            <a:gdLst>
+              <a:gd name="connsiteX0" fmla="*/ 0 w 15804"/>
+              <a:gd name="connsiteY0" fmla="*/ 0 h 3698"/>
+              <a:gd name="connsiteX1" fmla="*/ 13871 w 15804"/>
+              <a:gd name="connsiteY1" fmla="*/ 1185 h 3698"/>
+              <a:gd name="connsiteX2" fmla="*/ 15804 w 15804"/>
+              <a:gd name="connsiteY2" fmla="*/ 3698 h 3698"/>
+              <a:gd name="connsiteX3" fmla="*/ 985 w 15804"/>
+              <a:gd name="connsiteY3" fmla="*/ 1951 h 3698"/>
+              <a:gd name="connsiteX4" fmla="*/ 0 w 15804"/>
+              <a:gd name="connsiteY4" fmla="*/ 0 h 3698"/>
+            </a:gdLst>
+            <a:ahLst/>
+            <a:cxnLst>
+              <a:cxn ang="0">
+                <a:pos x="connsiteX0" y="connsiteY0"/>
+              </a:cxn>
+              <a:cxn ang="0">
+                <a:pos x="connsiteX1" y="connsiteY1"/>
+              </a:cxn>
+              <a:cxn ang="0">
+                <a:pos x="connsiteX2" y="connsiteY2"/>
+              </a:cxn>
+              <a:cxn ang="0">
+                <a:pos x="connsiteX3" y="connsiteY3"/>
+              </a:cxn>
+              <a:cxn ang="0">
+                <a:pos x="connsiteX4" y="connsiteY4"/>
+              </a:cxn>
+            </a:cxnLst>
+            <a:rect l="l" t="t" r="r" b="b"/>
+            <a:pathLst>
+              <a:path w="15804" h="3698">
+                <a:moveTo>
+                  <a:pt x="0" y="0"/>
+                </a:moveTo>
+                <a:lnTo>
+                  <a:pt x="13871" y="1185"/>
+                </a:lnTo>
+                <a:lnTo>
+                  <a:pt x="15804" y="3698"/>
+                </a:lnTo>
+                <a:lnTo>
+                  <a:pt x="985" y="1951"/>
+                </a:lnTo>
+                <a:lnTo>
+                  <a:pt x="0" y="0"/>
+                </a:lnTo>
+                <a:close/>
+              </a:path>
+            </a:pathLst>
+          </a:custGeom>
+          <a:solidFill>
+            <a:schemeClr val="bg2">
+              <a:lumMod val="25000"/>
+              <a:alpha val="63000"/>
+            </a:schemeClr>
+          </a:solidFill>
+          <a:ln>
+            <a:noFill/>
+          </a:ln>
+          <a:effectLst>
+            <a:reflection stA="0" endPos="65000" dist="50800" dir="5400000" sy="-100000" algn="bl" rotWithShape="0"/>
+          </a:effectLst>
+        </p:spPr>
+        <p:style>
+          <a:lnRef idx="2">
+            <a:schemeClr val="accent1">
+              <a:lumMod val="75000"/>
+            </a:schemeClr>
+          </a:lnRef>
+          <a:fillRef idx="1">
+            <a:schemeClr val="accent1"/>
+          </a:fillRef>
+          <a:effectRef idx="0">
+            <a:srgbClr val="FFFFFF"/>
+          </a:effectRef>
+          <a:fontRef idx="minor">
+            <a:schemeClr val="lt1"/>
+          </a:fontRef>
+        </p:style>
+        <p:txBody>
+          <a:bodyPr rtlCol="0" anchor="ctr"/>
+          <a:p>
+            <a:pPr algn="ctr"/>
+            <a:endParaRPr lang="en-US"/>
+          </a:p>
+        </p:txBody>
+      </p:sp>
+      <p:sp>
+        <p:nvSpPr>
+          <p:cNvPr id="5" name="Text Box 4"/>
+          <p:cNvSpPr txBox="1"/>
+          <p:nvPr/>
+        </p:nvSpPr>
+        <p:spPr>
+          <a:xfrm>
+            <a:off x="6831330" y="601345"/>
+            <a:ext cx="7419340" cy="331470"/>
+          </a:xfrm>
+          <a:prstGeom prst="rect">
+            <a:avLst/>
+          </a:prstGeom>
+          <a:noFill/>
+        </p:spPr>
+        <p:txBody>
+          <a:bodyPr wrap="square" rtlCol="0">
+            <a:noAutofit/>
+          </a:bodyPr>
+          <a:p>
+            <a:r>
+              <a:rPr lang="en-US" sz="2800">
+                <a:solidFill>
+                  <a:schemeClr val="bg1"/>
+                </a:solidFill>
+                <a:latin typeface="La Gagliane" panose="02000600000000000000" charset="0"/>
+                <a:cs typeface="La Gagliane" panose="02000600000000000000" charset="0"/>
+              </a:rPr>
+              <a:t>Wine Connoiseurs</a:t>
+            </a:r>
+            <a:endParaRPr lang="en-US" sz="2800">
+              <a:solidFill>
+                <a:schemeClr val="bg1"/>
+              </a:solidFill>
+              <a:latin typeface="La Gagliane" panose="02000600000000000000" charset="0"/>
+              <a:cs typeface="La Gagliane" panose="02000600000000000000" charset="0"/>
+            </a:endParaRPr>
+          </a:p>
+        </p:txBody>
+      </p:sp>
+      <p:sp>
+        <p:nvSpPr>
+          <p:cNvPr id="6" name="Freeform 5"/>
+          <p:cNvSpPr/>
+          <p:nvPr/>
+        </p:nvSpPr>
+        <p:spPr>
+          <a:xfrm>
+            <a:off x="963295" y="292100"/>
+            <a:ext cx="5673725" cy="4669155"/>
+          </a:xfrm>
+          <a:custGeom>
+            <a:avLst/>
+            <a:gdLst>
+              <a:gd name="connsiteX0" fmla="*/ 0 w 7052"/>
+              <a:gd name="connsiteY0" fmla="*/ 3296 h 6330"/>
+              <a:gd name="connsiteX1" fmla="*/ 2536 w 7052"/>
+              <a:gd name="connsiteY1" fmla="*/ 0 h 6330"/>
+              <a:gd name="connsiteX2" fmla="*/ 7052 w 7052"/>
+              <a:gd name="connsiteY2" fmla="*/ 3296 h 6330"/>
+              <a:gd name="connsiteX3" fmla="*/ 3227 w 7052"/>
+              <a:gd name="connsiteY3" fmla="*/ 6330 h 6330"/>
+              <a:gd name="connsiteX4" fmla="*/ 0 w 7052"/>
+              <a:gd name="connsiteY4" fmla="*/ 3296 h 6330"/>
+            </a:gdLst>
+            <a:ahLst/>
+            <a:cxnLst>
+              <a:cxn ang="0">
+                <a:pos x="connsiteX0" y="connsiteY0"/>
+              </a:cxn>
+              <a:cxn ang="0">
+                <a:pos x="connsiteX1" y="connsiteY1"/>
+              </a:cxn>
+              <a:cxn ang="0">
+                <a:pos x="connsiteX2" y="connsiteY2"/>
+              </a:cxn>
+              <a:cxn ang="0">
+                <a:pos x="connsiteX3" y="connsiteY3"/>
+              </a:cxn>
+              <a:cxn ang="0">
+                <a:pos x="connsiteX4" y="connsiteY4"/>
+              </a:cxn>
+            </a:cxnLst>
+            <a:rect l="l" t="t" r="r" b="b"/>
+            <a:pathLst>
+              <a:path w="7052" h="6330">
+                <a:moveTo>
+                  <a:pt x="0" y="3296"/>
+                </a:moveTo>
+                <a:cubicBezTo>
+                  <a:pt x="0" y="1552"/>
+                  <a:pt x="589" y="0"/>
+                  <a:pt x="2536" y="0"/>
+                </a:cubicBezTo>
+                <a:cubicBezTo>
+                  <a:pt x="4483" y="0"/>
+                  <a:pt x="7052" y="1552"/>
+                  <a:pt x="7052" y="3296"/>
+                </a:cubicBezTo>
+                <a:cubicBezTo>
+                  <a:pt x="7052" y="5040"/>
+                  <a:pt x="5174" y="6330"/>
+                  <a:pt x="3227" y="6330"/>
+                </a:cubicBezTo>
+                <a:cubicBezTo>
+                  <a:pt x="1280" y="6330"/>
+                  <a:pt x="0" y="5040"/>
+                  <a:pt x="0" y="3296"/>
+                </a:cubicBezTo>
+                <a:close/>
+              </a:path>
+            </a:pathLst>
+          </a:custGeom>
+          <a:solidFill>
+            <a:srgbClr val="E2C799"/>
+          </a:solidFill>
+          <a:ln>
+            <a:noFill/>
+          </a:ln>
+        </p:spPr>
+        <p:style>
+          <a:lnRef idx="2">
+            <a:schemeClr val="accent1">
+              <a:lumMod val="75000"/>
+            </a:schemeClr>
+          </a:lnRef>
+          <a:fillRef idx="1">
+            <a:schemeClr val="accent1"/>
+          </a:fillRef>
+          <a:effectRef idx="0">
+            <a:srgbClr val="FFFFFF"/>
+          </a:effectRef>
+          <a:fontRef idx="minor">
+            <a:schemeClr val="lt1"/>
+          </a:fontRef>
+        </p:style>
+        <p:txBody>
+          <a:bodyPr rtlCol="0" anchor="ctr"/>
+          <a:p>
+            <a:pPr algn="ctr"/>
+            <a:endParaRPr lang="en-US"/>
+          </a:p>
+        </p:txBody>
+      </p:sp>
+      <p:sp>
+        <p:nvSpPr>
+          <p:cNvPr id="7" name="Freeform 6"/>
+          <p:cNvSpPr/>
+          <p:nvPr/>
+        </p:nvSpPr>
+        <p:spPr>
+          <a:xfrm>
+            <a:off x="7804150" y="3230245"/>
+            <a:ext cx="2610485" cy="2393950"/>
+          </a:xfrm>
+          <a:custGeom>
+            <a:avLst/>
+            <a:gdLst>
+              <a:gd name="connsiteX0" fmla="*/ 0 w 4111"/>
+              <a:gd name="connsiteY0" fmla="*/ 2146 h 3770"/>
+              <a:gd name="connsiteX1" fmla="*/ 2708 w 4111"/>
+              <a:gd name="connsiteY1" fmla="*/ 0 h 3770"/>
+              <a:gd name="connsiteX2" fmla="*/ 4111 w 4111"/>
+              <a:gd name="connsiteY2" fmla="*/ 2146 h 3770"/>
+              <a:gd name="connsiteX3" fmla="*/ 2149 w 4111"/>
+              <a:gd name="connsiteY3" fmla="*/ 3770 h 3770"/>
+              <a:gd name="connsiteX4" fmla="*/ 0 w 4111"/>
+              <a:gd name="connsiteY4" fmla="*/ 2146 h 3770"/>
+            </a:gdLst>
+            <a:ahLst/>
+            <a:cxnLst>
+              <a:cxn ang="0">
+                <a:pos x="connsiteX0" y="connsiteY0"/>
+              </a:cxn>
+              <a:cxn ang="0">
+                <a:pos x="connsiteX1" y="connsiteY1"/>
+              </a:cxn>
+              <a:cxn ang="0">
+                <a:pos x="connsiteX2" y="connsiteY2"/>
+              </a:cxn>
+              <a:cxn ang="0">
+                <a:pos x="connsiteX3" y="connsiteY3"/>
+              </a:cxn>
+              <a:cxn ang="0">
+                <a:pos x="connsiteX4" y="connsiteY4"/>
+              </a:cxn>
+            </a:cxnLst>
+            <a:rect l="l" t="t" r="r" b="b"/>
+            <a:pathLst>
+              <a:path w="4111" h="3770">
+                <a:moveTo>
+                  <a:pt x="0" y="2146"/>
+                </a:moveTo>
+                <a:cubicBezTo>
+                  <a:pt x="0" y="1176"/>
+                  <a:pt x="1573" y="0"/>
+                  <a:pt x="2708" y="0"/>
+                </a:cubicBezTo>
+                <a:cubicBezTo>
+                  <a:pt x="3843" y="0"/>
+                  <a:pt x="4111" y="1176"/>
+                  <a:pt x="4111" y="2146"/>
+                </a:cubicBezTo>
+                <a:cubicBezTo>
+                  <a:pt x="4111" y="3116"/>
+                  <a:pt x="3284" y="3770"/>
+                  <a:pt x="2149" y="3770"/>
+                </a:cubicBezTo>
+                <a:cubicBezTo>
+                  <a:pt x="1014" y="3770"/>
+                  <a:pt x="0" y="3116"/>
+                  <a:pt x="0" y="2146"/>
+                </a:cubicBezTo>
+                <a:close/>
+              </a:path>
+            </a:pathLst>
+          </a:custGeom>
+          <a:solidFill>
+            <a:srgbClr val="E2C799"/>
+          </a:solidFill>
+          <a:ln>
+            <a:noFill/>
+          </a:ln>
+        </p:spPr>
+        <p:style>
+          <a:lnRef idx="2">
+            <a:schemeClr val="accent1">
+              <a:lumMod val="75000"/>
+            </a:schemeClr>
+          </a:lnRef>
+          <a:fillRef idx="1">
+            <a:schemeClr val="accent1"/>
+          </a:fillRef>
+          <a:effectRef idx="0">
+            <a:srgbClr val="FFFFFF"/>
+          </a:effectRef>
+          <a:fontRef idx="minor">
+            <a:schemeClr val="lt1"/>
+          </a:fontRef>
+        </p:style>
+        <p:txBody>
+          <a:bodyPr rtlCol="0" anchor="ctr"/>
+          <a:p>
+            <a:pPr algn="ctr"/>
+            <a:endParaRPr lang="en-US"/>
+          </a:p>
+        </p:txBody>
+      </p:sp>
+      <p:sp>
+        <p:nvSpPr>
+          <p:cNvPr id="8" name="Text Box 7"/>
+          <p:cNvSpPr txBox="1"/>
+          <p:nvPr/>
+        </p:nvSpPr>
+        <p:spPr>
+          <a:xfrm>
+            <a:off x="1646555" y="1138555"/>
+            <a:ext cx="4449445" cy="3117215"/>
+          </a:xfrm>
+          <a:prstGeom prst="rect">
+            <a:avLst/>
+          </a:prstGeom>
+          <a:noFill/>
+        </p:spPr>
+        <p:txBody>
+          <a:bodyPr wrap="square" rtlCol="0">
+            <a:noAutofit/>
+          </a:bodyPr>
+          <a:p>
+            <a:pPr>
+              <a:lnSpc>
+                <a:spcPct val="140000"/>
+              </a:lnSpc>
+            </a:pPr>
+            <a:r>
+              <a:rPr lang="en-US" sz="7200">
+                <a:solidFill>
+                  <a:schemeClr val="tx1">
+                    <a:lumMod val="75000"/>
+                    <a:lumOff val="25000"/>
+                  </a:schemeClr>
+                </a:solidFill>
+                <a:latin typeface="La Gagliane" panose="02000600000000000000" charset="0"/>
+                <a:cs typeface="La Gagliane" panose="02000600000000000000" charset="0"/>
+              </a:rPr>
+              <a:t>Pham Han</a:t>
+            </a:r>
+            <a:endParaRPr lang="en-US" sz="7200">
+              <a:solidFill>
+                <a:schemeClr val="tx1">
+                  <a:lumMod val="75000"/>
+                  <a:lumOff val="25000"/>
+                </a:schemeClr>
+              </a:solidFill>
+              <a:latin typeface="La Gagliane" panose="02000600000000000000" charset="0"/>
+              <a:cs typeface="La Gagliane" panose="02000600000000000000" charset="0"/>
+            </a:endParaRPr>
+          </a:p>
+        </p:txBody>
+      </p:sp>
+      <p:sp>
+        <p:nvSpPr>
+          <p:cNvPr id="9" name="Text Box 8"/>
+          <p:cNvSpPr txBox="1"/>
+          <p:nvPr/>
+        </p:nvSpPr>
+        <p:spPr>
+          <a:xfrm>
+            <a:off x="7936230" y="3651250"/>
+            <a:ext cx="4449445" cy="3117215"/>
+          </a:xfrm>
+          <a:prstGeom prst="rect">
+            <a:avLst/>
+          </a:prstGeom>
+          <a:noFill/>
+        </p:spPr>
+        <p:txBody>
+          <a:bodyPr wrap="square" rtlCol="0">
+            <a:noAutofit/>
+          </a:bodyPr>
+          <a:p>
+            <a:pPr>
+              <a:lnSpc>
+                <a:spcPct val="140000"/>
+              </a:lnSpc>
+            </a:pPr>
+            <a:r>
+              <a:rPr lang="en-US" sz="3600" b="1">
+                <a:solidFill>
+                  <a:schemeClr val="tx1">
+                    <a:lumMod val="75000"/>
+                    <a:lumOff val="25000"/>
+                  </a:schemeClr>
+                </a:solidFill>
+                <a:latin typeface="La Gagliane" panose="02000600000000000000" charset="0"/>
+                <a:cs typeface="La Gagliane" panose="02000600000000000000" charset="0"/>
+              </a:rPr>
+              <a:t>JSA</a:t>
+            </a:r>
+            <a:r>
+              <a:rPr lang="en-US" sz="6600">
+                <a:solidFill>
+                  <a:schemeClr val="tx1">
+                    <a:lumMod val="75000"/>
+                    <a:lumOff val="25000"/>
+                  </a:schemeClr>
+                </a:solidFill>
+                <a:latin typeface="Times New Roman" panose="02020603050405020304" charset="0"/>
+                <a:ea typeface="Microsoft YaHei" panose="020B0503020204020204" charset="-122"/>
+                <a:cs typeface="Times New Roman" panose="02020603050405020304" charset="0"/>
+              </a:rPr>
+              <a:t>41</a:t>
+            </a:r>
+            <a:endParaRPr lang="en-US" sz="6600">
+              <a:solidFill>
+                <a:schemeClr val="tx1">
+                  <a:lumMod val="75000"/>
+                  <a:lumOff val="25000"/>
+                </a:schemeClr>
+              </a:solidFill>
+              <a:latin typeface="Times New Roman" panose="02020603050405020304" charset="0"/>
+              <a:ea typeface="Microsoft YaHei" panose="020B0503020204020204" charset="-122"/>
+              <a:cs typeface="Times New Roman" panose="02020603050405020304" charset="0"/>
+            </a:endParaRPr>
+          </a:p>
+        </p:txBody>
+      </p:sp>
+      <p:sp>
+        <p:nvSpPr>
+          <p:cNvPr id="15" name="Freeform 14"/>
+          <p:cNvSpPr/>
+          <p:nvPr/>
+        </p:nvSpPr>
+        <p:spPr>
+          <a:xfrm>
+            <a:off x="-12628880" y="2190750"/>
+            <a:ext cx="7659370" cy="1390650"/>
+          </a:xfrm>
+          <a:custGeom>
+            <a:avLst/>
+            <a:gdLst>
+              <a:gd name="connsiteX0" fmla="*/ 0 w 12062"/>
+              <a:gd name="connsiteY0" fmla="*/ 671 h 2190"/>
+              <a:gd name="connsiteX1" fmla="*/ 12062 w 12062"/>
+              <a:gd name="connsiteY1" fmla="*/ 0 h 2190"/>
+              <a:gd name="connsiteX2" fmla="*/ 10820 w 12062"/>
+              <a:gd name="connsiteY2" fmla="*/ 2145 h 2190"/>
+              <a:gd name="connsiteX3" fmla="*/ 189 w 12062"/>
+              <a:gd name="connsiteY3" fmla="*/ 2190 h 2190"/>
+              <a:gd name="connsiteX4" fmla="*/ 0 w 12062"/>
+              <a:gd name="connsiteY4" fmla="*/ 671 h 2190"/>
+            </a:gdLst>
+            <a:ahLst/>
+            <a:cxnLst>
+              <a:cxn ang="0">
+                <a:pos x="connsiteX0" y="connsiteY0"/>
+              </a:cxn>
+              <a:cxn ang="0">
+                <a:pos x="connsiteX1" y="connsiteY1"/>
+              </a:cxn>
+              <a:cxn ang="0">
+                <a:pos x="connsiteX2" y="connsiteY2"/>
+              </a:cxn>
+              <a:cxn ang="0">
+                <a:pos x="connsiteX3" y="connsiteY3"/>
+              </a:cxn>
+              <a:cxn ang="0">
+                <a:pos x="connsiteX4" y="connsiteY4"/>
+              </a:cxn>
+            </a:cxnLst>
+            <a:rect l="l" t="t" r="r" b="b"/>
+            <a:pathLst>
+              <a:path w="12062" h="2190">
+                <a:moveTo>
+                  <a:pt x="0" y="671"/>
+                </a:moveTo>
+                <a:lnTo>
+                  <a:pt x="12062" y="0"/>
+                </a:lnTo>
+                <a:lnTo>
+                  <a:pt x="10820" y="2145"/>
+                </a:lnTo>
+                <a:lnTo>
+                  <a:pt x="189" y="2190"/>
+                </a:lnTo>
+                <a:lnTo>
+                  <a:pt x="0" y="671"/>
+                </a:lnTo>
+                <a:close/>
+              </a:path>
+            </a:pathLst>
+          </a:custGeom>
+          <a:solidFill>
+            <a:srgbClr val="F8F9E7"/>
+          </a:solidFill>
+          <a:ln>
+            <a:noFill/>
+          </a:ln>
+        </p:spPr>
+        <p:style>
+          <a:lnRef idx="2">
+            <a:schemeClr val="accent1">
+              <a:lumMod val="75000"/>
+            </a:schemeClr>
+          </a:lnRef>
+          <a:fillRef idx="1">
+            <a:schemeClr val="accent1"/>
+          </a:fillRef>
+          <a:effectRef idx="0">
+            <a:srgbClr val="FFFFFF"/>
+          </a:effectRef>
+          <a:fontRef idx="minor">
+            <a:schemeClr val="lt1"/>
+          </a:fontRef>
+        </p:style>
+        <p:txBody>
+          <a:bodyPr rtlCol="0" anchor="ctr"/>
+          <a:p>
+            <a:pPr algn="ctr"/>
+            <a:endParaRPr lang="en-US"/>
+          </a:p>
+        </p:txBody>
+      </p:sp>
+      <p:sp>
+        <p:nvSpPr>
+          <p:cNvPr id="18" name="Freeform 17"/>
+          <p:cNvSpPr/>
+          <p:nvPr/>
+        </p:nvSpPr>
+        <p:spPr>
+          <a:xfrm>
+            <a:off x="-12534900" y="3906520"/>
+            <a:ext cx="9677400" cy="1430655"/>
+          </a:xfrm>
+          <a:custGeom>
+            <a:avLst/>
+            <a:gdLst>
+              <a:gd name="connsiteX0" fmla="*/ 0 w 12062"/>
+              <a:gd name="connsiteY0" fmla="*/ 671 h 2190"/>
+              <a:gd name="connsiteX1" fmla="*/ 12062 w 12062"/>
+              <a:gd name="connsiteY1" fmla="*/ 0 h 2190"/>
+              <a:gd name="connsiteX2" fmla="*/ 10820 w 12062"/>
+              <a:gd name="connsiteY2" fmla="*/ 2145 h 2190"/>
+              <a:gd name="connsiteX3" fmla="*/ 189 w 12062"/>
+              <a:gd name="connsiteY3" fmla="*/ 2190 h 2190"/>
+              <a:gd name="connsiteX4" fmla="*/ 0 w 12062"/>
+              <a:gd name="connsiteY4" fmla="*/ 671 h 2190"/>
+            </a:gdLst>
+            <a:ahLst/>
+            <a:cxnLst>
+              <a:cxn ang="0">
+                <a:pos x="connsiteX0" y="connsiteY0"/>
+              </a:cxn>
+              <a:cxn ang="0">
+                <a:pos x="connsiteX1" y="connsiteY1"/>
+              </a:cxn>
+              <a:cxn ang="0">
+                <a:pos x="connsiteX2" y="connsiteY2"/>
+              </a:cxn>
+              <a:cxn ang="0">
+                <a:pos x="connsiteX3" y="connsiteY3"/>
+              </a:cxn>
+              <a:cxn ang="0">
+                <a:pos x="connsiteX4" y="connsiteY4"/>
+              </a:cxn>
+            </a:cxnLst>
+            <a:rect l="l" t="t" r="r" b="b"/>
+            <a:pathLst>
+              <a:path w="12062" h="2190">
+                <a:moveTo>
+                  <a:pt x="0" y="671"/>
+                </a:moveTo>
+                <a:lnTo>
+                  <a:pt x="12062" y="0"/>
+                </a:lnTo>
+                <a:lnTo>
+                  <a:pt x="10820" y="2145"/>
+                </a:lnTo>
+                <a:lnTo>
+                  <a:pt x="189" y="2190"/>
+                </a:lnTo>
+                <a:lnTo>
+                  <a:pt x="0" y="671"/>
+                </a:lnTo>
+                <a:close/>
+              </a:path>
+            </a:pathLst>
+          </a:custGeom>
+          <a:solidFill>
+            <a:srgbClr val="F8F9E7"/>
+          </a:solidFill>
+          <a:ln>
+            <a:noFill/>
+          </a:ln>
+        </p:spPr>
+        <p:style>
+          <a:lnRef idx="2">
+            <a:schemeClr val="accent1">
+              <a:lumMod val="75000"/>
+            </a:schemeClr>
+          </a:lnRef>
+          <a:fillRef idx="1">
+            <a:schemeClr val="accent1"/>
+          </a:fillRef>
+          <a:effectRef idx="0">
+            <a:srgbClr val="FFFFFF"/>
+          </a:effectRef>
+          <a:fontRef idx="minor">
+            <a:schemeClr val="lt1"/>
+          </a:fontRef>
+        </p:style>
+        <p:txBody>
+          <a:bodyPr rtlCol="0" anchor="ctr"/>
+          <a:p>
+            <a:pPr algn="ctr"/>
+            <a:endParaRPr lang="en-US"/>
+          </a:p>
+        </p:txBody>
+      </p:sp>
+      <p:sp>
+        <p:nvSpPr>
+          <p:cNvPr id="19" name="Freeform 18"/>
+          <p:cNvSpPr/>
+          <p:nvPr/>
+        </p:nvSpPr>
+        <p:spPr>
+          <a:xfrm>
+            <a:off x="-12440920" y="5622290"/>
+            <a:ext cx="12043410" cy="1430655"/>
+          </a:xfrm>
+          <a:custGeom>
+            <a:avLst/>
+            <a:gdLst>
+              <a:gd name="connsiteX0" fmla="*/ 0 w 12062"/>
+              <a:gd name="connsiteY0" fmla="*/ 671 h 2190"/>
+              <a:gd name="connsiteX1" fmla="*/ 12062 w 12062"/>
+              <a:gd name="connsiteY1" fmla="*/ 0 h 2190"/>
+              <a:gd name="connsiteX2" fmla="*/ 10820 w 12062"/>
+              <a:gd name="connsiteY2" fmla="*/ 2145 h 2190"/>
+              <a:gd name="connsiteX3" fmla="*/ 189 w 12062"/>
+              <a:gd name="connsiteY3" fmla="*/ 2190 h 2190"/>
+              <a:gd name="connsiteX4" fmla="*/ 0 w 12062"/>
+              <a:gd name="connsiteY4" fmla="*/ 671 h 2190"/>
+            </a:gdLst>
+            <a:ahLst/>
+            <a:cxnLst>
+              <a:cxn ang="0">
+                <a:pos x="connsiteX0" y="connsiteY0"/>
+              </a:cxn>
+              <a:cxn ang="0">
+                <a:pos x="connsiteX1" y="connsiteY1"/>
+              </a:cxn>
+              <a:cxn ang="0">
+                <a:pos x="connsiteX2" y="connsiteY2"/>
+              </a:cxn>
+              <a:cxn ang="0">
+                <a:pos x="connsiteX3" y="connsiteY3"/>
+              </a:cxn>
+              <a:cxn ang="0">
+                <a:pos x="connsiteX4" y="connsiteY4"/>
+              </a:cxn>
+            </a:cxnLst>
+            <a:rect l="l" t="t" r="r" b="b"/>
+            <a:pathLst>
+              <a:path w="12062" h="2190">
+                <a:moveTo>
+                  <a:pt x="0" y="671"/>
+                </a:moveTo>
+                <a:lnTo>
+                  <a:pt x="12062" y="0"/>
+                </a:lnTo>
+                <a:lnTo>
+                  <a:pt x="10820" y="2145"/>
+                </a:lnTo>
+                <a:lnTo>
+                  <a:pt x="189" y="2190"/>
+                </a:lnTo>
+                <a:lnTo>
+                  <a:pt x="0" y="671"/>
+                </a:lnTo>
+                <a:close/>
+              </a:path>
+            </a:pathLst>
+          </a:custGeom>
+          <a:solidFill>
+            <a:srgbClr val="F8F9E7"/>
+          </a:solidFill>
+          <a:ln>
+            <a:noFill/>
+          </a:ln>
+        </p:spPr>
+        <p:style>
+          <a:lnRef idx="2">
+            <a:schemeClr val="accent1">
+              <a:lumMod val="75000"/>
+            </a:schemeClr>
+          </a:lnRef>
+          <a:fillRef idx="1">
+            <a:schemeClr val="accent1"/>
+          </a:fillRef>
+          <a:effectRef idx="0">
+            <a:srgbClr val="FFFFFF"/>
+          </a:effectRef>
+          <a:fontRef idx="minor">
+            <a:schemeClr val="lt1"/>
+          </a:fontRef>
+        </p:style>
+        <p:txBody>
+          <a:bodyPr rtlCol="0" anchor="ctr"/>
+          <a:p>
+            <a:pPr algn="ctr"/>
+            <a:endParaRPr lang="en-US"/>
+          </a:p>
+        </p:txBody>
+      </p:sp>
+      <p:sp>
+        <p:nvSpPr>
+          <p:cNvPr id="20" name="Text Box 19"/>
+          <p:cNvSpPr txBox="1"/>
+          <p:nvPr/>
+        </p:nvSpPr>
+        <p:spPr>
+          <a:xfrm>
+            <a:off x="-11812905" y="2777490"/>
+            <a:ext cx="6376035" cy="521970"/>
+          </a:xfrm>
+          <a:prstGeom prst="rect">
+            <a:avLst/>
+          </a:prstGeom>
+          <a:noFill/>
+        </p:spPr>
+        <p:txBody>
+          <a:bodyPr wrap="square" rtlCol="0">
+            <a:spAutoFit/>
+          </a:bodyPr>
+          <a:p>
+            <a:r>
+              <a:rPr lang="en-US" sz="2800">
+                <a:solidFill>
+                  <a:schemeClr val="tx1">
+                    <a:lumMod val="75000"/>
+                    <a:lumOff val="25000"/>
+                  </a:schemeClr>
+                </a:solidFill>
+                <a:latin typeface="La Gagliane" panose="02000600000000000000" charset="0"/>
+                <a:cs typeface="La Gagliane" panose="02000600000000000000" charset="0"/>
+              </a:rPr>
+              <a:t>Aesthetic &amp; culltural</a:t>
+            </a:r>
+            <a:endParaRPr lang="en-US" sz="2800">
+              <a:solidFill>
+                <a:schemeClr val="tx1">
+                  <a:lumMod val="75000"/>
+                  <a:lumOff val="25000"/>
+                </a:schemeClr>
+              </a:solidFill>
+              <a:latin typeface="La Gagliane" panose="02000600000000000000" charset="0"/>
+              <a:cs typeface="La Gagliane" panose="02000600000000000000" charset="0"/>
+            </a:endParaRPr>
+          </a:p>
+        </p:txBody>
+      </p:sp>
+      <p:sp>
+        <p:nvSpPr>
+          <p:cNvPr id="21" name="Text Box 20"/>
+          <p:cNvSpPr txBox="1"/>
+          <p:nvPr/>
+        </p:nvSpPr>
+        <p:spPr>
+          <a:xfrm>
+            <a:off x="-11132820" y="4415155"/>
+            <a:ext cx="9130665" cy="645160"/>
+          </a:xfrm>
+          <a:prstGeom prst="rect">
+            <a:avLst/>
+          </a:prstGeom>
+          <a:noFill/>
+        </p:spPr>
+        <p:txBody>
+          <a:bodyPr wrap="square" rtlCol="0">
+            <a:spAutoFit/>
+          </a:bodyPr>
+          <a:p>
+            <a:r>
+              <a:rPr lang="en-US" sz="3600">
+                <a:solidFill>
+                  <a:schemeClr val="tx1">
+                    <a:lumMod val="75000"/>
+                    <a:lumOff val="25000"/>
+                  </a:schemeClr>
+                </a:solidFill>
+                <a:latin typeface="La Gagliane" panose="02000600000000000000" charset="0"/>
+                <a:cs typeface="La Gagliane" panose="02000600000000000000" charset="0"/>
+              </a:rPr>
+              <a:t>Inspiration &amp; health</a:t>
+            </a:r>
+            <a:endParaRPr lang="en-US" sz="3600">
+              <a:solidFill>
+                <a:schemeClr val="tx1">
+                  <a:lumMod val="75000"/>
+                  <a:lumOff val="25000"/>
+                </a:schemeClr>
+              </a:solidFill>
+              <a:latin typeface="La Gagliane" panose="02000600000000000000" charset="0"/>
+              <a:cs typeface="La Gagliane" panose="02000600000000000000" charset="0"/>
+            </a:endParaRPr>
+          </a:p>
+        </p:txBody>
+      </p:sp>
+      <p:sp>
+        <p:nvSpPr>
+          <p:cNvPr id="23" name="Text Box 22"/>
+          <p:cNvSpPr txBox="1"/>
+          <p:nvPr/>
+        </p:nvSpPr>
+        <p:spPr>
+          <a:xfrm>
+            <a:off x="-10295255" y="6192520"/>
+            <a:ext cx="9130665" cy="706755"/>
+          </a:xfrm>
+          <a:prstGeom prst="rect">
+            <a:avLst/>
+          </a:prstGeom>
+          <a:noFill/>
+        </p:spPr>
+        <p:txBody>
+          <a:bodyPr wrap="square" rtlCol="0">
+            <a:spAutoFit/>
+          </a:bodyPr>
+          <a:p>
+            <a:r>
+              <a:rPr lang="en-US" sz="4000">
+                <a:solidFill>
+                  <a:schemeClr val="tx1">
+                    <a:lumMod val="75000"/>
+                    <a:lumOff val="25000"/>
+                  </a:schemeClr>
+                </a:solidFill>
+                <a:latin typeface="La Gagliane" panose="02000600000000000000" charset="0"/>
+                <a:cs typeface="La Gagliane" panose="02000600000000000000" charset="0"/>
+              </a:rPr>
+              <a:t>Diversity &amp; abundance</a:t>
+            </a:r>
+            <a:endParaRPr lang="en-US" sz="4000">
+              <a:solidFill>
+                <a:schemeClr val="tx1">
+                  <a:lumMod val="75000"/>
+                  <a:lumOff val="25000"/>
+                </a:schemeClr>
+              </a:solidFill>
+              <a:latin typeface="La Gagliane" panose="02000600000000000000" charset="0"/>
+              <a:cs typeface="La Gagliane" panose="02000600000000000000" charset="0"/>
+            </a:endParaRPr>
+          </a:p>
+        </p:txBody>
+      </p:sp>
+      <p:pic>
+        <p:nvPicPr>
+          <p:cNvPr id="101" name="Picture 100"/>
+          <p:cNvPicPr/>
+          <p:nvPr/>
+        </p:nvPicPr>
+        <p:blipFill>
+          <a:blip r:embed="rId1"/>
+          <a:stretch>
+            <a:fillRect/>
+          </a:stretch>
+        </p:blipFill>
+        <p:spPr>
+          <a:xfrm rot="1740000">
+            <a:off x="-3032760" y="6713220"/>
+            <a:ext cx="4098290" cy="2781300"/>
+          </a:xfrm>
+          <a:prstGeom prst="rect">
+            <a:avLst/>
+          </a:prstGeom>
+          <a:noFill/>
+          <a:ln w="9525">
+            <a:noFill/>
+          </a:ln>
+        </p:spPr>
+      </p:pic>
+      <p:sp>
+        <p:nvSpPr>
+          <p:cNvPr id="31" name="Text Box 30"/>
+          <p:cNvSpPr txBox="1"/>
+          <p:nvPr/>
+        </p:nvSpPr>
+        <p:spPr>
+          <a:xfrm>
+            <a:off x="1250315" y="7606030"/>
+            <a:ext cx="7267575" cy="706755"/>
+          </a:xfrm>
+          <a:prstGeom prst="rect">
+            <a:avLst/>
+          </a:prstGeom>
+          <a:noFill/>
+        </p:spPr>
+        <p:txBody>
+          <a:bodyPr wrap="square" rtlCol="0">
+            <a:spAutoFit/>
+          </a:bodyPr>
+          <a:p>
+            <a:r>
+              <a:rPr lang="en-US" sz="4000" b="1">
+                <a:solidFill>
+                  <a:srgbClr val="E2C799"/>
+                </a:solidFill>
+                <a:latin typeface="La Gagliane" panose="02000600000000000000" charset="0"/>
+                <a:cs typeface="La Gagliane" panose="02000600000000000000" charset="0"/>
+                <a:sym typeface="+mn-ea"/>
+              </a:rPr>
+              <a:t>Wine </a:t>
+            </a:r>
+            <a:r>
+              <a:rPr lang="en-US" sz="4000" b="1">
+                <a:solidFill>
+                  <a:srgbClr val="E2C799"/>
+                </a:solidFill>
+                <a:latin typeface="Bahnschrift Condensed" panose="020B0502040204020203" charset="0"/>
+                <a:cs typeface="Bahnschrift Condensed" panose="020B0502040204020203" charset="0"/>
+              </a:rPr>
+              <a:t>“</a:t>
+            </a:r>
+            <a:r>
+              <a:rPr lang="en-US" sz="4000" b="1">
+                <a:solidFill>
+                  <a:srgbClr val="E2C799"/>
+                </a:solidFill>
+                <a:latin typeface="La Gagliane" panose="02000600000000000000" charset="0"/>
+                <a:cs typeface="La Gagliane" panose="02000600000000000000" charset="0"/>
+                <a:sym typeface="+mn-ea"/>
+              </a:rPr>
+              <a:t>world</a:t>
+            </a:r>
+            <a:r>
+              <a:rPr lang="en-US" sz="4000" b="1">
+                <a:solidFill>
+                  <a:srgbClr val="E2C799"/>
+                </a:solidFill>
+                <a:latin typeface="La Gagliane" panose="02000600000000000000" charset="0"/>
+                <a:cs typeface="La Gagliane" panose="02000600000000000000" charset="0"/>
+              </a:rPr>
+              <a:t>”</a:t>
+            </a:r>
+            <a:r>
+              <a:rPr lang="en-US" sz="4000" b="1">
+                <a:solidFill>
+                  <a:srgbClr val="E2C799"/>
+                </a:solidFill>
+                <a:latin typeface="Bahnschrift Condensed" panose="020B0502040204020203" charset="0"/>
+                <a:cs typeface="Bahnschrift Condensed" panose="020B0502040204020203" charset="0"/>
+              </a:rPr>
+              <a:t>” </a:t>
+            </a:r>
+            <a:r>
+              <a:rPr lang="en-US" sz="4000" b="1">
+                <a:solidFill>
+                  <a:srgbClr val="E2C799"/>
+                </a:solidFill>
+                <a:latin typeface="La Gagliane" panose="02000600000000000000" charset="0"/>
+                <a:cs typeface="La Gagliane" panose="02000600000000000000" charset="0"/>
+              </a:rPr>
+              <a:t>- </a:t>
+            </a:r>
+            <a:endParaRPr lang="en-US" sz="4000" b="1">
+              <a:solidFill>
+                <a:srgbClr val="E2C799"/>
+              </a:solidFill>
+              <a:latin typeface="La Gagliane" panose="02000600000000000000" charset="0"/>
+              <a:cs typeface="La Gagliane" panose="02000600000000000000" charset="0"/>
+            </a:endParaRPr>
+          </a:p>
+        </p:txBody>
+      </p:sp>
+      <p:sp>
+        <p:nvSpPr>
+          <p:cNvPr id="32" name="Text Box 31"/>
+          <p:cNvSpPr txBox="1"/>
+          <p:nvPr/>
+        </p:nvSpPr>
+        <p:spPr>
+          <a:xfrm>
+            <a:off x="12720320" y="601345"/>
+            <a:ext cx="4064000" cy="368300"/>
+          </a:xfrm>
+          <a:prstGeom prst="rect">
+            <a:avLst/>
+          </a:prstGeom>
+          <a:noFill/>
+        </p:spPr>
+        <p:txBody>
+          <a:bodyPr wrap="square" rtlCol="0">
+            <a:spAutoFit/>
+          </a:bodyPr>
+          <a:p>
+            <a:r>
+              <a:rPr lang="en-US">
+                <a:solidFill>
+                  <a:schemeClr val="bg2">
+                    <a:lumMod val="50000"/>
+                  </a:schemeClr>
+                </a:solidFill>
+                <a:latin typeface="La Gagliane" panose="02000600000000000000" charset="0"/>
+                <a:cs typeface="La Gagliane" panose="02000600000000000000" charset="0"/>
+              </a:rPr>
+              <a:t>description</a:t>
+            </a:r>
+            <a:endParaRPr lang="en-US">
+              <a:solidFill>
+                <a:schemeClr val="bg2">
+                  <a:lumMod val="50000"/>
+                </a:schemeClr>
+              </a:solidFill>
+              <a:latin typeface="La Gagliane" panose="02000600000000000000" charset="0"/>
+              <a:cs typeface="La Gagliane" panose="02000600000000000000" charset="0"/>
+            </a:endParaRPr>
+          </a:p>
+        </p:txBody>
+      </p:sp>
+      <p:sp>
+        <p:nvSpPr>
+          <p:cNvPr id="33" name="Text Box 32"/>
+          <p:cNvSpPr txBox="1"/>
+          <p:nvPr/>
+        </p:nvSpPr>
+        <p:spPr>
+          <a:xfrm>
+            <a:off x="-5436870" y="2502535"/>
+            <a:ext cx="4558030" cy="1753235"/>
+          </a:xfrm>
+          <a:prstGeom prst="rect">
+            <a:avLst/>
+          </a:prstGeom>
+          <a:solidFill>
+            <a:srgbClr val="F8FAEF"/>
+          </a:solidFill>
+          <a:ln>
+            <a:noFill/>
+          </a:ln>
+        </p:spPr>
+        <p:txBody>
+          <a:bodyPr wrap="square" rtlCol="0">
+            <a:spAutoFit/>
+          </a:bodyPr>
+          <a:p>
+            <a:pPr>
+              <a:lnSpc>
+                <a:spcPct val="180000"/>
+              </a:lnSpc>
+            </a:pPr>
+            <a:r>
+              <a:rPr lang="en-US" sz="2000">
+                <a:solidFill>
+                  <a:schemeClr val="tx1">
+                    <a:lumMod val="75000"/>
+                    <a:lumOff val="25000"/>
+                  </a:schemeClr>
+                </a:solidFill>
+                <a:latin typeface="La Gagliane" panose="02000600000000000000" charset="0"/>
+                <a:cs typeface="La Gagliane" panose="02000600000000000000" charset="0"/>
+              </a:rPr>
+              <a:t>Buy and sell yours, with deep colors and classical music.</a:t>
+            </a:r>
+            <a:endParaRPr lang="en-US" sz="2000">
+              <a:solidFill>
+                <a:schemeClr val="tx1">
+                  <a:lumMod val="75000"/>
+                  <a:lumOff val="25000"/>
+                </a:schemeClr>
+              </a:solidFill>
+              <a:latin typeface="La Gagliane" panose="02000600000000000000" charset="0"/>
+              <a:cs typeface="La Gagliane" panose="02000600000000000000" charset="0"/>
+            </a:endParaRPr>
+          </a:p>
+        </p:txBody>
+      </p:sp>
+      <p:sp>
+        <p:nvSpPr>
+          <p:cNvPr id="34" name="Text Box 33"/>
+          <p:cNvSpPr txBox="1"/>
+          <p:nvPr/>
+        </p:nvSpPr>
+        <p:spPr>
+          <a:xfrm>
+            <a:off x="13684885" y="2486025"/>
+            <a:ext cx="4558030" cy="3277235"/>
+          </a:xfrm>
+          <a:prstGeom prst="rect">
+            <a:avLst/>
+          </a:prstGeom>
+          <a:solidFill>
+            <a:srgbClr val="F8FAEF"/>
+          </a:solidFill>
+          <a:ln>
+            <a:noFill/>
+          </a:ln>
+        </p:spPr>
+        <p:txBody>
+          <a:bodyPr wrap="square" rtlCol="0">
+            <a:noAutofit/>
+          </a:bodyPr>
+          <a:p>
+            <a:pPr algn="ctr">
+              <a:lnSpc>
+                <a:spcPct val="180000"/>
+              </a:lnSpc>
+            </a:pPr>
+            <a:r>
+              <a:rPr lang="en-US" sz="3000">
+                <a:solidFill>
+                  <a:schemeClr val="tx1">
+                    <a:lumMod val="75000"/>
+                    <a:lumOff val="25000"/>
+                  </a:schemeClr>
+                </a:solidFill>
+                <a:latin typeface="La Gagliane" panose="02000600000000000000" charset="0"/>
+                <a:cs typeface="La Gagliane" panose="02000600000000000000" charset="0"/>
+              </a:rPr>
+              <a:t>Save more time, bring more conveniences</a:t>
+            </a:r>
+            <a:endParaRPr lang="en-US" sz="3000">
+              <a:solidFill>
+                <a:schemeClr val="tx1">
+                  <a:lumMod val="75000"/>
+                  <a:lumOff val="25000"/>
+                </a:schemeClr>
+              </a:solidFill>
+              <a:latin typeface="La Gagliane" panose="02000600000000000000" charset="0"/>
+              <a:cs typeface="La Gagliane" panose="02000600000000000000" charset="0"/>
+            </a:endParaRPr>
+          </a:p>
+        </p:txBody>
+      </p:sp>
+      <p:sp>
+        <p:nvSpPr>
+          <p:cNvPr id="35" name="Text Box 34"/>
+          <p:cNvSpPr txBox="1"/>
+          <p:nvPr/>
+        </p:nvSpPr>
+        <p:spPr>
+          <a:xfrm>
+            <a:off x="-2517140" y="-1798320"/>
+            <a:ext cx="5099050" cy="1200785"/>
+          </a:xfrm>
+          <a:prstGeom prst="rect">
+            <a:avLst/>
+          </a:prstGeom>
+          <a:solidFill>
+            <a:srgbClr val="F8FAEF"/>
+          </a:solidFill>
+          <a:ln>
+            <a:noFill/>
+          </a:ln>
+        </p:spPr>
+        <p:txBody>
+          <a:bodyPr wrap="square" rtlCol="0">
+            <a:noAutofit/>
+          </a:bodyPr>
+          <a:p>
+            <a:pPr algn="ctr">
+              <a:lnSpc>
+                <a:spcPct val="180000"/>
+              </a:lnSpc>
+            </a:pPr>
+            <a:r>
+              <a:rPr lang="en-US" sz="2000">
+                <a:solidFill>
+                  <a:schemeClr val="tx1">
+                    <a:lumMod val="75000"/>
+                    <a:lumOff val="25000"/>
+                  </a:schemeClr>
+                </a:solidFill>
+                <a:latin typeface="La Gagliane" panose="02000600000000000000" charset="0"/>
+                <a:cs typeface="La Gagliane" panose="02000600000000000000" charset="0"/>
+              </a:rPr>
+              <a:t>Enjoyable shopping</a:t>
+            </a:r>
+            <a:endParaRPr lang="en-US" sz="2000">
+              <a:solidFill>
+                <a:schemeClr val="tx1">
+                  <a:lumMod val="75000"/>
+                  <a:lumOff val="25000"/>
+                </a:schemeClr>
+              </a:solidFill>
+              <a:latin typeface="La Gagliane" panose="02000600000000000000" charset="0"/>
+              <a:cs typeface="La Gagliane" panose="02000600000000000000" charset="0"/>
+            </a:endParaRPr>
+          </a:p>
+          <a:p>
+            <a:pPr algn="ctr">
+              <a:lnSpc>
+                <a:spcPct val="180000"/>
+              </a:lnSpc>
+            </a:pPr>
+            <a:r>
+              <a:rPr lang="en-US" sz="2000">
+                <a:solidFill>
+                  <a:schemeClr val="tx1">
+                    <a:lumMod val="75000"/>
+                    <a:lumOff val="25000"/>
+                  </a:schemeClr>
+                </a:solidFill>
+                <a:latin typeface="La Gagliane" panose="02000600000000000000" charset="0"/>
+                <a:cs typeface="La Gagliane" panose="02000600000000000000" charset="0"/>
+              </a:rPr>
+              <a:t>experience</a:t>
+            </a:r>
+            <a:endParaRPr lang="en-US" sz="2000">
+              <a:solidFill>
+                <a:schemeClr val="tx1">
+                  <a:lumMod val="75000"/>
+                  <a:lumOff val="25000"/>
+                </a:schemeClr>
+              </a:solidFill>
+              <a:latin typeface="La Gagliane" panose="02000600000000000000" charset="0"/>
+              <a:cs typeface="La Gagliane" panose="02000600000000000000" charset="0"/>
+            </a:endParaRPr>
+          </a:p>
+        </p:txBody>
+      </p:sp>
+    </p:spTree>
+  </p:cSld>
+  <p:clrMapOvr>
+    <a:masterClrMapping/>
+  </p:clrMapOvr>
+  <mc:AlternateContent xmlns:mc="http://schemas.openxmlformats.org/markup-compatibility/2006" xmlns:p159="http://schemas.microsoft.com/office/powerpoint/2015/09/main">
+    <mc:Choice Requires="p159">
+      <p:transition xmlns:p14="http://schemas.microsoft.com/office/powerpoint/2010/main" p14:dur="500">
+        <p159:morph option="byObject"/>
+      </p:transition>
+    </mc:Choice>
+    <mc:Fallback>
+      <p:transition>
+        <p:fade/>
+      </p:transition>
+    </mc:Fallback>
+  </mc:AlternateContent>
+  <p:timing>
+    <p:tnLst>
+      <p:par>
+        <p:cTn id="1" dur="indefinite" restart="never" nodeType="tmRoot">
+          <p:childTnLst>
+            <p:seq concurrent="1" nextAc="seek">
+              <p:cTn id="2" dur="indefinite" nodeType="mainSeq">
+                <p:childTnLst>
+                  <p:par>
+                    <p:cTn id="3" fill="hold">
+                      <p:stCondLst>
+                        <p:cond delay="indefinite"/>
+                      </p:stCondLst>
+                      <p:childTnLst>
+                        <p:par>
+                          <p:cTn id="4" fill="hold">
+                            <p:stCondLst>
+                              <p:cond delay="0"/>
+                            </p:stCondLst>
+                            <p:childTnLst>
+                              <p:par>
+                                <p:cTn id="5" presetID="23" presetClass="entr" presetSubtype="272" fill="hold" grpId="0" nodeType="clickEffect">
+                                  <p:stCondLst>
+                                    <p:cond delay="0"/>
+                                  </p:stCondLst>
+                                  <p:childTnLst>
+                                    <p:set>
+                                      <p:cBhvr>
+                                        <p:cTn id="6" dur="300" fill="hold">
+                                          <p:stCondLst>
+                                            <p:cond delay="0"/>
+                                          </p:stCondLst>
+                                        </p:cTn>
+                                        <p:tgtEl>
+                                          <p:spTgt spid="6"/>
+                                        </p:tgtEl>
+                                        <p:attrNameLst>
+                                          <p:attrName>style.visibility</p:attrName>
+                                        </p:attrNameLst>
+                                      </p:cBhvr>
+                                      <p:to>
+                                        <p:strVal val="visible"/>
+                                      </p:to>
+                                    </p:set>
+                                    <p:anim calcmode="lin" valueType="num">
+                                      <p:cBhvr>
+                                        <p:cTn id="7" dur="300" fill="hold"/>
+                                        <p:tgtEl>
+                                          <p:spTgt spid="6"/>
+                                        </p:tgtEl>
+                                        <p:attrNameLst>
+                                          <p:attrName>ppt_w</p:attrName>
+                                        </p:attrNameLst>
+                                      </p:cBhvr>
+                                      <p:tavLst>
+                                        <p:tav tm="0">
+                                          <p:val>
+                                            <p:strVal val="2/3*#ppt_w"/>
+                                          </p:val>
+                                        </p:tav>
+                                        <p:tav tm="100000">
+                                          <p:val>
+                                            <p:strVal val="#ppt_w"/>
+                                          </p:val>
+                                        </p:tav>
+                                      </p:tavLst>
+                                    </p:anim>
+                                    <p:anim calcmode="lin" valueType="num">
+                                      <p:cBhvr>
+                                        <p:cTn id="8" dur="300" fill="hold"/>
+                                        <p:tgtEl>
+                                          <p:spTgt spid="6"/>
+                                        </p:tgtEl>
+                                        <p:attrNameLst>
+                                          <p:attrName>ppt_h</p:attrName>
+                                        </p:attrNameLst>
+                                      </p:cBhvr>
+                                      <p:tavLst>
+                                        <p:tav tm="0">
+                                          <p:val>
+                                            <p:strVal val="2/3*#ppt_h"/>
+                                          </p:val>
+                                        </p:tav>
+                                        <p:tav tm="100000">
+                                          <p:val>
+                                            <p:strVal val="#ppt_h"/>
+                                          </p:val>
+                                        </p:tav>
+                                      </p:tavLst>
+                                    </p:anim>
+                                  </p:childTnLst>
+                                </p:cTn>
+                              </p:par>
+                            </p:childTnLst>
+                          </p:cTn>
+                        </p:par>
+                        <p:par>
+                          <p:cTn id="9" fill="hold">
+                            <p:stCondLst>
+                              <p:cond delay="500"/>
+                            </p:stCondLst>
+                            <p:childTnLst>
+                              <p:par>
+                                <p:cTn id="10" presetID="23" presetClass="entr" presetSubtype="16" fill="hold" grpId="0" nodeType="afterEffect">
+                                  <p:stCondLst>
+                                    <p:cond delay="0"/>
+                                  </p:stCondLst>
+                                  <p:childTnLst>
+                                    <p:set>
+                                      <p:cBhvr>
+                                        <p:cTn id="11" dur="1" fill="hold">
+                                          <p:stCondLst>
+                                            <p:cond delay="0"/>
+                                          </p:stCondLst>
+                                        </p:cTn>
+                                        <p:tgtEl>
+                                          <p:spTgt spid="8"/>
+                                        </p:tgtEl>
+                                        <p:attrNameLst>
+                                          <p:attrName>style.visibility</p:attrName>
+                                        </p:attrNameLst>
+                                      </p:cBhvr>
+                                      <p:to>
+                                        <p:strVal val="visible"/>
+                                      </p:to>
+                                    </p:set>
+                                    <p:anim calcmode="lin" valueType="num">
+                                      <p:cBhvr>
+                                        <p:cTn id="12" dur="500" fill="hold"/>
+                                        <p:tgtEl>
+                                          <p:spTgt spid="8"/>
+                                        </p:tgtEl>
+                                        <p:attrNameLst>
+                                          <p:attrName>ppt_w</p:attrName>
+                                        </p:attrNameLst>
+                                      </p:cBhvr>
+                                      <p:tavLst>
+                                        <p:tav tm="0">
+                                          <p:val>
+                                            <p:fltVal val="0"/>
+                                          </p:val>
+                                        </p:tav>
+                                        <p:tav tm="100000">
+                                          <p:val>
+                                            <p:strVal val="#ppt_w"/>
+                                          </p:val>
+                                        </p:tav>
+                                      </p:tavLst>
+                                    </p:anim>
+                                    <p:anim calcmode="lin" valueType="num">
+                                      <p:cBhvr>
+                                        <p:cTn id="13" dur="500" fill="hold"/>
+                                        <p:tgtEl>
+                                          <p:spTgt spid="8"/>
+                                        </p:tgtEl>
+                                        <p:attrNameLst>
+                                          <p:attrName>ppt_h</p:attrName>
+                                        </p:attrNameLst>
+                                      </p:cBhvr>
+                                      <p:tavLst>
+                                        <p:tav tm="0">
+                                          <p:val>
+                                            <p:fltVal val="0"/>
+                                          </p:val>
+                                        </p:tav>
+                                        <p:tav tm="100000">
+                                          <p:val>
+                                            <p:strVal val="#ppt_h"/>
+                                          </p:val>
+                                        </p:tav>
+                                      </p:tavLst>
+                                    </p:anim>
+                                  </p:childTnLst>
+                                </p:cTn>
+                              </p:par>
+                            </p:childTnLst>
+                          </p:cTn>
+                        </p:par>
+                        <p:par>
+                          <p:cTn id="14" fill="hold">
+                            <p:stCondLst>
+                              <p:cond delay="1000"/>
+                            </p:stCondLst>
+                            <p:childTnLst>
+                              <p:par>
+                                <p:cTn id="15" presetID="23" presetClass="entr" presetSubtype="16" fill="hold" grpId="0" nodeType="afterEffect">
+                                  <p:stCondLst>
+                                    <p:cond delay="0"/>
+                                  </p:stCondLst>
+                                  <p:childTnLst>
+                                    <p:set>
+                                      <p:cBhvr>
+                                        <p:cTn id="16" dur="1" fill="hold">
+                                          <p:stCondLst>
+                                            <p:cond delay="0"/>
+                                          </p:stCondLst>
+                                        </p:cTn>
+                                        <p:tgtEl>
+                                          <p:spTgt spid="7"/>
+                                        </p:tgtEl>
+                                        <p:attrNameLst>
+                                          <p:attrName>style.visibility</p:attrName>
+                                        </p:attrNameLst>
+                                      </p:cBhvr>
+                                      <p:to>
+                                        <p:strVal val="visible"/>
+                                      </p:to>
+                                    </p:set>
+                                    <p:anim calcmode="lin" valueType="num">
+                                      <p:cBhvr>
+                                        <p:cTn id="17" dur="500" fill="hold"/>
+                                        <p:tgtEl>
+                                          <p:spTgt spid="7"/>
+                                        </p:tgtEl>
+                                        <p:attrNameLst>
+                                          <p:attrName>ppt_w</p:attrName>
+                                        </p:attrNameLst>
+                                      </p:cBhvr>
+                                      <p:tavLst>
+                                        <p:tav tm="0">
+                                          <p:val>
+                                            <p:fltVal val="0"/>
+                                          </p:val>
+                                        </p:tav>
+                                        <p:tav tm="100000">
+                                          <p:val>
+                                            <p:strVal val="#ppt_w"/>
+                                          </p:val>
+                                        </p:tav>
+                                      </p:tavLst>
+                                    </p:anim>
+                                    <p:anim calcmode="lin" valueType="num">
+                                      <p:cBhvr>
+                                        <p:cTn id="18" dur="500" fill="hold"/>
+                                        <p:tgtEl>
+                                          <p:spTgt spid="7"/>
+                                        </p:tgtEl>
+                                        <p:attrNameLst>
+                                          <p:attrName>ppt_h</p:attrName>
+                                        </p:attrNameLst>
+                                      </p:cBhvr>
+                                      <p:tavLst>
+                                        <p:tav tm="0">
+                                          <p:val>
+                                            <p:fltVal val="0"/>
+                                          </p:val>
+                                        </p:tav>
+                                        <p:tav tm="100000">
+                                          <p:val>
+                                            <p:strVal val="#ppt_h"/>
+                                          </p:val>
+                                        </p:tav>
+                                      </p:tavLst>
+                                    </p:anim>
+                                  </p:childTnLst>
+                                </p:cTn>
+                              </p:par>
+                            </p:childTnLst>
+                          </p:cTn>
+                        </p:par>
+                        <p:par>
+                          <p:cTn id="19" fill="hold">
+                            <p:stCondLst>
+                              <p:cond delay="1500"/>
+                            </p:stCondLst>
+                            <p:childTnLst>
+                              <p:par>
+                                <p:cTn id="20" presetID="23" presetClass="entr" presetSubtype="16" fill="hold" grpId="0" nodeType="afterEffect">
+                                  <p:stCondLst>
+                                    <p:cond delay="0"/>
+                                  </p:stCondLst>
+                                  <p:childTnLst>
+                                    <p:set>
+                                      <p:cBhvr>
+                                        <p:cTn id="21" dur="1" fill="hold">
+                                          <p:stCondLst>
+                                            <p:cond delay="0"/>
+                                          </p:stCondLst>
+                                        </p:cTn>
+                                        <p:tgtEl>
+                                          <p:spTgt spid="9"/>
+                                        </p:tgtEl>
+                                        <p:attrNameLst>
+                                          <p:attrName>style.visibility</p:attrName>
+                                        </p:attrNameLst>
+                                      </p:cBhvr>
+                                      <p:to>
+                                        <p:strVal val="visible"/>
+                                      </p:to>
+                                    </p:set>
+                                    <p:anim calcmode="lin" valueType="num">
+                                      <p:cBhvr>
+                                        <p:cTn id="22" dur="500" fill="hold"/>
+                                        <p:tgtEl>
+                                          <p:spTgt spid="9"/>
+                                        </p:tgtEl>
+                                        <p:attrNameLst>
+                                          <p:attrName>ppt_w</p:attrName>
+                                        </p:attrNameLst>
+                                      </p:cBhvr>
+                                      <p:tavLst>
+                                        <p:tav tm="0">
+                                          <p:val>
+                                            <p:fltVal val="0"/>
+                                          </p:val>
+                                        </p:tav>
+                                        <p:tav tm="100000">
+                                          <p:val>
+                                            <p:strVal val="#ppt_w"/>
+                                          </p:val>
+                                        </p:tav>
+                                      </p:tavLst>
+                                    </p:anim>
+                                    <p:anim calcmode="lin" valueType="num">
+                                      <p:cBhvr>
+                                        <p:cTn id="23" dur="500" fill="hold"/>
+                                        <p:tgtEl>
+                                          <p:spTgt spid="9"/>
+                                        </p:tgtEl>
+                                        <p:attrNameLst>
+                                          <p:attrName>ppt_h</p:attrName>
+                                        </p:attrNameLst>
+                                      </p:cBhvr>
+                                      <p:tavLst>
+                                        <p:tav tm="0">
+                                          <p:val>
+                                            <p:fltVal val="0"/>
+                                          </p:val>
+                                        </p:tav>
+                                        <p:tav tm="100000">
+                                          <p:val>
+                                            <p:strVal val="#ppt_h"/>
+                                          </p:val>
+                                        </p:tav>
+                                      </p:tavLst>
+                                    </p:anim>
+                                  </p:childTnLst>
+                                </p:cTn>
+                              </p:par>
+                            </p:childTnLst>
+                          </p:cTn>
+                        </p:par>
+                      </p:childTnLst>
+                    </p:cTn>
+                  </p:par>
+                </p:childTnLst>
+              </p:cTn>
+              <p:prevCondLst>
+                <p:cond evt="onPrev" delay="0">
+                  <p:tgtEl>
+                    <p:sldTgt/>
+                  </p:tgtEl>
+                </p:cond>
+              </p:prevCondLst>
+              <p:nextCondLst>
+                <p:cond evt="onNext" delay="0">
+                  <p:tgtEl>
+                    <p:sldTgt/>
+                  </p:tgtEl>
+                </p:cond>
+              </p:nextCondLst>
+            </p:seq>
+          </p:childTnLst>
+        </p:cTn>
+      </p:par>
+    </p:tnLst>
+    <p:bldLst>
+      <p:bldP spid="6" grpId="0" animBg="1"/>
+      <p:bldP spid="6" grpId="1" animBg="1"/>
+      <p:bldP spid="7" grpId="0" animBg="1"/>
+      <p:bldP spid="7" grpId="1" animBg="1"/>
+      <p:bldP spid="8" grpId="0"/>
+      <p:bldP spid="8" grpId="1"/>
+      <p:bldP spid="9" grpId="0"/>
+      <p:bldP spid="9" grpId="1"/>
+    </p:bldLst>
+  </p:timing>
+</p:sld>
+</file>
+
+<file path=ppt/slides/slide3.xml><?xml version="1.0" encoding="utf-8"?>
+<p:sld xmlns:a="http://schemas.openxmlformats.org/drawingml/2006/main" xmlns:r="http://schemas.openxmlformats.org/officeDocument/2006/relationships" xmlns:p="http://schemas.openxmlformats.org/presentationml/2006/main">
+  <p:cSld>
+    <p:bg>
+      <p:bgPr>
+        <a:solidFill>
+          <a:srgbClr val="9A3B3B"/>
+        </a:solidFill>
+        <a:effectLst/>
+      </p:bgPr>
+    </p:bg>
+    <p:spTree>
+      <p:nvGrpSpPr>
+        <p:cNvPr id="1" name=""/>
+        <p:cNvGrpSpPr/>
+        <p:nvPr/>
+      </p:nvGrpSpPr>
+      <p:grpSpPr/>
+      <p:sp>
+        <p:nvSpPr>
+          <p:cNvPr id="4" name="Freeform 3"/>
+          <p:cNvSpPr/>
+          <p:nvPr/>
+        </p:nvSpPr>
+        <p:spPr>
+          <a:xfrm rot="21060000">
+            <a:off x="6864985" y="408940"/>
+            <a:ext cx="5293995" cy="843915"/>
+          </a:xfrm>
+          <a:custGeom>
+            <a:avLst/>
+            <a:gdLst>
+              <a:gd name="connsiteX0" fmla="*/ 0 w 15804"/>
+              <a:gd name="connsiteY0" fmla="*/ 0 h 3698"/>
+              <a:gd name="connsiteX1" fmla="*/ 13871 w 15804"/>
+              <a:gd name="connsiteY1" fmla="*/ 1185 h 3698"/>
+              <a:gd name="connsiteX2" fmla="*/ 15804 w 15804"/>
+              <a:gd name="connsiteY2" fmla="*/ 3698 h 3698"/>
+              <a:gd name="connsiteX3" fmla="*/ 985 w 15804"/>
+              <a:gd name="connsiteY3" fmla="*/ 1951 h 3698"/>
+              <a:gd name="connsiteX4" fmla="*/ 0 w 15804"/>
+              <a:gd name="connsiteY4" fmla="*/ 0 h 3698"/>
+            </a:gdLst>
+            <a:ahLst/>
+            <a:cxnLst>
+              <a:cxn ang="0">
+                <a:pos x="connsiteX0" y="connsiteY0"/>
+              </a:cxn>
+              <a:cxn ang="0">
+                <a:pos x="connsiteX1" y="connsiteY1"/>
+              </a:cxn>
+              <a:cxn ang="0">
+                <a:pos x="connsiteX2" y="connsiteY2"/>
+              </a:cxn>
+              <a:cxn ang="0">
+                <a:pos x="connsiteX3" y="connsiteY3"/>
+              </a:cxn>
+              <a:cxn ang="0">
+                <a:pos x="connsiteX4" y="connsiteY4"/>
+              </a:cxn>
+            </a:cxnLst>
+            <a:rect l="l" t="t" r="r" b="b"/>
+            <a:pathLst>
+              <a:path w="15804" h="3698">
+                <a:moveTo>
+                  <a:pt x="0" y="0"/>
+                </a:moveTo>
+                <a:lnTo>
+                  <a:pt x="13871" y="1185"/>
+                </a:lnTo>
+                <a:lnTo>
+                  <a:pt x="15804" y="3698"/>
+                </a:lnTo>
+                <a:lnTo>
+                  <a:pt x="985" y="1951"/>
+                </a:lnTo>
+                <a:lnTo>
+                  <a:pt x="0" y="0"/>
+                </a:lnTo>
+                <a:close/>
+              </a:path>
+            </a:pathLst>
+          </a:custGeom>
+          <a:solidFill>
+            <a:schemeClr val="bg2">
+              <a:lumMod val="25000"/>
+              <a:alpha val="63000"/>
+            </a:schemeClr>
+          </a:solidFill>
+          <a:ln>
+            <a:noFill/>
+          </a:ln>
+          <a:effectLst>
+            <a:reflection stA="0" endPos="65000" dist="50800" dir="5400000" sy="-100000" algn="bl" rotWithShape="0"/>
+          </a:effectLst>
+        </p:spPr>
+        <p:style>
+          <a:lnRef idx="2">
+            <a:schemeClr val="accent1">
+              <a:lumMod val="75000"/>
+            </a:schemeClr>
+          </a:lnRef>
+          <a:fillRef idx="1">
+            <a:schemeClr val="accent1"/>
+          </a:fillRef>
+          <a:effectRef idx="0">
+            <a:srgbClr val="FFFFFF"/>
+          </a:effectRef>
+          <a:fontRef idx="minor">
+            <a:schemeClr val="lt1"/>
+          </a:fontRef>
+        </p:style>
+        <p:txBody>
+          <a:bodyPr rtlCol="0" anchor="ctr"/>
+          <a:p>
+            <a:pPr algn="ctr"/>
+            <a:endParaRPr lang="en-US"/>
+          </a:p>
+        </p:txBody>
+      </p:sp>
+      <p:sp>
+        <p:nvSpPr>
+          <p:cNvPr id="5" name="Text Box 4"/>
+          <p:cNvSpPr txBox="1"/>
+          <p:nvPr/>
+        </p:nvSpPr>
+        <p:spPr>
+          <a:xfrm>
+            <a:off x="6831330" y="601345"/>
+            <a:ext cx="7419340" cy="331470"/>
+          </a:xfrm>
+          <a:prstGeom prst="rect">
+            <a:avLst/>
+          </a:prstGeom>
+          <a:noFill/>
+        </p:spPr>
+        <p:txBody>
+          <a:bodyPr wrap="square" rtlCol="0">
+            <a:noAutofit/>
+          </a:bodyPr>
+          <a:p>
+            <a:r>
+              <a:rPr lang="en-US" sz="2800">
+                <a:solidFill>
+                  <a:schemeClr val="bg1"/>
+                </a:solidFill>
+                <a:latin typeface="La Gagliane" panose="02000600000000000000" charset="0"/>
+                <a:cs typeface="La Gagliane" panose="02000600000000000000" charset="0"/>
+              </a:rPr>
+              <a:t>Wine Connoiseurs</a:t>
+            </a:r>
+            <a:endParaRPr lang="en-US" sz="2800">
+              <a:solidFill>
+                <a:schemeClr val="bg1"/>
+              </a:solidFill>
+              <a:latin typeface="La Gagliane" panose="02000600000000000000" charset="0"/>
+              <a:cs typeface="La Gagliane" panose="02000600000000000000" charset="0"/>
+            </a:endParaRPr>
+          </a:p>
+        </p:txBody>
+      </p:sp>
+      <p:sp>
+        <p:nvSpPr>
+          <p:cNvPr id="6" name="Freeform 5"/>
+          <p:cNvSpPr/>
+          <p:nvPr/>
+        </p:nvSpPr>
+        <p:spPr>
+          <a:xfrm>
+            <a:off x="-1948180" y="-1077595"/>
+            <a:ext cx="1456055" cy="1369695"/>
+          </a:xfrm>
+          <a:custGeom>
+            <a:avLst/>
+            <a:gdLst>
+              <a:gd name="connsiteX0" fmla="*/ 0 w 7052"/>
+              <a:gd name="connsiteY0" fmla="*/ 3296 h 6330"/>
+              <a:gd name="connsiteX1" fmla="*/ 2536 w 7052"/>
+              <a:gd name="connsiteY1" fmla="*/ 0 h 6330"/>
+              <a:gd name="connsiteX2" fmla="*/ 7052 w 7052"/>
+              <a:gd name="connsiteY2" fmla="*/ 3296 h 6330"/>
+              <a:gd name="connsiteX3" fmla="*/ 3227 w 7052"/>
+              <a:gd name="connsiteY3" fmla="*/ 6330 h 6330"/>
+              <a:gd name="connsiteX4" fmla="*/ 0 w 7052"/>
+              <a:gd name="connsiteY4" fmla="*/ 3296 h 6330"/>
+            </a:gdLst>
+            <a:ahLst/>
+            <a:cxnLst>
+              <a:cxn ang="0">
+                <a:pos x="connsiteX0" y="connsiteY0"/>
+              </a:cxn>
+              <a:cxn ang="0">
+                <a:pos x="connsiteX1" y="connsiteY1"/>
+              </a:cxn>
+              <a:cxn ang="0">
+                <a:pos x="connsiteX2" y="connsiteY2"/>
+              </a:cxn>
+              <a:cxn ang="0">
+                <a:pos x="connsiteX3" y="connsiteY3"/>
+              </a:cxn>
+              <a:cxn ang="0">
+                <a:pos x="connsiteX4" y="connsiteY4"/>
+              </a:cxn>
+            </a:cxnLst>
+            <a:rect l="l" t="t" r="r" b="b"/>
+            <a:pathLst>
+              <a:path w="7052" h="6330">
+                <a:moveTo>
+                  <a:pt x="0" y="3296"/>
+                </a:moveTo>
+                <a:cubicBezTo>
+                  <a:pt x="0" y="1552"/>
+                  <a:pt x="589" y="0"/>
+                  <a:pt x="2536" y="0"/>
+                </a:cubicBezTo>
+                <a:cubicBezTo>
+                  <a:pt x="4483" y="0"/>
+                  <a:pt x="7052" y="1552"/>
+                  <a:pt x="7052" y="3296"/>
+                </a:cubicBezTo>
+                <a:cubicBezTo>
+                  <a:pt x="7052" y="5040"/>
+                  <a:pt x="5174" y="6330"/>
+                  <a:pt x="3227" y="6330"/>
+                </a:cubicBezTo>
+                <a:cubicBezTo>
+                  <a:pt x="1280" y="6330"/>
+                  <a:pt x="0" y="5040"/>
+                  <a:pt x="0" y="3296"/>
+                </a:cubicBezTo>
+                <a:close/>
+              </a:path>
+            </a:pathLst>
+          </a:custGeom>
+          <a:solidFill>
+            <a:srgbClr val="E2C799"/>
+          </a:solidFill>
+          <a:ln>
+            <a:noFill/>
+          </a:ln>
+        </p:spPr>
+        <p:style>
+          <a:lnRef idx="2">
+            <a:schemeClr val="accent1">
+              <a:lumMod val="75000"/>
+            </a:schemeClr>
+          </a:lnRef>
+          <a:fillRef idx="1">
+            <a:schemeClr val="accent1"/>
+          </a:fillRef>
+          <a:effectRef idx="0">
+            <a:srgbClr val="FFFFFF"/>
+          </a:effectRef>
+          <a:fontRef idx="minor">
+            <a:schemeClr val="lt1"/>
+          </a:fontRef>
+        </p:style>
+        <p:txBody>
+          <a:bodyPr rtlCol="0" anchor="ctr"/>
+          <a:p>
+            <a:pPr algn="ctr"/>
+            <a:endParaRPr lang="en-US"/>
+          </a:p>
+        </p:txBody>
+      </p:sp>
+      <p:sp>
+        <p:nvSpPr>
+          <p:cNvPr id="7" name="Freeform 6"/>
+          <p:cNvSpPr/>
+          <p:nvPr/>
+        </p:nvSpPr>
+        <p:spPr>
+          <a:xfrm>
+            <a:off x="12253595" y="5652770"/>
+            <a:ext cx="678180" cy="1033145"/>
+          </a:xfrm>
+          <a:custGeom>
+            <a:avLst/>
+            <a:gdLst>
+              <a:gd name="connsiteX0" fmla="*/ 0 w 4111"/>
+              <a:gd name="connsiteY0" fmla="*/ 2146 h 3770"/>
+              <a:gd name="connsiteX1" fmla="*/ 2708 w 4111"/>
+              <a:gd name="connsiteY1" fmla="*/ 0 h 3770"/>
+              <a:gd name="connsiteX2" fmla="*/ 4111 w 4111"/>
+              <a:gd name="connsiteY2" fmla="*/ 2146 h 3770"/>
+              <a:gd name="connsiteX3" fmla="*/ 2149 w 4111"/>
+              <a:gd name="connsiteY3" fmla="*/ 3770 h 3770"/>
+              <a:gd name="connsiteX4" fmla="*/ 0 w 4111"/>
+              <a:gd name="connsiteY4" fmla="*/ 2146 h 3770"/>
+            </a:gdLst>
+            <a:ahLst/>
+            <a:cxnLst>
+              <a:cxn ang="0">
+                <a:pos x="connsiteX0" y="connsiteY0"/>
+              </a:cxn>
+              <a:cxn ang="0">
+                <a:pos x="connsiteX1" y="connsiteY1"/>
+              </a:cxn>
+              <a:cxn ang="0">
+                <a:pos x="connsiteX2" y="connsiteY2"/>
+              </a:cxn>
+              <a:cxn ang="0">
+                <a:pos x="connsiteX3" y="connsiteY3"/>
+              </a:cxn>
+              <a:cxn ang="0">
+                <a:pos x="connsiteX4" y="connsiteY4"/>
+              </a:cxn>
+            </a:cxnLst>
+            <a:rect l="l" t="t" r="r" b="b"/>
+            <a:pathLst>
+              <a:path w="4111" h="3770">
+                <a:moveTo>
+                  <a:pt x="0" y="2146"/>
+                </a:moveTo>
+                <a:cubicBezTo>
+                  <a:pt x="0" y="1176"/>
+                  <a:pt x="1573" y="0"/>
+                  <a:pt x="2708" y="0"/>
+                </a:cubicBezTo>
+                <a:cubicBezTo>
+                  <a:pt x="3843" y="0"/>
+                  <a:pt x="4111" y="1176"/>
+                  <a:pt x="4111" y="2146"/>
+                </a:cubicBezTo>
+                <a:cubicBezTo>
+                  <a:pt x="4111" y="3116"/>
+                  <a:pt x="3284" y="3770"/>
+                  <a:pt x="2149" y="3770"/>
+                </a:cubicBezTo>
+                <a:cubicBezTo>
+                  <a:pt x="1014" y="3770"/>
+                  <a:pt x="0" y="3116"/>
+                  <a:pt x="0" y="2146"/>
+                </a:cubicBezTo>
+                <a:close/>
+              </a:path>
+            </a:pathLst>
+          </a:custGeom>
+          <a:solidFill>
+            <a:srgbClr val="E2C799"/>
+          </a:solidFill>
+          <a:ln>
+            <a:noFill/>
+          </a:ln>
+        </p:spPr>
+        <p:style>
+          <a:lnRef idx="2">
+            <a:schemeClr val="accent1">
+              <a:lumMod val="75000"/>
+            </a:schemeClr>
+          </a:lnRef>
+          <a:fillRef idx="1">
+            <a:schemeClr val="accent1"/>
+          </a:fillRef>
+          <a:effectRef idx="0">
+            <a:srgbClr val="FFFFFF"/>
+          </a:effectRef>
+          <a:fontRef idx="minor">
+            <a:schemeClr val="lt1"/>
+          </a:fontRef>
+        </p:style>
+        <p:txBody>
+          <a:bodyPr rtlCol="0" anchor="ctr"/>
+          <a:p>
+            <a:pPr algn="ctr"/>
+            <a:endParaRPr lang="en-US"/>
+          </a:p>
+        </p:txBody>
+      </p:sp>
+      <p:sp>
+        <p:nvSpPr>
+          <p:cNvPr id="8" name="Text Box 7"/>
+          <p:cNvSpPr txBox="1"/>
+          <p:nvPr/>
+        </p:nvSpPr>
+        <p:spPr>
+          <a:xfrm>
+            <a:off x="-2476500" y="-1077595"/>
+            <a:ext cx="4449445" cy="3117215"/>
+          </a:xfrm>
+          <a:prstGeom prst="rect">
+            <a:avLst/>
+          </a:prstGeom>
+          <a:noFill/>
+        </p:spPr>
+        <p:txBody>
+          <a:bodyPr wrap="square" rtlCol="0">
+            <a:noAutofit/>
+          </a:bodyPr>
+          <a:p>
+            <a:pPr>
+              <a:lnSpc>
+                <a:spcPct val="140000"/>
+              </a:lnSpc>
+            </a:pPr>
+            <a:r>
+              <a:rPr lang="en-US">
+                <a:solidFill>
+                  <a:schemeClr val="tx1">
+                    <a:lumMod val="75000"/>
+                    <a:lumOff val="25000"/>
+                  </a:schemeClr>
+                </a:solidFill>
+                <a:latin typeface="La Gagliane" panose="02000600000000000000" charset="0"/>
+                <a:cs typeface="La Gagliane" panose="02000600000000000000" charset="0"/>
+              </a:rPr>
+              <a:t>Pham Han</a:t>
+            </a:r>
+            <a:endParaRPr lang="en-US">
+              <a:solidFill>
+                <a:schemeClr val="tx1">
+                  <a:lumMod val="75000"/>
+                  <a:lumOff val="25000"/>
+                </a:schemeClr>
+              </a:solidFill>
+              <a:latin typeface="La Gagliane" panose="02000600000000000000" charset="0"/>
+              <a:cs typeface="La Gagliane" panose="02000600000000000000" charset="0"/>
+            </a:endParaRPr>
+          </a:p>
+        </p:txBody>
+      </p:sp>
+      <p:sp>
+        <p:nvSpPr>
+          <p:cNvPr id="9" name="Text Box 8"/>
+          <p:cNvSpPr txBox="1"/>
+          <p:nvPr/>
+        </p:nvSpPr>
+        <p:spPr>
+          <a:xfrm>
+            <a:off x="13420090" y="4712970"/>
+            <a:ext cx="4449445" cy="3117215"/>
+          </a:xfrm>
+          <a:prstGeom prst="rect">
+            <a:avLst/>
+          </a:prstGeom>
+          <a:noFill/>
+        </p:spPr>
+        <p:txBody>
+          <a:bodyPr wrap="square" rtlCol="0">
+            <a:noAutofit/>
+          </a:bodyPr>
+          <a:p>
+            <a:pPr>
+              <a:lnSpc>
+                <a:spcPct val="140000"/>
+              </a:lnSpc>
+            </a:pPr>
+            <a:r>
+              <a:rPr lang="en-US" sz="2400" b="1">
+                <a:solidFill>
+                  <a:schemeClr val="tx1">
+                    <a:lumMod val="75000"/>
+                    <a:lumOff val="25000"/>
+                  </a:schemeClr>
+                </a:solidFill>
+                <a:latin typeface="La Gagliane" panose="02000600000000000000" charset="0"/>
+                <a:cs typeface="La Gagliane" panose="02000600000000000000" charset="0"/>
+              </a:rPr>
+              <a:t>JSA</a:t>
+            </a:r>
+            <a:r>
+              <a:rPr lang="en-US" sz="2400">
+                <a:solidFill>
+                  <a:schemeClr val="tx1">
+                    <a:lumMod val="75000"/>
+                    <a:lumOff val="25000"/>
+                  </a:schemeClr>
+                </a:solidFill>
+                <a:latin typeface="Times New Roman" panose="02020603050405020304" charset="0"/>
+                <a:ea typeface="Microsoft YaHei" panose="020B0503020204020204" charset="-122"/>
+                <a:cs typeface="Times New Roman" panose="02020603050405020304" charset="0"/>
+              </a:rPr>
+              <a:t>41</a:t>
+            </a:r>
+            <a:endParaRPr lang="en-US" sz="2400">
+              <a:solidFill>
+                <a:schemeClr val="tx1">
+                  <a:lumMod val="75000"/>
+                  <a:lumOff val="25000"/>
+                </a:schemeClr>
+              </a:solidFill>
+              <a:latin typeface="Times New Roman" panose="02020603050405020304" charset="0"/>
+              <a:ea typeface="Microsoft YaHei" panose="020B0503020204020204" charset="-122"/>
+              <a:cs typeface="Times New Roman" panose="02020603050405020304" charset="0"/>
+            </a:endParaRPr>
+          </a:p>
+        </p:txBody>
+      </p:sp>
+      <p:grpSp>
+        <p:nvGrpSpPr>
+          <p:cNvPr id="13" name="Group 12"/>
+          <p:cNvGrpSpPr/>
+          <p:nvPr/>
+        </p:nvGrpSpPr>
+        <p:grpSpPr>
+          <a:xfrm>
+            <a:off x="-10928350" y="-414655"/>
+            <a:ext cx="7522210" cy="7683500"/>
+            <a:chOff x="-260" y="-653"/>
+            <a:chExt cx="11846" cy="12100"/>
+          </a:xfrm>
+        </p:grpSpPr>
+        <p:sp>
+          <p:nvSpPr>
+            <p:cNvPr id="2" name="Rectangles 1"/>
+            <p:cNvSpPr/>
+            <p:nvPr/>
+          </p:nvSpPr>
+          <p:spPr>
+            <a:xfrm>
+              <a:off x="-260" y="-653"/>
+              <a:ext cx="9965" cy="12100"/>
+            </a:xfrm>
+            <a:prstGeom prst="rect">
+              <a:avLst/>
+            </a:prstGeom>
+            <a:solidFill>
+              <a:srgbClr val="E2C799"/>
+            </a:solidFill>
+            <a:ln>
+              <a:noFill/>
+            </a:ln>
+          </p:spPr>
+          <p:style>
+            <a:lnRef idx="2">
+              <a:schemeClr val="accent1">
+                <a:lumMod val="75000"/>
+              </a:schemeClr>
+            </a:lnRef>
+            <a:fillRef idx="1">
+              <a:schemeClr val="accent1"/>
+            </a:fillRef>
+            <a:effectRef idx="0">
+              <a:srgbClr val="FFFFFF"/>
+            </a:effectRef>
+            <a:fontRef idx="minor">
+              <a:schemeClr val="lt1"/>
+            </a:fontRef>
+          </p:style>
+          <p:txBody>
+            <a:bodyPr rtlCol="0" anchor="ctr"/>
+            <a:p>
+              <a:pPr algn="ctr"/>
+              <a:endParaRPr lang="en-US"/>
+            </a:p>
+          </p:txBody>
+        </p:sp>
+        <p:sp>
+          <p:nvSpPr>
+            <p:cNvPr id="3" name="Text Box 2"/>
+            <p:cNvSpPr txBox="1"/>
+            <p:nvPr/>
+          </p:nvSpPr>
+          <p:spPr>
+            <a:xfrm>
+              <a:off x="5186" y="4542"/>
+              <a:ext cx="6400" cy="2470"/>
+            </a:xfrm>
+            <a:prstGeom prst="rect">
+              <a:avLst/>
+            </a:prstGeom>
+            <a:noFill/>
+          </p:spPr>
+          <p:txBody>
+            <a:bodyPr wrap="square" rtlCol="0">
+              <a:spAutoFit/>
+            </a:bodyPr>
+            <a:p>
+              <a:r>
+                <a:rPr lang="en-US" sz="9600">
+                  <a:solidFill>
+                    <a:schemeClr val="tx1">
+                      <a:lumMod val="75000"/>
+                      <a:lumOff val="25000"/>
+                    </a:schemeClr>
+                  </a:solidFill>
+                  <a:latin typeface="La Gagliane" panose="02000600000000000000" charset="0"/>
+                  <a:cs typeface="La Gagliane" panose="02000600000000000000" charset="0"/>
+                </a:rPr>
+                <a:t>DE</a:t>
+              </a:r>
+              <a:endParaRPr lang="en-US" sz="9600">
+                <a:solidFill>
+                  <a:schemeClr val="tx1">
+                    <a:lumMod val="75000"/>
+                    <a:lumOff val="25000"/>
+                  </a:schemeClr>
+                </a:solidFill>
+                <a:latin typeface="La Gagliane" panose="02000600000000000000" charset="0"/>
+                <a:cs typeface="La Gagliane" panose="02000600000000000000" charset="0"/>
+              </a:endParaRPr>
+            </a:p>
+          </p:txBody>
+        </p:sp>
+      </p:grpSp>
+      <p:grpSp>
+        <p:nvGrpSpPr>
+          <p:cNvPr id="12" name="Group 11"/>
+          <p:cNvGrpSpPr/>
+          <p:nvPr/>
+        </p:nvGrpSpPr>
+        <p:grpSpPr>
+          <a:xfrm>
+            <a:off x="16760825" y="-389255"/>
+            <a:ext cx="6574790" cy="7683500"/>
+            <a:chOff x="9315" y="-613"/>
+            <a:chExt cx="10354" cy="12100"/>
+          </a:xfrm>
+        </p:grpSpPr>
+        <p:sp>
+          <p:nvSpPr>
+            <p:cNvPr id="10" name="Rectangles 9"/>
+            <p:cNvSpPr/>
+            <p:nvPr/>
+          </p:nvSpPr>
+          <p:spPr>
+            <a:xfrm>
+              <a:off x="9705" y="-613"/>
+              <a:ext cx="9965" cy="12100"/>
+            </a:xfrm>
+            <a:prstGeom prst="rect">
+              <a:avLst/>
+            </a:prstGeom>
+            <a:solidFill>
+              <a:srgbClr val="E2C799"/>
+            </a:solidFill>
+            <a:ln>
+              <a:noFill/>
+            </a:ln>
+          </p:spPr>
+          <p:style>
+            <a:lnRef idx="2">
+              <a:schemeClr val="accent1">
+                <a:lumMod val="75000"/>
+              </a:schemeClr>
+            </a:lnRef>
+            <a:fillRef idx="1">
+              <a:schemeClr val="accent1"/>
+            </a:fillRef>
+            <a:effectRef idx="0">
+              <a:srgbClr val="FFFFFF"/>
+            </a:effectRef>
+            <a:fontRef idx="minor">
+              <a:schemeClr val="lt1"/>
+            </a:fontRef>
+          </p:style>
+          <p:txBody>
+            <a:bodyPr rtlCol="0" anchor="ctr"/>
+            <a:p>
+              <a:pPr algn="ctr"/>
+              <a:endParaRPr lang="en-US"/>
+            </a:p>
+          </p:txBody>
+        </p:sp>
+        <p:sp>
+          <p:nvSpPr>
+            <p:cNvPr id="11" name="Text Box 10"/>
+            <p:cNvSpPr txBox="1"/>
+            <p:nvPr/>
+          </p:nvSpPr>
+          <p:spPr>
+            <a:xfrm>
+              <a:off x="9315" y="4522"/>
+              <a:ext cx="6400" cy="2470"/>
+            </a:xfrm>
+            <a:prstGeom prst="rect">
+              <a:avLst/>
+            </a:prstGeom>
+            <a:noFill/>
+          </p:spPr>
+          <p:txBody>
+            <a:bodyPr wrap="square" rtlCol="0">
+              <a:spAutoFit/>
+            </a:bodyPr>
+            <a:p>
+              <a:r>
+                <a:rPr lang="en-US" sz="9600">
+                  <a:solidFill>
+                    <a:schemeClr val="tx1">
+                      <a:lumMod val="75000"/>
+                      <a:lumOff val="25000"/>
+                    </a:schemeClr>
+                  </a:solidFill>
+                  <a:latin typeface="La Gagliane" panose="02000600000000000000" charset="0"/>
+                  <a:cs typeface="La Gagliane" panose="02000600000000000000" charset="0"/>
+                </a:rPr>
+                <a:t>MO</a:t>
+              </a:r>
+              <a:endParaRPr lang="en-US" sz="9600">
+                <a:solidFill>
+                  <a:schemeClr val="tx1">
+                    <a:lumMod val="75000"/>
+                    <a:lumOff val="25000"/>
+                  </a:schemeClr>
+                </a:solidFill>
+                <a:latin typeface="La Gagliane" panose="02000600000000000000" charset="0"/>
+                <a:cs typeface="La Gagliane" panose="02000600000000000000" charset="0"/>
+              </a:endParaRPr>
+            </a:p>
+          </p:txBody>
+        </p:sp>
+      </p:grpSp>
+      <p:sp>
+        <p:nvSpPr>
+          <p:cNvPr id="24" name="Freeform 23"/>
+          <p:cNvSpPr/>
+          <p:nvPr/>
+        </p:nvSpPr>
+        <p:spPr>
+          <a:xfrm>
+            <a:off x="-12628880" y="2190750"/>
+            <a:ext cx="7659370" cy="1390650"/>
+          </a:xfrm>
+          <a:custGeom>
+            <a:avLst/>
+            <a:gdLst>
+              <a:gd name="connsiteX0" fmla="*/ 0 w 12062"/>
+              <a:gd name="connsiteY0" fmla="*/ 671 h 2190"/>
+              <a:gd name="connsiteX1" fmla="*/ 12062 w 12062"/>
+              <a:gd name="connsiteY1" fmla="*/ 0 h 2190"/>
+              <a:gd name="connsiteX2" fmla="*/ 10820 w 12062"/>
+              <a:gd name="connsiteY2" fmla="*/ 2145 h 2190"/>
+              <a:gd name="connsiteX3" fmla="*/ 189 w 12062"/>
+              <a:gd name="connsiteY3" fmla="*/ 2190 h 2190"/>
+              <a:gd name="connsiteX4" fmla="*/ 0 w 12062"/>
+              <a:gd name="connsiteY4" fmla="*/ 671 h 2190"/>
+            </a:gdLst>
+            <a:ahLst/>
+            <a:cxnLst>
+              <a:cxn ang="0">
+                <a:pos x="connsiteX0" y="connsiteY0"/>
+              </a:cxn>
+              <a:cxn ang="0">
+                <a:pos x="connsiteX1" y="connsiteY1"/>
+              </a:cxn>
+              <a:cxn ang="0">
+                <a:pos x="connsiteX2" y="connsiteY2"/>
+              </a:cxn>
+              <a:cxn ang="0">
+                <a:pos x="connsiteX3" y="connsiteY3"/>
+              </a:cxn>
+              <a:cxn ang="0">
+                <a:pos x="connsiteX4" y="connsiteY4"/>
+              </a:cxn>
+            </a:cxnLst>
+            <a:rect l="l" t="t" r="r" b="b"/>
+            <a:pathLst>
+              <a:path w="12062" h="2190">
+                <a:moveTo>
+                  <a:pt x="0" y="671"/>
+                </a:moveTo>
+                <a:lnTo>
+                  <a:pt x="12062" y="0"/>
+                </a:lnTo>
+                <a:lnTo>
+                  <a:pt x="10820" y="2145"/>
+                </a:lnTo>
+                <a:lnTo>
+                  <a:pt x="189" y="2190"/>
+                </a:lnTo>
+                <a:lnTo>
+                  <a:pt x="0" y="671"/>
+                </a:lnTo>
+                <a:close/>
+              </a:path>
+            </a:pathLst>
+          </a:custGeom>
+          <a:solidFill>
+            <a:srgbClr val="F8F9E7"/>
+          </a:solidFill>
+          <a:ln>
+            <a:noFill/>
+          </a:ln>
+        </p:spPr>
+        <p:style>
+          <a:lnRef idx="2">
+            <a:schemeClr val="accent1">
+              <a:lumMod val="75000"/>
+            </a:schemeClr>
+          </a:lnRef>
+          <a:fillRef idx="1">
+            <a:schemeClr val="accent1"/>
+          </a:fillRef>
+          <a:effectRef idx="0">
+            <a:srgbClr val="FFFFFF"/>
+          </a:effectRef>
+          <a:fontRef idx="minor">
+            <a:schemeClr val="lt1"/>
+          </a:fontRef>
+        </p:style>
+        <p:txBody>
+          <a:bodyPr rtlCol="0" anchor="ctr"/>
+          <a:p>
+            <a:pPr algn="ctr"/>
+            <a:endParaRPr lang="en-US"/>
+          </a:p>
+        </p:txBody>
+      </p:sp>
+      <p:sp>
+        <p:nvSpPr>
+          <p:cNvPr id="25" name="Freeform 24"/>
+          <p:cNvSpPr/>
+          <p:nvPr/>
+        </p:nvSpPr>
+        <p:spPr>
+          <a:xfrm>
+            <a:off x="-12534900" y="3906520"/>
+            <a:ext cx="9677400" cy="1430655"/>
+          </a:xfrm>
+          <a:custGeom>
+            <a:avLst/>
+            <a:gdLst>
+              <a:gd name="connsiteX0" fmla="*/ 0 w 12062"/>
+              <a:gd name="connsiteY0" fmla="*/ 671 h 2190"/>
+              <a:gd name="connsiteX1" fmla="*/ 12062 w 12062"/>
+              <a:gd name="connsiteY1" fmla="*/ 0 h 2190"/>
+              <a:gd name="connsiteX2" fmla="*/ 10820 w 12062"/>
+              <a:gd name="connsiteY2" fmla="*/ 2145 h 2190"/>
+              <a:gd name="connsiteX3" fmla="*/ 189 w 12062"/>
+              <a:gd name="connsiteY3" fmla="*/ 2190 h 2190"/>
+              <a:gd name="connsiteX4" fmla="*/ 0 w 12062"/>
+              <a:gd name="connsiteY4" fmla="*/ 671 h 2190"/>
+            </a:gdLst>
+            <a:ahLst/>
+            <a:cxnLst>
+              <a:cxn ang="0">
+                <a:pos x="connsiteX0" y="connsiteY0"/>
+              </a:cxn>
+              <a:cxn ang="0">
+                <a:pos x="connsiteX1" y="connsiteY1"/>
+              </a:cxn>
+              <a:cxn ang="0">
+                <a:pos x="connsiteX2" y="connsiteY2"/>
+              </a:cxn>
+              <a:cxn ang="0">
+                <a:pos x="connsiteX3" y="connsiteY3"/>
+              </a:cxn>
+              <a:cxn ang="0">
+                <a:pos x="connsiteX4" y="connsiteY4"/>
+              </a:cxn>
+            </a:cxnLst>
+            <a:rect l="l" t="t" r="r" b="b"/>
+            <a:pathLst>
+              <a:path w="12062" h="2190">
+                <a:moveTo>
+                  <a:pt x="0" y="671"/>
+                </a:moveTo>
+                <a:lnTo>
+                  <a:pt x="12062" y="0"/>
+                </a:lnTo>
+                <a:lnTo>
+                  <a:pt x="10820" y="2145"/>
+                </a:lnTo>
+                <a:lnTo>
+                  <a:pt x="189" y="2190"/>
+                </a:lnTo>
+                <a:lnTo>
+                  <a:pt x="0" y="671"/>
+                </a:lnTo>
+                <a:close/>
+              </a:path>
+            </a:pathLst>
+          </a:custGeom>
+          <a:solidFill>
+            <a:srgbClr val="F8F9E7"/>
+          </a:solidFill>
+          <a:ln>
+            <a:noFill/>
+          </a:ln>
+        </p:spPr>
+        <p:style>
+          <a:lnRef idx="2">
+            <a:schemeClr val="accent1">
+              <a:lumMod val="75000"/>
+            </a:schemeClr>
+          </a:lnRef>
+          <a:fillRef idx="1">
+            <a:schemeClr val="accent1"/>
+          </a:fillRef>
+          <a:effectRef idx="0">
+            <a:srgbClr val="FFFFFF"/>
+          </a:effectRef>
+          <a:fontRef idx="minor">
+            <a:schemeClr val="lt1"/>
+          </a:fontRef>
+        </p:style>
+        <p:txBody>
+          <a:bodyPr rtlCol="0" anchor="ctr"/>
+          <a:p>
+            <a:pPr algn="ctr"/>
+            <a:endParaRPr lang="en-US"/>
+          </a:p>
+        </p:txBody>
+      </p:sp>
+      <p:sp>
+        <p:nvSpPr>
+          <p:cNvPr id="26" name="Freeform 25"/>
+          <p:cNvSpPr/>
+          <p:nvPr/>
+        </p:nvSpPr>
+        <p:spPr>
+          <a:xfrm>
+            <a:off x="-12440920" y="5622290"/>
+            <a:ext cx="12043410" cy="1430655"/>
+          </a:xfrm>
+          <a:custGeom>
+            <a:avLst/>
+            <a:gdLst>
+              <a:gd name="connsiteX0" fmla="*/ 0 w 12062"/>
+              <a:gd name="connsiteY0" fmla="*/ 671 h 2190"/>
+              <a:gd name="connsiteX1" fmla="*/ 12062 w 12062"/>
+              <a:gd name="connsiteY1" fmla="*/ 0 h 2190"/>
+              <a:gd name="connsiteX2" fmla="*/ 10820 w 12062"/>
+              <a:gd name="connsiteY2" fmla="*/ 2145 h 2190"/>
+              <a:gd name="connsiteX3" fmla="*/ 189 w 12062"/>
+              <a:gd name="connsiteY3" fmla="*/ 2190 h 2190"/>
+              <a:gd name="connsiteX4" fmla="*/ 0 w 12062"/>
+              <a:gd name="connsiteY4" fmla="*/ 671 h 2190"/>
+            </a:gdLst>
+            <a:ahLst/>
+            <a:cxnLst>
+              <a:cxn ang="0">
+                <a:pos x="connsiteX0" y="connsiteY0"/>
+              </a:cxn>
+              <a:cxn ang="0">
+                <a:pos x="connsiteX1" y="connsiteY1"/>
+              </a:cxn>
+              <a:cxn ang="0">
+                <a:pos x="connsiteX2" y="connsiteY2"/>
+              </a:cxn>
+              <a:cxn ang="0">
+                <a:pos x="connsiteX3" y="connsiteY3"/>
+              </a:cxn>
+              <a:cxn ang="0">
+                <a:pos x="connsiteX4" y="connsiteY4"/>
+              </a:cxn>
+            </a:cxnLst>
+            <a:rect l="l" t="t" r="r" b="b"/>
+            <a:pathLst>
+              <a:path w="12062" h="2190">
+                <a:moveTo>
+                  <a:pt x="0" y="671"/>
+                </a:moveTo>
+                <a:lnTo>
+                  <a:pt x="12062" y="0"/>
+                </a:lnTo>
+                <a:lnTo>
+                  <a:pt x="10820" y="2145"/>
+                </a:lnTo>
+                <a:lnTo>
+                  <a:pt x="189" y="2190"/>
+                </a:lnTo>
+                <a:lnTo>
+                  <a:pt x="0" y="671"/>
+                </a:lnTo>
+                <a:close/>
+              </a:path>
+            </a:pathLst>
+          </a:custGeom>
+          <a:solidFill>
+            <a:srgbClr val="F8F9E7"/>
+          </a:solidFill>
+          <a:ln>
+            <a:noFill/>
+          </a:ln>
+        </p:spPr>
+        <p:style>
+          <a:lnRef idx="2">
+            <a:schemeClr val="accent1">
+              <a:lumMod val="75000"/>
+            </a:schemeClr>
+          </a:lnRef>
+          <a:fillRef idx="1">
+            <a:schemeClr val="accent1"/>
+          </a:fillRef>
+          <a:effectRef idx="0">
+            <a:srgbClr val="FFFFFF"/>
+          </a:effectRef>
+          <a:fontRef idx="minor">
+            <a:schemeClr val="lt1"/>
+          </a:fontRef>
+        </p:style>
+        <p:txBody>
+          <a:bodyPr rtlCol="0" anchor="ctr"/>
+          <a:p>
+            <a:pPr algn="ctr"/>
+            <a:endParaRPr lang="en-US"/>
+          </a:p>
+        </p:txBody>
+      </p:sp>
+      <p:sp>
+        <p:nvSpPr>
+          <p:cNvPr id="27" name="Text Box 26"/>
+          <p:cNvSpPr txBox="1"/>
+          <p:nvPr/>
+        </p:nvSpPr>
+        <p:spPr>
+          <a:xfrm>
+            <a:off x="-11812905" y="2777490"/>
+            <a:ext cx="6376035" cy="521970"/>
+          </a:xfrm>
+          <a:prstGeom prst="rect">
+            <a:avLst/>
+          </a:prstGeom>
+          <a:noFill/>
+        </p:spPr>
+        <p:txBody>
+          <a:bodyPr wrap="square" rtlCol="0">
+            <a:spAutoFit/>
+          </a:bodyPr>
+          <a:p>
+            <a:r>
+              <a:rPr lang="en-US" sz="2800">
+                <a:solidFill>
+                  <a:schemeClr val="tx1">
+                    <a:lumMod val="75000"/>
+                    <a:lumOff val="25000"/>
+                  </a:schemeClr>
+                </a:solidFill>
+                <a:latin typeface="La Gagliane" panose="02000600000000000000" charset="0"/>
+                <a:cs typeface="La Gagliane" panose="02000600000000000000" charset="0"/>
+              </a:rPr>
+              <a:t>Aesthetic &amp; culltural</a:t>
+            </a:r>
+            <a:endParaRPr lang="en-US" sz="2800">
+              <a:solidFill>
+                <a:schemeClr val="tx1">
+                  <a:lumMod val="75000"/>
+                  <a:lumOff val="25000"/>
+                </a:schemeClr>
+              </a:solidFill>
+              <a:latin typeface="La Gagliane" panose="02000600000000000000" charset="0"/>
+              <a:cs typeface="La Gagliane" panose="02000600000000000000" charset="0"/>
+            </a:endParaRPr>
+          </a:p>
+        </p:txBody>
+      </p:sp>
+      <p:sp>
+        <p:nvSpPr>
+          <p:cNvPr id="28" name="Text Box 27"/>
+          <p:cNvSpPr txBox="1"/>
+          <p:nvPr/>
+        </p:nvSpPr>
+        <p:spPr>
+          <a:xfrm>
+            <a:off x="-11132820" y="4415155"/>
+            <a:ext cx="9130665" cy="645160"/>
+          </a:xfrm>
+          <a:prstGeom prst="rect">
+            <a:avLst/>
+          </a:prstGeom>
+          <a:noFill/>
+        </p:spPr>
+        <p:txBody>
+          <a:bodyPr wrap="square" rtlCol="0">
+            <a:spAutoFit/>
+          </a:bodyPr>
+          <a:p>
+            <a:r>
+              <a:rPr lang="en-US" sz="3600">
+                <a:solidFill>
+                  <a:schemeClr val="tx1">
+                    <a:lumMod val="75000"/>
+                    <a:lumOff val="25000"/>
+                  </a:schemeClr>
+                </a:solidFill>
+                <a:latin typeface="La Gagliane" panose="02000600000000000000" charset="0"/>
+                <a:cs typeface="La Gagliane" panose="02000600000000000000" charset="0"/>
+              </a:rPr>
+              <a:t>Inspiration &amp; health</a:t>
+            </a:r>
+            <a:endParaRPr lang="en-US" sz="3600">
+              <a:solidFill>
+                <a:schemeClr val="tx1">
+                  <a:lumMod val="75000"/>
+                  <a:lumOff val="25000"/>
+                </a:schemeClr>
+              </a:solidFill>
+              <a:latin typeface="La Gagliane" panose="02000600000000000000" charset="0"/>
+              <a:cs typeface="La Gagliane" panose="02000600000000000000" charset="0"/>
+            </a:endParaRPr>
+          </a:p>
+        </p:txBody>
+      </p:sp>
+      <p:sp>
+        <p:nvSpPr>
+          <p:cNvPr id="29" name="Text Box 28"/>
+          <p:cNvSpPr txBox="1"/>
+          <p:nvPr/>
+        </p:nvSpPr>
+        <p:spPr>
+          <a:xfrm>
+            <a:off x="-10295255" y="6192520"/>
+            <a:ext cx="9130665" cy="706755"/>
+          </a:xfrm>
+          <a:prstGeom prst="rect">
+            <a:avLst/>
+          </a:prstGeom>
+          <a:noFill/>
+        </p:spPr>
+        <p:txBody>
+          <a:bodyPr wrap="square" rtlCol="0">
+            <a:spAutoFit/>
+          </a:bodyPr>
+          <a:p>
+            <a:r>
+              <a:rPr lang="en-US" sz="4000">
+                <a:solidFill>
+                  <a:schemeClr val="tx1">
+                    <a:lumMod val="75000"/>
+                    <a:lumOff val="25000"/>
+                  </a:schemeClr>
+                </a:solidFill>
+                <a:latin typeface="La Gagliane" panose="02000600000000000000" charset="0"/>
+                <a:cs typeface="La Gagliane" panose="02000600000000000000" charset="0"/>
+              </a:rPr>
+              <a:t>Diversity &amp; abundance</a:t>
+            </a:r>
+            <a:endParaRPr lang="en-US" sz="4000">
+              <a:solidFill>
+                <a:schemeClr val="tx1">
+                  <a:lumMod val="75000"/>
+                  <a:lumOff val="25000"/>
+                </a:schemeClr>
+              </a:solidFill>
+              <a:latin typeface="La Gagliane" panose="02000600000000000000" charset="0"/>
+              <a:cs typeface="La Gagliane" panose="02000600000000000000" charset="0"/>
+            </a:endParaRPr>
+          </a:p>
+        </p:txBody>
+      </p:sp>
+      <p:sp>
+        <p:nvSpPr>
+          <p:cNvPr id="30" name="Text Box 29"/>
+          <p:cNvSpPr txBox="1"/>
+          <p:nvPr/>
+        </p:nvSpPr>
+        <p:spPr>
+          <a:xfrm>
+            <a:off x="12710160" y="1319530"/>
+            <a:ext cx="4108450" cy="3133090"/>
+          </a:xfrm>
+          <a:prstGeom prst="rect">
+            <a:avLst/>
+          </a:prstGeom>
+          <a:noFill/>
+        </p:spPr>
+        <p:txBody>
+          <a:bodyPr vert="horz" wrap="square" rtlCol="0">
+            <a:noAutofit/>
+          </a:bodyPr>
+          <a:p>
+            <a:pPr algn="r" fontAlgn="base">
+              <a:lnSpc>
+                <a:spcPct val="130000"/>
+              </a:lnSpc>
+            </a:pPr>
+            <a:r>
+              <a:rPr lang="en-US">
+                <a:solidFill>
+                  <a:schemeClr val="bg1">
+                    <a:lumMod val="75000"/>
+                  </a:schemeClr>
+                </a:solidFill>
+                <a:latin typeface="La Gagliane" panose="02000600000000000000" charset="0"/>
+                <a:cs typeface="La Gagliane" panose="02000600000000000000" charset="0"/>
+              </a:rPr>
+              <a:t>Reasons for choosing the topic</a:t>
+            </a:r>
+            <a:endParaRPr lang="en-US">
+              <a:solidFill>
+                <a:schemeClr val="bg1">
+                  <a:lumMod val="75000"/>
+                </a:schemeClr>
+              </a:solidFill>
+              <a:latin typeface="La Gagliane" panose="02000600000000000000" charset="0"/>
+              <a:cs typeface="La Gagliane" panose="02000600000000000000" charset="0"/>
+            </a:endParaRPr>
+          </a:p>
+        </p:txBody>
+      </p:sp>
+      <p:pic>
+        <p:nvPicPr>
+          <p:cNvPr id="101" name="Picture 100"/>
+          <p:cNvPicPr/>
+          <p:nvPr/>
+        </p:nvPicPr>
+        <p:blipFill>
+          <a:blip r:embed="rId1"/>
+          <a:stretch>
+            <a:fillRect/>
+          </a:stretch>
+        </p:blipFill>
+        <p:spPr>
+          <a:xfrm rot="1740000">
+            <a:off x="-603885" y="4725670"/>
+            <a:ext cx="4098290" cy="2781300"/>
+          </a:xfrm>
+          <a:prstGeom prst="rect">
+            <a:avLst/>
+          </a:prstGeom>
+          <a:noFill/>
+          <a:ln w="9525">
+            <a:noFill/>
+          </a:ln>
+        </p:spPr>
+      </p:pic>
+      <p:sp>
+        <p:nvSpPr>
+          <p:cNvPr id="31" name="Text Box 30"/>
+          <p:cNvSpPr txBox="1"/>
+          <p:nvPr/>
+        </p:nvSpPr>
+        <p:spPr>
+          <a:xfrm>
+            <a:off x="3536315" y="5763260"/>
+            <a:ext cx="7267575" cy="706755"/>
+          </a:xfrm>
+          <a:prstGeom prst="rect">
+            <a:avLst/>
+          </a:prstGeom>
+          <a:noFill/>
+        </p:spPr>
+        <p:txBody>
+          <a:bodyPr wrap="square" rtlCol="0">
+            <a:spAutoFit/>
+          </a:bodyPr>
+          <a:p>
+            <a:r>
+              <a:rPr lang="en-US" sz="4000" b="1">
+                <a:solidFill>
+                  <a:srgbClr val="E2C799"/>
+                </a:solidFill>
+                <a:latin typeface="La Gagliane" panose="02000600000000000000" charset="0"/>
+                <a:cs typeface="La Gagliane" panose="02000600000000000000" charset="0"/>
+                <a:sym typeface="+mn-ea"/>
+              </a:rPr>
+              <a:t>Wine </a:t>
+            </a:r>
+            <a:r>
+              <a:rPr lang="en-US" sz="4000" b="1">
+                <a:solidFill>
+                  <a:srgbClr val="E2C799"/>
+                </a:solidFill>
+                <a:latin typeface="Bahnschrift Condensed" panose="020B0502040204020203" charset="0"/>
+                <a:cs typeface="Bahnschrift Condensed" panose="020B0502040204020203" charset="0"/>
+              </a:rPr>
+              <a:t>“</a:t>
+            </a:r>
+            <a:r>
+              <a:rPr lang="en-US" sz="4000" b="1">
+                <a:solidFill>
+                  <a:srgbClr val="E2C799"/>
+                </a:solidFill>
+                <a:latin typeface="La Gagliane" panose="02000600000000000000" charset="0"/>
+                <a:cs typeface="La Gagliane" panose="02000600000000000000" charset="0"/>
+                <a:sym typeface="+mn-ea"/>
+              </a:rPr>
+              <a:t>world</a:t>
+            </a:r>
+            <a:r>
+              <a:rPr lang="en-US" sz="4000" b="1">
+                <a:solidFill>
+                  <a:srgbClr val="E2C799"/>
+                </a:solidFill>
+                <a:latin typeface="La Gagliane" panose="02000600000000000000" charset="0"/>
+                <a:cs typeface="La Gagliane" panose="02000600000000000000" charset="0"/>
+              </a:rPr>
+              <a:t>”</a:t>
+            </a:r>
+            <a:r>
+              <a:rPr lang="en-US" sz="4000" b="1">
+                <a:solidFill>
+                  <a:srgbClr val="E2C799"/>
+                </a:solidFill>
+                <a:latin typeface="Bahnschrift Condensed" panose="020B0502040204020203" charset="0"/>
+                <a:cs typeface="Bahnschrift Condensed" panose="020B0502040204020203" charset="0"/>
+              </a:rPr>
+              <a:t>” </a:t>
+            </a:r>
+            <a:r>
+              <a:rPr lang="en-US" sz="4000" b="1">
+                <a:solidFill>
+                  <a:srgbClr val="E2C799"/>
+                </a:solidFill>
+                <a:latin typeface="La Gagliane" panose="02000600000000000000" charset="0"/>
+                <a:cs typeface="La Gagliane" panose="02000600000000000000" charset="0"/>
+              </a:rPr>
+              <a:t>- </a:t>
+            </a:r>
+            <a:endParaRPr lang="en-US" sz="4000" b="1">
+              <a:solidFill>
+                <a:srgbClr val="E2C799"/>
+              </a:solidFill>
+              <a:latin typeface="La Gagliane" panose="02000600000000000000" charset="0"/>
+              <a:cs typeface="La Gagliane" panose="02000600000000000000" charset="0"/>
+            </a:endParaRPr>
+          </a:p>
+        </p:txBody>
+      </p:sp>
+      <p:sp>
+        <p:nvSpPr>
+          <p:cNvPr id="32" name="Text Box 31"/>
+          <p:cNvSpPr txBox="1"/>
+          <p:nvPr/>
+        </p:nvSpPr>
+        <p:spPr>
+          <a:xfrm>
+            <a:off x="9893300" y="1208405"/>
+            <a:ext cx="4064000" cy="368300"/>
+          </a:xfrm>
+          <a:prstGeom prst="rect">
+            <a:avLst/>
+          </a:prstGeom>
+          <a:noFill/>
+        </p:spPr>
+        <p:txBody>
+          <a:bodyPr wrap="square" rtlCol="0">
+            <a:spAutoFit/>
+          </a:bodyPr>
+          <a:p>
+            <a:r>
+              <a:rPr lang="en-US">
+                <a:solidFill>
+                  <a:schemeClr val="bg2">
+                    <a:lumMod val="50000"/>
+                  </a:schemeClr>
+                </a:solidFill>
+                <a:latin typeface="La Gagliane" panose="02000600000000000000" charset="0"/>
+                <a:cs typeface="La Gagliane" panose="02000600000000000000" charset="0"/>
+              </a:rPr>
+              <a:t>description</a:t>
+            </a:r>
+            <a:endParaRPr lang="en-US">
+              <a:solidFill>
+                <a:schemeClr val="bg2">
+                  <a:lumMod val="50000"/>
+                </a:schemeClr>
+              </a:solidFill>
+              <a:latin typeface="La Gagliane" panose="02000600000000000000" charset="0"/>
+              <a:cs typeface="La Gagliane" panose="02000600000000000000" charset="0"/>
+            </a:endParaRPr>
+          </a:p>
+        </p:txBody>
+      </p:sp>
+      <p:sp>
+        <p:nvSpPr>
+          <p:cNvPr id="33" name="Text Box 32"/>
+          <p:cNvSpPr txBox="1"/>
+          <p:nvPr/>
+        </p:nvSpPr>
+        <p:spPr>
+          <a:xfrm>
+            <a:off x="1116330" y="2550160"/>
+            <a:ext cx="4558030" cy="1753235"/>
+          </a:xfrm>
+          <a:prstGeom prst="rect">
+            <a:avLst/>
+          </a:prstGeom>
+          <a:solidFill>
+            <a:srgbClr val="F8FAEF"/>
+          </a:solidFill>
+          <a:ln>
+            <a:noFill/>
+          </a:ln>
+        </p:spPr>
+        <p:txBody>
+          <a:bodyPr wrap="square" rtlCol="0">
+            <a:spAutoFit/>
+          </a:bodyPr>
+          <a:p>
+            <a:pPr>
+              <a:lnSpc>
+                <a:spcPct val="180000"/>
+              </a:lnSpc>
+            </a:pPr>
+            <a:r>
+              <a:rPr lang="en-US" sz="2000">
+                <a:solidFill>
+                  <a:schemeClr val="tx1">
+                    <a:lumMod val="75000"/>
+                    <a:lumOff val="25000"/>
+                  </a:schemeClr>
+                </a:solidFill>
+                <a:latin typeface="La Gagliane" panose="02000600000000000000" charset="0"/>
+                <a:cs typeface="La Gagliane" panose="02000600000000000000" charset="0"/>
+              </a:rPr>
+              <a:t>Buy and sell yours, with deep colors and classical music.</a:t>
+            </a:r>
+            <a:endParaRPr lang="en-US" sz="2000">
+              <a:solidFill>
+                <a:schemeClr val="tx1">
+                  <a:lumMod val="75000"/>
+                  <a:lumOff val="25000"/>
+                </a:schemeClr>
+              </a:solidFill>
+              <a:latin typeface="La Gagliane" panose="02000600000000000000" charset="0"/>
+              <a:cs typeface="La Gagliane" panose="02000600000000000000" charset="0"/>
+            </a:endParaRPr>
+          </a:p>
+        </p:txBody>
+      </p:sp>
+      <p:sp>
+        <p:nvSpPr>
+          <p:cNvPr id="34" name="Text Box 33"/>
+          <p:cNvSpPr txBox="1"/>
+          <p:nvPr/>
+        </p:nvSpPr>
+        <p:spPr>
+          <a:xfrm>
+            <a:off x="6698615" y="1886585"/>
+            <a:ext cx="4558030" cy="3277235"/>
+          </a:xfrm>
+          <a:prstGeom prst="rect">
+            <a:avLst/>
+          </a:prstGeom>
+          <a:solidFill>
+            <a:srgbClr val="F8FAEF"/>
+          </a:solidFill>
+          <a:ln>
+            <a:noFill/>
+          </a:ln>
+        </p:spPr>
+        <p:txBody>
+          <a:bodyPr wrap="square" rtlCol="0">
+            <a:noAutofit/>
+          </a:bodyPr>
+          <a:p>
+            <a:pPr algn="ctr">
+              <a:lnSpc>
+                <a:spcPct val="180000"/>
+              </a:lnSpc>
+            </a:pPr>
+            <a:r>
+              <a:rPr lang="en-US" sz="3000">
+                <a:solidFill>
+                  <a:schemeClr val="tx1">
+                    <a:lumMod val="75000"/>
+                    <a:lumOff val="25000"/>
+                  </a:schemeClr>
+                </a:solidFill>
+                <a:latin typeface="La Gagliane" panose="02000600000000000000" charset="0"/>
+                <a:cs typeface="La Gagliane" panose="02000600000000000000" charset="0"/>
+              </a:rPr>
+              <a:t>Save more time, bring more conveniences</a:t>
+            </a:r>
+            <a:endParaRPr lang="en-US" sz="3000">
+              <a:solidFill>
+                <a:schemeClr val="tx1">
+                  <a:lumMod val="75000"/>
+                  <a:lumOff val="25000"/>
+                </a:schemeClr>
+              </a:solidFill>
+              <a:latin typeface="La Gagliane" panose="02000600000000000000" charset="0"/>
+              <a:cs typeface="La Gagliane" panose="02000600000000000000" charset="0"/>
+            </a:endParaRPr>
+          </a:p>
+        </p:txBody>
+      </p:sp>
+      <p:sp>
+        <p:nvSpPr>
+          <p:cNvPr id="35" name="Text Box 34"/>
+          <p:cNvSpPr txBox="1"/>
+          <p:nvPr/>
+        </p:nvSpPr>
+        <p:spPr>
+          <a:xfrm>
+            <a:off x="1292860" y="375920"/>
+            <a:ext cx="5099050" cy="1200785"/>
+          </a:xfrm>
+          <a:prstGeom prst="rect">
+            <a:avLst/>
+          </a:prstGeom>
+          <a:solidFill>
+            <a:srgbClr val="F8FAEF"/>
+          </a:solidFill>
+          <a:ln>
+            <a:noFill/>
+          </a:ln>
+        </p:spPr>
+        <p:txBody>
+          <a:bodyPr wrap="square" rtlCol="0">
+            <a:noAutofit/>
+          </a:bodyPr>
+          <a:p>
+            <a:pPr algn="ctr">
+              <a:lnSpc>
+                <a:spcPct val="180000"/>
+              </a:lnSpc>
+            </a:pPr>
+            <a:r>
+              <a:rPr lang="en-US" sz="2000">
+                <a:solidFill>
+                  <a:schemeClr val="tx1">
+                    <a:lumMod val="75000"/>
+                    <a:lumOff val="25000"/>
+                  </a:schemeClr>
+                </a:solidFill>
+                <a:latin typeface="La Gagliane" panose="02000600000000000000" charset="0"/>
+                <a:cs typeface="La Gagliane" panose="02000600000000000000" charset="0"/>
+              </a:rPr>
+              <a:t>Enjoyable shopping</a:t>
+            </a:r>
+            <a:endParaRPr lang="en-US" sz="2000">
+              <a:solidFill>
+                <a:schemeClr val="tx1">
+                  <a:lumMod val="75000"/>
+                  <a:lumOff val="25000"/>
+                </a:schemeClr>
+              </a:solidFill>
+              <a:latin typeface="La Gagliane" panose="02000600000000000000" charset="0"/>
+              <a:cs typeface="La Gagliane" panose="02000600000000000000" charset="0"/>
+            </a:endParaRPr>
+          </a:p>
+          <a:p>
+            <a:pPr algn="ctr">
+              <a:lnSpc>
+                <a:spcPct val="180000"/>
+              </a:lnSpc>
+            </a:pPr>
+            <a:r>
+              <a:rPr lang="en-US" sz="2000">
+                <a:solidFill>
+                  <a:schemeClr val="tx1">
+                    <a:lumMod val="75000"/>
+                    <a:lumOff val="25000"/>
+                  </a:schemeClr>
+                </a:solidFill>
+                <a:latin typeface="La Gagliane" panose="02000600000000000000" charset="0"/>
+                <a:cs typeface="La Gagliane" panose="02000600000000000000" charset="0"/>
+              </a:rPr>
+              <a:t>experience</a:t>
+            </a:r>
+            <a:endParaRPr lang="en-US" sz="2000">
+              <a:solidFill>
+                <a:schemeClr val="tx1">
+                  <a:lumMod val="75000"/>
+                  <a:lumOff val="25000"/>
+                </a:schemeClr>
+              </a:solidFill>
+              <a:latin typeface="La Gagliane" panose="02000600000000000000" charset="0"/>
+              <a:cs typeface="La Gagliane" panose="02000600000000000000" charset="0"/>
+            </a:endParaRPr>
+          </a:p>
+        </p:txBody>
+      </p:sp>
+      <p:sp>
+        <p:nvSpPr>
+          <p:cNvPr id="36" name="Text Box 35"/>
+          <p:cNvSpPr txBox="1"/>
+          <p:nvPr/>
+        </p:nvSpPr>
+        <p:spPr>
+          <a:xfrm>
+            <a:off x="12696190" y="1426210"/>
+            <a:ext cx="4064000" cy="460375"/>
+          </a:xfrm>
+          <a:prstGeom prst="rect">
+            <a:avLst/>
+          </a:prstGeom>
+          <a:noFill/>
+        </p:spPr>
+        <p:txBody>
+          <a:bodyPr wrap="square" rtlCol="0">
+            <a:spAutoFit/>
+          </a:bodyPr>
+          <a:p>
+            <a:r>
+              <a:rPr lang="en-US" sz="2400">
+                <a:solidFill>
+                  <a:schemeClr val="tx2">
+                    <a:lumMod val="60000"/>
+                    <a:lumOff val="40000"/>
+                  </a:schemeClr>
+                </a:solidFill>
+                <a:latin typeface="La Gagliane" panose="02000600000000000000" charset="0"/>
+                <a:cs typeface="La Gagliane" panose="02000600000000000000" charset="0"/>
+              </a:rPr>
+              <a:t>features</a:t>
+            </a:r>
+            <a:endParaRPr lang="en-US" sz="2400">
+              <a:solidFill>
+                <a:schemeClr val="tx2">
+                  <a:lumMod val="60000"/>
+                  <a:lumOff val="40000"/>
+                </a:schemeClr>
+              </a:solidFill>
+              <a:latin typeface="La Gagliane" panose="02000600000000000000" charset="0"/>
+              <a:cs typeface="La Gagliane" panose="02000600000000000000" charset="0"/>
+            </a:endParaRPr>
+          </a:p>
+        </p:txBody>
+      </p:sp>
+      <p:pic>
+        <p:nvPicPr>
+          <p:cNvPr id="37" name="Picture 36"/>
+          <p:cNvPicPr>
+            <a:picLocks noChangeAspect="1"/>
+          </p:cNvPicPr>
+          <p:nvPr/>
+        </p:nvPicPr>
+        <p:blipFill>
+          <a:blip r:embed="rId2"/>
+          <a:stretch>
+            <a:fillRect/>
+          </a:stretch>
+        </p:blipFill>
+        <p:spPr>
+          <a:xfrm>
+            <a:off x="-4406265" y="-3705225"/>
+            <a:ext cx="5172075" cy="3705225"/>
+          </a:xfrm>
+          <a:prstGeom prst="rect">
+            <a:avLst/>
+          </a:prstGeom>
+        </p:spPr>
+      </p:pic>
+      <p:pic>
+        <p:nvPicPr>
+          <p:cNvPr id="38" name="Picture 37"/>
+          <p:cNvPicPr>
+            <a:picLocks noChangeAspect="1"/>
+          </p:cNvPicPr>
+          <p:nvPr/>
+        </p:nvPicPr>
+        <p:blipFill>
+          <a:blip r:embed="rId3"/>
+          <a:stretch>
+            <a:fillRect/>
+          </a:stretch>
+        </p:blipFill>
+        <p:spPr>
+          <a:xfrm>
+            <a:off x="12977495" y="7268845"/>
+            <a:ext cx="3482975" cy="4189730"/>
+          </a:xfrm>
+          <a:prstGeom prst="rect">
+            <a:avLst/>
+          </a:prstGeom>
+        </p:spPr>
+      </p:pic>
+      <p:sp>
+        <p:nvSpPr>
+          <p:cNvPr id="39" name="Text Box 38"/>
+          <p:cNvSpPr txBox="1"/>
+          <p:nvPr/>
+        </p:nvSpPr>
+        <p:spPr>
+          <a:xfrm>
+            <a:off x="8902700" y="10259695"/>
+            <a:ext cx="3916680" cy="1198880"/>
+          </a:xfrm>
+          <a:prstGeom prst="rect">
+            <a:avLst/>
+          </a:prstGeom>
+          <a:noFill/>
+        </p:spPr>
+        <p:txBody>
+          <a:bodyPr wrap="square" rtlCol="0">
+            <a:spAutoFit/>
+          </a:bodyPr>
+          <a:p>
+            <a:r>
+              <a:rPr lang="en-US" sz="3600">
+                <a:solidFill>
+                  <a:schemeClr val="tx2">
+                    <a:lumMod val="40000"/>
+                    <a:lumOff val="60000"/>
+                  </a:schemeClr>
+                </a:solidFill>
+              </a:rPr>
+              <a:t>“</a:t>
+            </a:r>
+            <a:r>
+              <a:rPr lang="en-US" sz="3600">
+                <a:solidFill>
+                  <a:schemeClr val="tx2">
+                    <a:lumMod val="40000"/>
+                    <a:lumOff val="60000"/>
+                  </a:schemeClr>
+                </a:solidFill>
+                <a:latin typeface="La Gagliane" panose="02000600000000000000" charset="0"/>
+                <a:cs typeface="La Gagliane" panose="02000600000000000000" charset="0"/>
+              </a:rPr>
+              <a:t>receipt</a:t>
+            </a:r>
+            <a:r>
+              <a:rPr lang="en-US" sz="3600">
+                <a:solidFill>
+                  <a:schemeClr val="tx2">
+                    <a:lumMod val="40000"/>
+                    <a:lumOff val="60000"/>
+                  </a:schemeClr>
+                </a:solidFill>
+              </a:rPr>
+              <a:t>” </a:t>
+            </a:r>
+            <a:r>
+              <a:rPr lang="en-US" sz="3600">
+                <a:solidFill>
+                  <a:schemeClr val="tx2">
+                    <a:lumMod val="40000"/>
+                    <a:lumOff val="60000"/>
+                  </a:schemeClr>
+                </a:solidFill>
+                <a:latin typeface="La Gagliane" panose="02000600000000000000" charset="0"/>
+                <a:cs typeface="La Gagliane" panose="02000600000000000000" charset="0"/>
+              </a:rPr>
+              <a:t>checkout</a:t>
+            </a:r>
+            <a:r>
+              <a:rPr lang="en-US" sz="3600">
+                <a:solidFill>
+                  <a:schemeClr val="tx2">
+                    <a:lumMod val="40000"/>
+                    <a:lumOff val="60000"/>
+                  </a:schemeClr>
+                </a:solidFill>
+              </a:rPr>
+              <a:t> ━</a:t>
+            </a:r>
+            <a:endParaRPr lang="en-US" sz="3600">
+              <a:solidFill>
+                <a:schemeClr val="tx2">
+                  <a:lumMod val="40000"/>
+                  <a:lumOff val="60000"/>
+                </a:schemeClr>
+              </a:solidFill>
+            </a:endParaRPr>
+          </a:p>
+        </p:txBody>
+      </p:sp>
+      <p:sp>
+        <p:nvSpPr>
+          <p:cNvPr id="40" name="Text Box 39"/>
+          <p:cNvSpPr txBox="1"/>
+          <p:nvPr/>
+        </p:nvSpPr>
+        <p:spPr>
+          <a:xfrm rot="16200000">
+            <a:off x="-2810510" y="-7590790"/>
+            <a:ext cx="785495" cy="6768465"/>
+          </a:xfrm>
+          <a:prstGeom prst="rect">
+            <a:avLst/>
+          </a:prstGeom>
+          <a:noFill/>
+        </p:spPr>
+        <p:txBody>
+          <a:bodyPr vert="eaVert" wrap="square" rtlCol="0">
+            <a:spAutoFit/>
+          </a:bodyPr>
+          <a:p>
+            <a:pPr algn="ctr">
+              <a:lnSpc>
+                <a:spcPct val="140000"/>
+              </a:lnSpc>
+            </a:pPr>
+            <a:r>
+              <a:rPr lang="en-US" sz="2800" b="1">
+                <a:solidFill>
+                  <a:schemeClr val="accent1">
+                    <a:lumMod val="60000"/>
+                    <a:lumOff val="40000"/>
+                  </a:schemeClr>
+                </a:solidFill>
+                <a:latin typeface="La Gagliane" panose="02000600000000000000" charset="0"/>
+                <a:cs typeface="La Gagliane" panose="02000600000000000000" charset="0"/>
+              </a:rPr>
+              <a:t>NEWS</a:t>
+            </a:r>
+            <a:r>
+              <a:rPr lang="en-US" sz="2800">
+                <a:solidFill>
+                  <a:schemeClr val="accent1">
+                    <a:lumMod val="60000"/>
+                    <a:lumOff val="40000"/>
+                  </a:schemeClr>
+                </a:solidFill>
+                <a:latin typeface="La Gagliane" panose="02000600000000000000" charset="0"/>
+                <a:cs typeface="La Gagliane" panose="02000600000000000000" charset="0"/>
+              </a:rPr>
+              <a:t> review</a:t>
+            </a:r>
+            <a:endParaRPr lang="en-US" sz="2800">
+              <a:solidFill>
+                <a:schemeClr val="accent1">
+                  <a:lumMod val="60000"/>
+                  <a:lumOff val="40000"/>
+                </a:schemeClr>
+              </a:solidFill>
+              <a:latin typeface="La Gagliane" panose="02000600000000000000" charset="0"/>
+              <a:cs typeface="La Gagliane" panose="02000600000000000000" charset="0"/>
+            </a:endParaRPr>
+          </a:p>
+        </p:txBody>
+      </p:sp>
+    </p:spTree>
+  </p:cSld>
+  <p:clrMapOvr>
+    <a:masterClrMapping/>
+  </p:clrMapOvr>
+  <mc:AlternateContent xmlns:mc="http://schemas.openxmlformats.org/markup-compatibility/2006" xmlns:p159="http://schemas.microsoft.com/office/powerpoint/2015/09/main">
+    <mc:Choice Requires="p159">
+      <p:transition xmlns:p14="http://schemas.microsoft.com/office/powerpoint/2010/main" spd="med" p14:dur="750">
+        <p159:morph option="byObject"/>
+      </p:transition>
+    </mc:Choice>
+    <mc:Fallback>
+      <p:transition spd="med">
+        <p:fade/>
+      </p:transition>
+    </mc:Fallback>
+  </mc:AlternateContent>
+  <p:timing>
+    <p:tnLst>
+      <p:par>
+        <p:cTn id="1" dur="indefinite" restart="never" nodeType="tmRoot"/>
+      </p:par>
+    </p:tnLst>
+  </p:timing>
+</p:sld>
+</file>
+
+<file path=ppt/slides/slide4.xml><?xml version="1.0" encoding="utf-8"?>
+<p:sld xmlns:a="http://schemas.openxmlformats.org/drawingml/2006/main" xmlns:r="http://schemas.openxmlformats.org/officeDocument/2006/relationships" xmlns:p="http://schemas.openxmlformats.org/presentationml/2006/main">
+  <p:cSld>
+    <p:bg>
+      <p:bgPr>
+        <a:solidFill>
+          <a:srgbClr val="9A3B3B"/>
+        </a:solidFill>
+        <a:effectLst/>
+      </p:bgPr>
+    </p:bg>
+    <p:spTree>
+      <p:nvGrpSpPr>
+        <p:cNvPr id="1" name=""/>
+        <p:cNvGrpSpPr/>
+        <p:nvPr/>
+      </p:nvGrpSpPr>
+      <p:grpSpPr/>
+      <p:sp>
+        <p:nvSpPr>
+          <p:cNvPr id="4" name="Freeform 3"/>
+          <p:cNvSpPr/>
+          <p:nvPr/>
+        </p:nvSpPr>
+        <p:spPr>
+          <a:xfrm rot="21060000">
+            <a:off x="6864985" y="408940"/>
+            <a:ext cx="5293995" cy="843915"/>
+          </a:xfrm>
+          <a:custGeom>
+            <a:avLst/>
+            <a:gdLst>
+              <a:gd name="connsiteX0" fmla="*/ 0 w 15804"/>
+              <a:gd name="connsiteY0" fmla="*/ 0 h 3698"/>
+              <a:gd name="connsiteX1" fmla="*/ 13871 w 15804"/>
+              <a:gd name="connsiteY1" fmla="*/ 1185 h 3698"/>
+              <a:gd name="connsiteX2" fmla="*/ 15804 w 15804"/>
+              <a:gd name="connsiteY2" fmla="*/ 3698 h 3698"/>
+              <a:gd name="connsiteX3" fmla="*/ 985 w 15804"/>
+              <a:gd name="connsiteY3" fmla="*/ 1951 h 3698"/>
+              <a:gd name="connsiteX4" fmla="*/ 0 w 15804"/>
+              <a:gd name="connsiteY4" fmla="*/ 0 h 3698"/>
+            </a:gdLst>
+            <a:ahLst/>
+            <a:cxnLst>
+              <a:cxn ang="0">
+                <a:pos x="connsiteX0" y="connsiteY0"/>
+              </a:cxn>
+              <a:cxn ang="0">
+                <a:pos x="connsiteX1" y="connsiteY1"/>
+              </a:cxn>
+              <a:cxn ang="0">
+                <a:pos x="connsiteX2" y="connsiteY2"/>
+              </a:cxn>
+              <a:cxn ang="0">
+                <a:pos x="connsiteX3" y="connsiteY3"/>
+              </a:cxn>
+              <a:cxn ang="0">
+                <a:pos x="connsiteX4" y="connsiteY4"/>
+              </a:cxn>
+            </a:cxnLst>
+            <a:rect l="l" t="t" r="r" b="b"/>
+            <a:pathLst>
+              <a:path w="15804" h="3698">
+                <a:moveTo>
+                  <a:pt x="0" y="0"/>
+                </a:moveTo>
+                <a:lnTo>
+                  <a:pt x="13871" y="1185"/>
+                </a:lnTo>
+                <a:lnTo>
+                  <a:pt x="15804" y="3698"/>
+                </a:lnTo>
+                <a:lnTo>
+                  <a:pt x="985" y="1951"/>
+                </a:lnTo>
+                <a:lnTo>
+                  <a:pt x="0" y="0"/>
+                </a:lnTo>
+                <a:close/>
+              </a:path>
+            </a:pathLst>
+          </a:custGeom>
+          <a:solidFill>
+            <a:schemeClr val="bg2">
+              <a:lumMod val="25000"/>
+              <a:alpha val="63000"/>
+            </a:schemeClr>
+          </a:solidFill>
+          <a:ln>
+            <a:noFill/>
+          </a:ln>
+          <a:effectLst>
+            <a:reflection stA="0" endPos="65000" dist="50800" dir="5400000" sy="-100000" algn="bl" rotWithShape="0"/>
+          </a:effectLst>
+        </p:spPr>
+        <p:style>
+          <a:lnRef idx="2">
+            <a:schemeClr val="accent1">
+              <a:lumMod val="75000"/>
+            </a:schemeClr>
+          </a:lnRef>
+          <a:fillRef idx="1">
+            <a:schemeClr val="accent1"/>
+          </a:fillRef>
+          <a:effectRef idx="0">
+            <a:srgbClr val="FFFFFF"/>
+          </a:effectRef>
+          <a:fontRef idx="minor">
+            <a:schemeClr val="lt1"/>
+          </a:fontRef>
+        </p:style>
+        <p:txBody>
+          <a:bodyPr rtlCol="0" anchor="ctr"/>
+          <a:p>
+            <a:pPr algn="ctr"/>
+            <a:endParaRPr lang="en-US"/>
+          </a:p>
+        </p:txBody>
+      </p:sp>
+      <p:sp>
+        <p:nvSpPr>
+          <p:cNvPr id="5" name="Text Box 4"/>
+          <p:cNvSpPr txBox="1"/>
+          <p:nvPr/>
+        </p:nvSpPr>
+        <p:spPr>
+          <a:xfrm>
+            <a:off x="6831330" y="601345"/>
+            <a:ext cx="7419340" cy="331470"/>
+          </a:xfrm>
+          <a:prstGeom prst="rect">
+            <a:avLst/>
+          </a:prstGeom>
+          <a:noFill/>
+        </p:spPr>
+        <p:txBody>
+          <a:bodyPr wrap="square" rtlCol="0">
+            <a:noAutofit/>
+          </a:bodyPr>
+          <a:p>
+            <a:r>
+              <a:rPr lang="en-US" sz="2800">
+                <a:solidFill>
+                  <a:schemeClr val="bg1"/>
+                </a:solidFill>
+                <a:latin typeface="La Gagliane" panose="02000600000000000000" charset="0"/>
+                <a:cs typeface="La Gagliane" panose="02000600000000000000" charset="0"/>
+              </a:rPr>
+              <a:t>Wine Connoiseurs</a:t>
+            </a:r>
+            <a:endParaRPr lang="en-US" sz="2800">
+              <a:solidFill>
+                <a:schemeClr val="bg1"/>
+              </a:solidFill>
+              <a:latin typeface="La Gagliane" panose="02000600000000000000" charset="0"/>
+              <a:cs typeface="La Gagliane" panose="02000600000000000000" charset="0"/>
+            </a:endParaRPr>
+          </a:p>
+        </p:txBody>
+      </p:sp>
+      <p:sp>
+        <p:nvSpPr>
+          <p:cNvPr id="6" name="Freeform 5"/>
+          <p:cNvSpPr/>
+          <p:nvPr/>
+        </p:nvSpPr>
+        <p:spPr>
+          <a:xfrm>
+            <a:off x="-1948180" y="-1077595"/>
+            <a:ext cx="1456055" cy="1369695"/>
+          </a:xfrm>
+          <a:custGeom>
+            <a:avLst/>
+            <a:gdLst>
+              <a:gd name="connsiteX0" fmla="*/ 0 w 7052"/>
+              <a:gd name="connsiteY0" fmla="*/ 3296 h 6330"/>
+              <a:gd name="connsiteX1" fmla="*/ 2536 w 7052"/>
+              <a:gd name="connsiteY1" fmla="*/ 0 h 6330"/>
+              <a:gd name="connsiteX2" fmla="*/ 7052 w 7052"/>
+              <a:gd name="connsiteY2" fmla="*/ 3296 h 6330"/>
+              <a:gd name="connsiteX3" fmla="*/ 3227 w 7052"/>
+              <a:gd name="connsiteY3" fmla="*/ 6330 h 6330"/>
+              <a:gd name="connsiteX4" fmla="*/ 0 w 7052"/>
+              <a:gd name="connsiteY4" fmla="*/ 3296 h 6330"/>
+            </a:gdLst>
+            <a:ahLst/>
+            <a:cxnLst>
+              <a:cxn ang="0">
+                <a:pos x="connsiteX0" y="connsiteY0"/>
+              </a:cxn>
+              <a:cxn ang="0">
+                <a:pos x="connsiteX1" y="connsiteY1"/>
+              </a:cxn>
+              <a:cxn ang="0">
+                <a:pos x="connsiteX2" y="connsiteY2"/>
+              </a:cxn>
+              <a:cxn ang="0">
+                <a:pos x="connsiteX3" y="connsiteY3"/>
+              </a:cxn>
+              <a:cxn ang="0">
+                <a:pos x="connsiteX4" y="connsiteY4"/>
+              </a:cxn>
+            </a:cxnLst>
+            <a:rect l="l" t="t" r="r" b="b"/>
+            <a:pathLst>
+              <a:path w="7052" h="6330">
+                <a:moveTo>
+                  <a:pt x="0" y="3296"/>
+                </a:moveTo>
+                <a:cubicBezTo>
+                  <a:pt x="0" y="1552"/>
+                  <a:pt x="589" y="0"/>
+                  <a:pt x="2536" y="0"/>
+                </a:cubicBezTo>
+                <a:cubicBezTo>
+                  <a:pt x="4483" y="0"/>
+                  <a:pt x="7052" y="1552"/>
+                  <a:pt x="7052" y="3296"/>
+                </a:cubicBezTo>
+                <a:cubicBezTo>
+                  <a:pt x="7052" y="5040"/>
+                  <a:pt x="5174" y="6330"/>
+                  <a:pt x="3227" y="6330"/>
+                </a:cubicBezTo>
+                <a:cubicBezTo>
+                  <a:pt x="1280" y="6330"/>
+                  <a:pt x="0" y="5040"/>
+                  <a:pt x="0" y="3296"/>
+                </a:cubicBezTo>
+                <a:close/>
+              </a:path>
+            </a:pathLst>
+          </a:custGeom>
+          <a:solidFill>
+            <a:srgbClr val="E2C799"/>
+          </a:solidFill>
+          <a:ln>
+            <a:noFill/>
+          </a:ln>
+        </p:spPr>
+        <p:style>
+          <a:lnRef idx="2">
+            <a:schemeClr val="accent1">
+              <a:lumMod val="75000"/>
+            </a:schemeClr>
+          </a:lnRef>
+          <a:fillRef idx="1">
+            <a:schemeClr val="accent1"/>
+          </a:fillRef>
+          <a:effectRef idx="0">
+            <a:srgbClr val="FFFFFF"/>
+          </a:effectRef>
+          <a:fontRef idx="minor">
+            <a:schemeClr val="lt1"/>
+          </a:fontRef>
+        </p:style>
+        <p:txBody>
+          <a:bodyPr rtlCol="0" anchor="ctr"/>
+          <a:p>
+            <a:pPr algn="ctr"/>
+            <a:endParaRPr lang="en-US"/>
+          </a:p>
+        </p:txBody>
+      </p:sp>
+      <p:sp>
+        <p:nvSpPr>
+          <p:cNvPr id="7" name="Freeform 6"/>
+          <p:cNvSpPr/>
+          <p:nvPr/>
+        </p:nvSpPr>
+        <p:spPr>
+          <a:xfrm>
+            <a:off x="12253595" y="5652770"/>
+            <a:ext cx="678180" cy="1033145"/>
+          </a:xfrm>
+          <a:custGeom>
+            <a:avLst/>
+            <a:gdLst>
+              <a:gd name="connsiteX0" fmla="*/ 0 w 4111"/>
+              <a:gd name="connsiteY0" fmla="*/ 2146 h 3770"/>
+              <a:gd name="connsiteX1" fmla="*/ 2708 w 4111"/>
+              <a:gd name="connsiteY1" fmla="*/ 0 h 3770"/>
+              <a:gd name="connsiteX2" fmla="*/ 4111 w 4111"/>
+              <a:gd name="connsiteY2" fmla="*/ 2146 h 3770"/>
+              <a:gd name="connsiteX3" fmla="*/ 2149 w 4111"/>
+              <a:gd name="connsiteY3" fmla="*/ 3770 h 3770"/>
+              <a:gd name="connsiteX4" fmla="*/ 0 w 4111"/>
+              <a:gd name="connsiteY4" fmla="*/ 2146 h 3770"/>
+            </a:gdLst>
+            <a:ahLst/>
+            <a:cxnLst>
+              <a:cxn ang="0">
+                <a:pos x="connsiteX0" y="connsiteY0"/>
+              </a:cxn>
+              <a:cxn ang="0">
+                <a:pos x="connsiteX1" y="connsiteY1"/>
+              </a:cxn>
+              <a:cxn ang="0">
+                <a:pos x="connsiteX2" y="connsiteY2"/>
+              </a:cxn>
+              <a:cxn ang="0">
+                <a:pos x="connsiteX3" y="connsiteY3"/>
+              </a:cxn>
+              <a:cxn ang="0">
+                <a:pos x="connsiteX4" y="connsiteY4"/>
+              </a:cxn>
+            </a:cxnLst>
+            <a:rect l="l" t="t" r="r" b="b"/>
+            <a:pathLst>
+              <a:path w="4111" h="3770">
+                <a:moveTo>
+                  <a:pt x="0" y="2146"/>
+                </a:moveTo>
+                <a:cubicBezTo>
+                  <a:pt x="0" y="1176"/>
+                  <a:pt x="1573" y="0"/>
+                  <a:pt x="2708" y="0"/>
+                </a:cubicBezTo>
+                <a:cubicBezTo>
+                  <a:pt x="3843" y="0"/>
+                  <a:pt x="4111" y="1176"/>
+                  <a:pt x="4111" y="2146"/>
+                </a:cubicBezTo>
+                <a:cubicBezTo>
+                  <a:pt x="4111" y="3116"/>
+                  <a:pt x="3284" y="3770"/>
+                  <a:pt x="2149" y="3770"/>
+                </a:cubicBezTo>
+                <a:cubicBezTo>
+                  <a:pt x="1014" y="3770"/>
+                  <a:pt x="0" y="3116"/>
+                  <a:pt x="0" y="2146"/>
+                </a:cubicBezTo>
+                <a:close/>
+              </a:path>
+            </a:pathLst>
+          </a:custGeom>
+          <a:solidFill>
+            <a:srgbClr val="E2C799"/>
+          </a:solidFill>
+          <a:ln>
+            <a:noFill/>
+          </a:ln>
+        </p:spPr>
+        <p:style>
+          <a:lnRef idx="2">
+            <a:schemeClr val="accent1">
+              <a:lumMod val="75000"/>
+            </a:schemeClr>
+          </a:lnRef>
+          <a:fillRef idx="1">
+            <a:schemeClr val="accent1"/>
+          </a:fillRef>
+          <a:effectRef idx="0">
+            <a:srgbClr val="FFFFFF"/>
+          </a:effectRef>
+          <a:fontRef idx="minor">
+            <a:schemeClr val="lt1"/>
+          </a:fontRef>
+        </p:style>
+        <p:txBody>
+          <a:bodyPr rtlCol="0" anchor="ctr"/>
+          <a:p>
+            <a:pPr algn="ctr"/>
+            <a:endParaRPr lang="en-US"/>
+          </a:p>
+        </p:txBody>
+      </p:sp>
+      <p:sp>
+        <p:nvSpPr>
+          <p:cNvPr id="8" name="Text Box 7"/>
+          <p:cNvSpPr txBox="1"/>
+          <p:nvPr/>
+        </p:nvSpPr>
+        <p:spPr>
+          <a:xfrm>
+            <a:off x="-2476500" y="-1077595"/>
+            <a:ext cx="4449445" cy="3117215"/>
+          </a:xfrm>
+          <a:prstGeom prst="rect">
+            <a:avLst/>
+          </a:prstGeom>
+          <a:noFill/>
+        </p:spPr>
+        <p:txBody>
+          <a:bodyPr wrap="square" rtlCol="0">
+            <a:noAutofit/>
+          </a:bodyPr>
+          <a:p>
+            <a:pPr>
+              <a:lnSpc>
+                <a:spcPct val="140000"/>
+              </a:lnSpc>
+            </a:pPr>
+            <a:r>
+              <a:rPr lang="en-US">
+                <a:solidFill>
+                  <a:schemeClr val="tx1">
+                    <a:lumMod val="75000"/>
+                    <a:lumOff val="25000"/>
+                  </a:schemeClr>
+                </a:solidFill>
+                <a:latin typeface="La Gagliane" panose="02000600000000000000" charset="0"/>
+                <a:cs typeface="La Gagliane" panose="02000600000000000000" charset="0"/>
+              </a:rPr>
+              <a:t>Pham Han</a:t>
+            </a:r>
+            <a:endParaRPr lang="en-US">
+              <a:solidFill>
+                <a:schemeClr val="tx1">
+                  <a:lumMod val="75000"/>
+                  <a:lumOff val="25000"/>
+                </a:schemeClr>
+              </a:solidFill>
+              <a:latin typeface="La Gagliane" panose="02000600000000000000" charset="0"/>
+              <a:cs typeface="La Gagliane" panose="02000600000000000000" charset="0"/>
+            </a:endParaRPr>
+          </a:p>
+        </p:txBody>
+      </p:sp>
+      <p:sp>
+        <p:nvSpPr>
+          <p:cNvPr id="9" name="Text Box 8"/>
+          <p:cNvSpPr txBox="1"/>
+          <p:nvPr/>
+        </p:nvSpPr>
+        <p:spPr>
+          <a:xfrm>
+            <a:off x="13420090" y="4712970"/>
+            <a:ext cx="4449445" cy="3117215"/>
+          </a:xfrm>
+          <a:prstGeom prst="rect">
+            <a:avLst/>
+          </a:prstGeom>
+          <a:noFill/>
+        </p:spPr>
+        <p:txBody>
+          <a:bodyPr wrap="square" rtlCol="0">
+            <a:noAutofit/>
+          </a:bodyPr>
+          <a:p>
+            <a:pPr>
+              <a:lnSpc>
+                <a:spcPct val="140000"/>
+              </a:lnSpc>
+            </a:pPr>
+            <a:r>
+              <a:rPr lang="en-US" sz="2400" b="1">
+                <a:solidFill>
+                  <a:schemeClr val="tx1">
+                    <a:lumMod val="75000"/>
+                    <a:lumOff val="25000"/>
+                  </a:schemeClr>
+                </a:solidFill>
+                <a:latin typeface="La Gagliane" panose="02000600000000000000" charset="0"/>
+                <a:cs typeface="La Gagliane" panose="02000600000000000000" charset="0"/>
+              </a:rPr>
+              <a:t>JSA</a:t>
+            </a:r>
+            <a:r>
+              <a:rPr lang="en-US" sz="2400">
+                <a:solidFill>
+                  <a:schemeClr val="tx1">
+                    <a:lumMod val="75000"/>
+                    <a:lumOff val="25000"/>
+                  </a:schemeClr>
+                </a:solidFill>
+                <a:latin typeface="Times New Roman" panose="02020603050405020304" charset="0"/>
+                <a:ea typeface="Microsoft YaHei" panose="020B0503020204020204" charset="-122"/>
+                <a:cs typeface="Times New Roman" panose="02020603050405020304" charset="0"/>
+              </a:rPr>
+              <a:t>41</a:t>
+            </a:r>
+            <a:endParaRPr lang="en-US" sz="2400">
+              <a:solidFill>
+                <a:schemeClr val="tx1">
+                  <a:lumMod val="75000"/>
+                  <a:lumOff val="25000"/>
+                </a:schemeClr>
+              </a:solidFill>
+              <a:latin typeface="Times New Roman" panose="02020603050405020304" charset="0"/>
+              <a:ea typeface="Microsoft YaHei" panose="020B0503020204020204" charset="-122"/>
+              <a:cs typeface="Times New Roman" panose="02020603050405020304" charset="0"/>
+            </a:endParaRPr>
+          </a:p>
+        </p:txBody>
+      </p:sp>
+      <p:grpSp>
+        <p:nvGrpSpPr>
+          <p:cNvPr id="13" name="Group 12"/>
+          <p:cNvGrpSpPr/>
+          <p:nvPr/>
+        </p:nvGrpSpPr>
+        <p:grpSpPr>
+          <a:xfrm>
+            <a:off x="-10928350" y="-414655"/>
+            <a:ext cx="7522210" cy="7683500"/>
+            <a:chOff x="-260" y="-653"/>
+            <a:chExt cx="11846" cy="12100"/>
+          </a:xfrm>
+        </p:grpSpPr>
+        <p:sp>
+          <p:nvSpPr>
+            <p:cNvPr id="2" name="Rectangles 1"/>
+            <p:cNvSpPr/>
+            <p:nvPr/>
+          </p:nvSpPr>
+          <p:spPr>
+            <a:xfrm>
+              <a:off x="-260" y="-653"/>
+              <a:ext cx="9965" cy="12100"/>
+            </a:xfrm>
+            <a:prstGeom prst="rect">
+              <a:avLst/>
+            </a:prstGeom>
+            <a:solidFill>
+              <a:srgbClr val="E2C799"/>
+            </a:solidFill>
+            <a:ln>
+              <a:noFill/>
+            </a:ln>
+          </p:spPr>
+          <p:style>
+            <a:lnRef idx="2">
+              <a:schemeClr val="accent1">
+                <a:lumMod val="75000"/>
+              </a:schemeClr>
+            </a:lnRef>
+            <a:fillRef idx="1">
+              <a:schemeClr val="accent1"/>
+            </a:fillRef>
+            <a:effectRef idx="0">
+              <a:srgbClr val="FFFFFF"/>
+            </a:effectRef>
+            <a:fontRef idx="minor">
+              <a:schemeClr val="lt1"/>
+            </a:fontRef>
+          </p:style>
+          <p:txBody>
+            <a:bodyPr rtlCol="0" anchor="ctr"/>
+            <a:p>
+              <a:pPr algn="ctr"/>
+              <a:endParaRPr lang="en-US"/>
+            </a:p>
+          </p:txBody>
+        </p:sp>
+        <p:sp>
+          <p:nvSpPr>
+            <p:cNvPr id="3" name="Text Box 2"/>
+            <p:cNvSpPr txBox="1"/>
+            <p:nvPr/>
+          </p:nvSpPr>
+          <p:spPr>
+            <a:xfrm>
+              <a:off x="5186" y="4542"/>
+              <a:ext cx="6400" cy="2470"/>
+            </a:xfrm>
+            <a:prstGeom prst="rect">
+              <a:avLst/>
+            </a:prstGeom>
+            <a:noFill/>
+          </p:spPr>
+          <p:txBody>
+            <a:bodyPr wrap="square" rtlCol="0">
+              <a:spAutoFit/>
+            </a:bodyPr>
+            <a:p>
+              <a:r>
+                <a:rPr lang="en-US" sz="9600">
+                  <a:solidFill>
+                    <a:schemeClr val="tx1">
+                      <a:lumMod val="75000"/>
+                      <a:lumOff val="25000"/>
+                    </a:schemeClr>
+                  </a:solidFill>
+                  <a:latin typeface="La Gagliane" panose="02000600000000000000" charset="0"/>
+                  <a:cs typeface="La Gagliane" panose="02000600000000000000" charset="0"/>
+                </a:rPr>
+                <a:t>DE</a:t>
+              </a:r>
+              <a:endParaRPr lang="en-US" sz="9600">
+                <a:solidFill>
+                  <a:schemeClr val="tx1">
+                    <a:lumMod val="75000"/>
+                    <a:lumOff val="25000"/>
+                  </a:schemeClr>
+                </a:solidFill>
+                <a:latin typeface="La Gagliane" panose="02000600000000000000" charset="0"/>
+                <a:cs typeface="La Gagliane" panose="02000600000000000000" charset="0"/>
+              </a:endParaRPr>
+            </a:p>
+          </p:txBody>
+        </p:sp>
+      </p:grpSp>
+      <p:grpSp>
+        <p:nvGrpSpPr>
+          <p:cNvPr id="12" name="Group 11"/>
+          <p:cNvGrpSpPr/>
+          <p:nvPr/>
+        </p:nvGrpSpPr>
+        <p:grpSpPr>
+          <a:xfrm>
+            <a:off x="16760825" y="-389255"/>
+            <a:ext cx="6574790" cy="7683500"/>
+            <a:chOff x="9315" y="-613"/>
+            <a:chExt cx="10354" cy="12100"/>
+          </a:xfrm>
+        </p:grpSpPr>
+        <p:sp>
+          <p:nvSpPr>
+            <p:cNvPr id="10" name="Rectangles 9"/>
+            <p:cNvSpPr/>
+            <p:nvPr/>
+          </p:nvSpPr>
+          <p:spPr>
+            <a:xfrm>
+              <a:off x="9705" y="-613"/>
+              <a:ext cx="9965" cy="12100"/>
+            </a:xfrm>
+            <a:prstGeom prst="rect">
+              <a:avLst/>
+            </a:prstGeom>
+            <a:solidFill>
+              <a:srgbClr val="E2C799"/>
+            </a:solidFill>
+            <a:ln>
+              <a:noFill/>
+            </a:ln>
+          </p:spPr>
+          <p:style>
+            <a:lnRef idx="2">
+              <a:schemeClr val="accent1">
+                <a:lumMod val="75000"/>
+              </a:schemeClr>
+            </a:lnRef>
+            <a:fillRef idx="1">
+              <a:schemeClr val="accent1"/>
+            </a:fillRef>
+            <a:effectRef idx="0">
+              <a:srgbClr val="FFFFFF"/>
+            </a:effectRef>
+            <a:fontRef idx="minor">
+              <a:schemeClr val="lt1"/>
+            </a:fontRef>
+          </p:style>
+          <p:txBody>
+            <a:bodyPr rtlCol="0" anchor="ctr"/>
+            <a:p>
+              <a:pPr algn="ctr"/>
+              <a:endParaRPr lang="en-US"/>
+            </a:p>
+          </p:txBody>
+        </p:sp>
+        <p:sp>
+          <p:nvSpPr>
+            <p:cNvPr id="11" name="Text Box 10"/>
+            <p:cNvSpPr txBox="1"/>
+            <p:nvPr/>
+          </p:nvSpPr>
+          <p:spPr>
+            <a:xfrm>
+              <a:off x="9315" y="4522"/>
+              <a:ext cx="6400" cy="2470"/>
+            </a:xfrm>
+            <a:prstGeom prst="rect">
+              <a:avLst/>
+            </a:prstGeom>
+            <a:noFill/>
+          </p:spPr>
+          <p:txBody>
+            <a:bodyPr wrap="square" rtlCol="0">
+              <a:spAutoFit/>
+            </a:bodyPr>
+            <a:p>
+              <a:r>
+                <a:rPr lang="en-US" sz="9600">
+                  <a:solidFill>
+                    <a:schemeClr val="tx1">
+                      <a:lumMod val="75000"/>
+                      <a:lumOff val="25000"/>
+                    </a:schemeClr>
+                  </a:solidFill>
+                  <a:latin typeface="La Gagliane" panose="02000600000000000000" charset="0"/>
+                  <a:cs typeface="La Gagliane" panose="02000600000000000000" charset="0"/>
+                </a:rPr>
+                <a:t>MO</a:t>
+              </a:r>
+              <a:endParaRPr lang="en-US" sz="9600">
+                <a:solidFill>
+                  <a:schemeClr val="tx1">
+                    <a:lumMod val="75000"/>
+                    <a:lumOff val="25000"/>
+                  </a:schemeClr>
+                </a:solidFill>
+                <a:latin typeface="La Gagliane" panose="02000600000000000000" charset="0"/>
+                <a:cs typeface="La Gagliane" panose="02000600000000000000" charset="0"/>
+              </a:endParaRPr>
+            </a:p>
+          </p:txBody>
+        </p:sp>
+      </p:grpSp>
+      <p:sp>
+        <p:nvSpPr>
+          <p:cNvPr id="24" name="Freeform 23"/>
+          <p:cNvSpPr/>
+          <p:nvPr/>
+        </p:nvSpPr>
+        <p:spPr>
+          <a:xfrm>
+            <a:off x="-12628880" y="2190750"/>
+            <a:ext cx="7659370" cy="1390650"/>
+          </a:xfrm>
+          <a:custGeom>
+            <a:avLst/>
+            <a:gdLst>
+              <a:gd name="connsiteX0" fmla="*/ 0 w 12062"/>
+              <a:gd name="connsiteY0" fmla="*/ 671 h 2190"/>
+              <a:gd name="connsiteX1" fmla="*/ 12062 w 12062"/>
+              <a:gd name="connsiteY1" fmla="*/ 0 h 2190"/>
+              <a:gd name="connsiteX2" fmla="*/ 10820 w 12062"/>
+              <a:gd name="connsiteY2" fmla="*/ 2145 h 2190"/>
+              <a:gd name="connsiteX3" fmla="*/ 189 w 12062"/>
+              <a:gd name="connsiteY3" fmla="*/ 2190 h 2190"/>
+              <a:gd name="connsiteX4" fmla="*/ 0 w 12062"/>
+              <a:gd name="connsiteY4" fmla="*/ 671 h 2190"/>
+            </a:gdLst>
+            <a:ahLst/>
+            <a:cxnLst>
+              <a:cxn ang="0">
+                <a:pos x="connsiteX0" y="connsiteY0"/>
+              </a:cxn>
+              <a:cxn ang="0">
+                <a:pos x="connsiteX1" y="connsiteY1"/>
+              </a:cxn>
+              <a:cxn ang="0">
+                <a:pos x="connsiteX2" y="connsiteY2"/>
+              </a:cxn>
+              <a:cxn ang="0">
+                <a:pos x="connsiteX3" y="connsiteY3"/>
+              </a:cxn>
+              <a:cxn ang="0">
+                <a:pos x="connsiteX4" y="connsiteY4"/>
+              </a:cxn>
+            </a:cxnLst>
+            <a:rect l="l" t="t" r="r" b="b"/>
+            <a:pathLst>
+              <a:path w="12062" h="2190">
+                <a:moveTo>
+                  <a:pt x="0" y="671"/>
+                </a:moveTo>
+                <a:lnTo>
+                  <a:pt x="12062" y="0"/>
+                </a:lnTo>
+                <a:lnTo>
+                  <a:pt x="10820" y="2145"/>
+                </a:lnTo>
+                <a:lnTo>
+                  <a:pt x="189" y="2190"/>
+                </a:lnTo>
+                <a:lnTo>
+                  <a:pt x="0" y="671"/>
+                </a:lnTo>
+                <a:close/>
+              </a:path>
+            </a:pathLst>
+          </a:custGeom>
+          <a:solidFill>
+            <a:srgbClr val="F8F9E7"/>
+          </a:solidFill>
+          <a:ln>
+            <a:noFill/>
+          </a:ln>
+        </p:spPr>
+        <p:style>
+          <a:lnRef idx="2">
+            <a:schemeClr val="accent1">
+              <a:lumMod val="75000"/>
+            </a:schemeClr>
+          </a:lnRef>
+          <a:fillRef idx="1">
+            <a:schemeClr val="accent1"/>
+          </a:fillRef>
+          <a:effectRef idx="0">
+            <a:srgbClr val="FFFFFF"/>
+          </a:effectRef>
+          <a:fontRef idx="minor">
+            <a:schemeClr val="lt1"/>
+          </a:fontRef>
+        </p:style>
+        <p:txBody>
+          <a:bodyPr rtlCol="0" anchor="ctr"/>
+          <a:p>
+            <a:pPr algn="ctr"/>
+            <a:endParaRPr lang="en-US"/>
+          </a:p>
+        </p:txBody>
+      </p:sp>
+      <p:sp>
+        <p:nvSpPr>
+          <p:cNvPr id="25" name="Freeform 24"/>
+          <p:cNvSpPr/>
+          <p:nvPr/>
+        </p:nvSpPr>
+        <p:spPr>
+          <a:xfrm>
+            <a:off x="-12534900" y="3906520"/>
+            <a:ext cx="9677400" cy="1430655"/>
+          </a:xfrm>
+          <a:custGeom>
+            <a:avLst/>
+            <a:gdLst>
+              <a:gd name="connsiteX0" fmla="*/ 0 w 12062"/>
+              <a:gd name="connsiteY0" fmla="*/ 671 h 2190"/>
+              <a:gd name="connsiteX1" fmla="*/ 12062 w 12062"/>
+              <a:gd name="connsiteY1" fmla="*/ 0 h 2190"/>
+              <a:gd name="connsiteX2" fmla="*/ 10820 w 12062"/>
+              <a:gd name="connsiteY2" fmla="*/ 2145 h 2190"/>
+              <a:gd name="connsiteX3" fmla="*/ 189 w 12062"/>
+              <a:gd name="connsiteY3" fmla="*/ 2190 h 2190"/>
+              <a:gd name="connsiteX4" fmla="*/ 0 w 12062"/>
+              <a:gd name="connsiteY4" fmla="*/ 671 h 2190"/>
+            </a:gdLst>
+            <a:ahLst/>
+            <a:cxnLst>
+              <a:cxn ang="0">
+                <a:pos x="connsiteX0" y="connsiteY0"/>
+              </a:cxn>
+              <a:cxn ang="0">
+                <a:pos x="connsiteX1" y="connsiteY1"/>
+              </a:cxn>
+              <a:cxn ang="0">
+                <a:pos x="connsiteX2" y="connsiteY2"/>
+              </a:cxn>
+              <a:cxn ang="0">
+                <a:pos x="connsiteX3" y="connsiteY3"/>
+              </a:cxn>
+              <a:cxn ang="0">
+                <a:pos x="connsiteX4" y="connsiteY4"/>
+              </a:cxn>
+            </a:cxnLst>
+            <a:rect l="l" t="t" r="r" b="b"/>
+            <a:pathLst>
+              <a:path w="12062" h="2190">
+                <a:moveTo>
+                  <a:pt x="0" y="671"/>
+                </a:moveTo>
+                <a:lnTo>
+                  <a:pt x="12062" y="0"/>
+                </a:lnTo>
+                <a:lnTo>
+                  <a:pt x="10820" y="2145"/>
+                </a:lnTo>
+                <a:lnTo>
+                  <a:pt x="189" y="2190"/>
+                </a:lnTo>
+                <a:lnTo>
+                  <a:pt x="0" y="671"/>
+                </a:lnTo>
+                <a:close/>
+              </a:path>
+            </a:pathLst>
+          </a:custGeom>
+          <a:solidFill>
+            <a:srgbClr val="F8F9E7"/>
+          </a:solidFill>
+          <a:ln>
+            <a:noFill/>
+          </a:ln>
+        </p:spPr>
+        <p:style>
+          <a:lnRef idx="2">
+            <a:schemeClr val="accent1">
+              <a:lumMod val="75000"/>
+            </a:schemeClr>
+          </a:lnRef>
+          <a:fillRef idx="1">
+            <a:schemeClr val="accent1"/>
+          </a:fillRef>
+          <a:effectRef idx="0">
+            <a:srgbClr val="FFFFFF"/>
+          </a:effectRef>
+          <a:fontRef idx="minor">
+            <a:schemeClr val="lt1"/>
+          </a:fontRef>
+        </p:style>
+        <p:txBody>
+          <a:bodyPr rtlCol="0" anchor="ctr"/>
+          <a:p>
+            <a:pPr algn="ctr"/>
+            <a:endParaRPr lang="en-US"/>
+          </a:p>
+        </p:txBody>
+      </p:sp>
+      <p:sp>
+        <p:nvSpPr>
+          <p:cNvPr id="26" name="Freeform 25"/>
+          <p:cNvSpPr/>
+          <p:nvPr/>
+        </p:nvSpPr>
+        <p:spPr>
+          <a:xfrm>
+            <a:off x="-12440920" y="5622290"/>
+            <a:ext cx="12043410" cy="1430655"/>
+          </a:xfrm>
+          <a:custGeom>
+            <a:avLst/>
+            <a:gdLst>
+              <a:gd name="connsiteX0" fmla="*/ 0 w 12062"/>
+              <a:gd name="connsiteY0" fmla="*/ 671 h 2190"/>
+              <a:gd name="connsiteX1" fmla="*/ 12062 w 12062"/>
+              <a:gd name="connsiteY1" fmla="*/ 0 h 2190"/>
+              <a:gd name="connsiteX2" fmla="*/ 10820 w 12062"/>
+              <a:gd name="connsiteY2" fmla="*/ 2145 h 2190"/>
+              <a:gd name="connsiteX3" fmla="*/ 189 w 12062"/>
+              <a:gd name="connsiteY3" fmla="*/ 2190 h 2190"/>
+              <a:gd name="connsiteX4" fmla="*/ 0 w 12062"/>
+              <a:gd name="connsiteY4" fmla="*/ 671 h 2190"/>
+            </a:gdLst>
+            <a:ahLst/>
+            <a:cxnLst>
+              <a:cxn ang="0">
+                <a:pos x="connsiteX0" y="connsiteY0"/>
+              </a:cxn>
+              <a:cxn ang="0">
+                <a:pos x="connsiteX1" y="connsiteY1"/>
+              </a:cxn>
+              <a:cxn ang="0">
+                <a:pos x="connsiteX2" y="connsiteY2"/>
+              </a:cxn>
+              <a:cxn ang="0">
+                <a:pos x="connsiteX3" y="connsiteY3"/>
+              </a:cxn>
+              <a:cxn ang="0">
+                <a:pos x="connsiteX4" y="connsiteY4"/>
+              </a:cxn>
+            </a:cxnLst>
+            <a:rect l="l" t="t" r="r" b="b"/>
+            <a:pathLst>
+              <a:path w="12062" h="2190">
+                <a:moveTo>
+                  <a:pt x="0" y="671"/>
+                </a:moveTo>
+                <a:lnTo>
+                  <a:pt x="12062" y="0"/>
+                </a:lnTo>
+                <a:lnTo>
+                  <a:pt x="10820" y="2145"/>
+                </a:lnTo>
+                <a:lnTo>
+                  <a:pt x="189" y="2190"/>
+                </a:lnTo>
+                <a:lnTo>
+                  <a:pt x="0" y="671"/>
+                </a:lnTo>
+                <a:close/>
+              </a:path>
+            </a:pathLst>
+          </a:custGeom>
+          <a:solidFill>
+            <a:srgbClr val="F8F9E7"/>
+          </a:solidFill>
+          <a:ln>
+            <a:noFill/>
+          </a:ln>
+        </p:spPr>
+        <p:style>
+          <a:lnRef idx="2">
+            <a:schemeClr val="accent1">
+              <a:lumMod val="75000"/>
+            </a:schemeClr>
+          </a:lnRef>
+          <a:fillRef idx="1">
+            <a:schemeClr val="accent1"/>
+          </a:fillRef>
+          <a:effectRef idx="0">
+            <a:srgbClr val="FFFFFF"/>
+          </a:effectRef>
+          <a:fontRef idx="minor">
+            <a:schemeClr val="lt1"/>
+          </a:fontRef>
+        </p:style>
+        <p:txBody>
+          <a:bodyPr rtlCol="0" anchor="ctr"/>
+          <a:p>
+            <a:pPr algn="ctr"/>
+            <a:endParaRPr lang="en-US"/>
+          </a:p>
+        </p:txBody>
+      </p:sp>
+      <p:sp>
+        <p:nvSpPr>
+          <p:cNvPr id="27" name="Text Box 26"/>
+          <p:cNvSpPr txBox="1"/>
+          <p:nvPr/>
+        </p:nvSpPr>
+        <p:spPr>
+          <a:xfrm>
+            <a:off x="-11812905" y="2777490"/>
+            <a:ext cx="6376035" cy="521970"/>
+          </a:xfrm>
+          <a:prstGeom prst="rect">
+            <a:avLst/>
+          </a:prstGeom>
+          <a:noFill/>
+        </p:spPr>
+        <p:txBody>
+          <a:bodyPr wrap="square" rtlCol="0">
+            <a:spAutoFit/>
+          </a:bodyPr>
+          <a:p>
+            <a:r>
+              <a:rPr lang="en-US" sz="2800">
+                <a:solidFill>
+                  <a:schemeClr val="tx1">
+                    <a:lumMod val="75000"/>
+                    <a:lumOff val="25000"/>
+                  </a:schemeClr>
+                </a:solidFill>
+                <a:latin typeface="La Gagliane" panose="02000600000000000000" charset="0"/>
+                <a:cs typeface="La Gagliane" panose="02000600000000000000" charset="0"/>
+              </a:rPr>
+              <a:t>Aesthetic &amp; culltural</a:t>
+            </a:r>
+            <a:endParaRPr lang="en-US" sz="2800">
+              <a:solidFill>
+                <a:schemeClr val="tx1">
+                  <a:lumMod val="75000"/>
+                  <a:lumOff val="25000"/>
+                </a:schemeClr>
+              </a:solidFill>
+              <a:latin typeface="La Gagliane" panose="02000600000000000000" charset="0"/>
+              <a:cs typeface="La Gagliane" panose="02000600000000000000" charset="0"/>
+            </a:endParaRPr>
+          </a:p>
+        </p:txBody>
+      </p:sp>
+      <p:sp>
+        <p:nvSpPr>
+          <p:cNvPr id="28" name="Text Box 27"/>
+          <p:cNvSpPr txBox="1"/>
+          <p:nvPr/>
+        </p:nvSpPr>
+        <p:spPr>
+          <a:xfrm>
+            <a:off x="-11132820" y="4415155"/>
+            <a:ext cx="9130665" cy="645160"/>
+          </a:xfrm>
+          <a:prstGeom prst="rect">
+            <a:avLst/>
+          </a:prstGeom>
+          <a:noFill/>
+        </p:spPr>
+        <p:txBody>
+          <a:bodyPr wrap="square" rtlCol="0">
+            <a:spAutoFit/>
+          </a:bodyPr>
+          <a:p>
+            <a:r>
+              <a:rPr lang="en-US" sz="3600">
+                <a:solidFill>
+                  <a:schemeClr val="tx1">
+                    <a:lumMod val="75000"/>
+                    <a:lumOff val="25000"/>
+                  </a:schemeClr>
+                </a:solidFill>
+                <a:latin typeface="La Gagliane" panose="02000600000000000000" charset="0"/>
+                <a:cs typeface="La Gagliane" panose="02000600000000000000" charset="0"/>
+              </a:rPr>
+              <a:t>Inspiration &amp; health</a:t>
+            </a:r>
+            <a:endParaRPr lang="en-US" sz="3600">
+              <a:solidFill>
+                <a:schemeClr val="tx1">
+                  <a:lumMod val="75000"/>
+                  <a:lumOff val="25000"/>
+                </a:schemeClr>
+              </a:solidFill>
+              <a:latin typeface="La Gagliane" panose="02000600000000000000" charset="0"/>
+              <a:cs typeface="La Gagliane" panose="02000600000000000000" charset="0"/>
+            </a:endParaRPr>
+          </a:p>
+        </p:txBody>
+      </p:sp>
+      <p:sp>
+        <p:nvSpPr>
+          <p:cNvPr id="29" name="Text Box 28"/>
+          <p:cNvSpPr txBox="1"/>
+          <p:nvPr/>
+        </p:nvSpPr>
+        <p:spPr>
+          <a:xfrm>
+            <a:off x="-10295255" y="6192520"/>
+            <a:ext cx="9130665" cy="706755"/>
+          </a:xfrm>
+          <a:prstGeom prst="rect">
+            <a:avLst/>
+          </a:prstGeom>
+          <a:noFill/>
+        </p:spPr>
+        <p:txBody>
+          <a:bodyPr wrap="square" rtlCol="0">
+            <a:spAutoFit/>
+          </a:bodyPr>
+          <a:p>
+            <a:r>
+              <a:rPr lang="en-US" sz="4000">
+                <a:solidFill>
+                  <a:schemeClr val="tx1">
+                    <a:lumMod val="75000"/>
+                    <a:lumOff val="25000"/>
+                  </a:schemeClr>
+                </a:solidFill>
+                <a:latin typeface="La Gagliane" panose="02000600000000000000" charset="0"/>
+                <a:cs typeface="La Gagliane" panose="02000600000000000000" charset="0"/>
+              </a:rPr>
+              <a:t>Diversity &amp; abundance</a:t>
+            </a:r>
+            <a:endParaRPr lang="en-US" sz="4000">
+              <a:solidFill>
+                <a:schemeClr val="tx1">
+                  <a:lumMod val="75000"/>
+                  <a:lumOff val="25000"/>
+                </a:schemeClr>
+              </a:solidFill>
+              <a:latin typeface="La Gagliane" panose="02000600000000000000" charset="0"/>
+              <a:cs typeface="La Gagliane" panose="02000600000000000000" charset="0"/>
+            </a:endParaRPr>
+          </a:p>
+        </p:txBody>
+      </p:sp>
+      <p:sp>
+        <p:nvSpPr>
+          <p:cNvPr id="30" name="Text Box 29"/>
+          <p:cNvSpPr txBox="1"/>
+          <p:nvPr/>
+        </p:nvSpPr>
+        <p:spPr>
+          <a:xfrm>
+            <a:off x="12710160" y="1319530"/>
+            <a:ext cx="4108450" cy="3133090"/>
+          </a:xfrm>
+          <a:prstGeom prst="rect">
+            <a:avLst/>
+          </a:prstGeom>
+          <a:noFill/>
+        </p:spPr>
+        <p:txBody>
+          <a:bodyPr vert="horz" wrap="square" rtlCol="0">
+            <a:noAutofit/>
+          </a:bodyPr>
+          <a:p>
+            <a:pPr algn="r" fontAlgn="base">
+              <a:lnSpc>
+                <a:spcPct val="130000"/>
+              </a:lnSpc>
+            </a:pPr>
+            <a:r>
+              <a:rPr lang="en-US">
+                <a:solidFill>
+                  <a:schemeClr val="bg1">
+                    <a:lumMod val="75000"/>
+                  </a:schemeClr>
+                </a:solidFill>
+                <a:latin typeface="La Gagliane" panose="02000600000000000000" charset="0"/>
+                <a:cs typeface="La Gagliane" panose="02000600000000000000" charset="0"/>
+              </a:rPr>
+              <a:t>Reasons for choosing the topic</a:t>
+            </a:r>
+            <a:endParaRPr lang="en-US">
+              <a:solidFill>
+                <a:schemeClr val="bg1">
+                  <a:lumMod val="75000"/>
+                </a:schemeClr>
+              </a:solidFill>
+              <a:latin typeface="La Gagliane" panose="02000600000000000000" charset="0"/>
+              <a:cs typeface="La Gagliane" panose="02000600000000000000" charset="0"/>
+            </a:endParaRPr>
+          </a:p>
+        </p:txBody>
+      </p:sp>
+      <p:pic>
+        <p:nvPicPr>
+          <p:cNvPr id="14" name="Picture 13"/>
+          <p:cNvPicPr/>
+          <p:nvPr/>
+        </p:nvPicPr>
+        <p:blipFill>
+          <a:blip r:embed="rId1"/>
+          <a:stretch>
+            <a:fillRect/>
+          </a:stretch>
+        </p:blipFill>
+        <p:spPr>
+          <a:xfrm rot="1740000">
+            <a:off x="-3268980" y="6763385"/>
+            <a:ext cx="4098290" cy="2781300"/>
+          </a:xfrm>
+          <a:prstGeom prst="rect">
+            <a:avLst/>
+          </a:prstGeom>
+          <a:noFill/>
+          <a:ln w="9525">
+            <a:noFill/>
+          </a:ln>
+        </p:spPr>
+      </p:pic>
+      <p:sp>
+        <p:nvSpPr>
+          <p:cNvPr id="16" name="Text Box 15"/>
+          <p:cNvSpPr txBox="1"/>
+          <p:nvPr/>
+        </p:nvSpPr>
+        <p:spPr>
+          <a:xfrm>
+            <a:off x="-5436870" y="2502535"/>
+            <a:ext cx="4558030" cy="1753235"/>
+          </a:xfrm>
+          <a:prstGeom prst="rect">
+            <a:avLst/>
+          </a:prstGeom>
+          <a:solidFill>
+            <a:srgbClr val="F8FAEF"/>
+          </a:solidFill>
+          <a:ln>
+            <a:noFill/>
+          </a:ln>
+        </p:spPr>
+        <p:txBody>
+          <a:bodyPr wrap="square" rtlCol="0">
+            <a:spAutoFit/>
+          </a:bodyPr>
+          <a:p>
+            <a:pPr>
+              <a:lnSpc>
+                <a:spcPct val="180000"/>
+              </a:lnSpc>
+            </a:pPr>
+            <a:r>
+              <a:rPr lang="en-US" sz="2000">
+                <a:solidFill>
+                  <a:schemeClr val="tx1">
+                    <a:lumMod val="75000"/>
+                    <a:lumOff val="25000"/>
+                  </a:schemeClr>
+                </a:solidFill>
+                <a:latin typeface="La Gagliane" panose="02000600000000000000" charset="0"/>
+                <a:cs typeface="La Gagliane" panose="02000600000000000000" charset="0"/>
+              </a:rPr>
+              <a:t>Buy and sell yours, with deep colors and classical music.</a:t>
+            </a:r>
+            <a:endParaRPr lang="en-US" sz="2000">
+              <a:solidFill>
+                <a:schemeClr val="tx1">
+                  <a:lumMod val="75000"/>
+                  <a:lumOff val="25000"/>
+                </a:schemeClr>
+              </a:solidFill>
+              <a:latin typeface="La Gagliane" panose="02000600000000000000" charset="0"/>
+              <a:cs typeface="La Gagliane" panose="02000600000000000000" charset="0"/>
+            </a:endParaRPr>
+          </a:p>
+        </p:txBody>
+      </p:sp>
+      <p:sp>
+        <p:nvSpPr>
+          <p:cNvPr id="17" name="Text Box 16"/>
+          <p:cNvSpPr txBox="1"/>
+          <p:nvPr/>
+        </p:nvSpPr>
+        <p:spPr>
+          <a:xfrm>
+            <a:off x="13684885" y="2486025"/>
+            <a:ext cx="4558030" cy="3277235"/>
+          </a:xfrm>
+          <a:prstGeom prst="rect">
+            <a:avLst/>
+          </a:prstGeom>
+          <a:solidFill>
+            <a:srgbClr val="F8FAEF"/>
+          </a:solidFill>
+          <a:ln>
+            <a:noFill/>
+          </a:ln>
+        </p:spPr>
+        <p:txBody>
+          <a:bodyPr wrap="square" rtlCol="0">
+            <a:noAutofit/>
+          </a:bodyPr>
+          <a:p>
+            <a:pPr algn="ctr">
+              <a:lnSpc>
+                <a:spcPct val="180000"/>
+              </a:lnSpc>
+            </a:pPr>
+            <a:r>
+              <a:rPr lang="en-US" sz="3000">
+                <a:solidFill>
+                  <a:schemeClr val="tx1">
+                    <a:lumMod val="75000"/>
+                    <a:lumOff val="25000"/>
+                  </a:schemeClr>
+                </a:solidFill>
+                <a:latin typeface="La Gagliane" panose="02000600000000000000" charset="0"/>
+                <a:cs typeface="La Gagliane" panose="02000600000000000000" charset="0"/>
+              </a:rPr>
+              <a:t>Save more time, bring more conveniences</a:t>
+            </a:r>
+            <a:endParaRPr lang="en-US" sz="3000">
+              <a:solidFill>
+                <a:schemeClr val="tx1">
+                  <a:lumMod val="75000"/>
+                  <a:lumOff val="25000"/>
+                </a:schemeClr>
+              </a:solidFill>
+              <a:latin typeface="La Gagliane" panose="02000600000000000000" charset="0"/>
+              <a:cs typeface="La Gagliane" panose="02000600000000000000" charset="0"/>
+            </a:endParaRPr>
+          </a:p>
+        </p:txBody>
+      </p:sp>
+      <p:sp>
+        <p:nvSpPr>
+          <p:cNvPr id="18" name="Text Box 17"/>
+          <p:cNvSpPr txBox="1"/>
+          <p:nvPr/>
+        </p:nvSpPr>
+        <p:spPr>
+          <a:xfrm>
+            <a:off x="-2517140" y="-1798320"/>
+            <a:ext cx="5099050" cy="1200785"/>
+          </a:xfrm>
+          <a:prstGeom prst="rect">
+            <a:avLst/>
+          </a:prstGeom>
+          <a:solidFill>
+            <a:srgbClr val="F8FAEF"/>
+          </a:solidFill>
+          <a:ln>
+            <a:noFill/>
+          </a:ln>
+        </p:spPr>
+        <p:txBody>
+          <a:bodyPr wrap="square" rtlCol="0">
+            <a:noAutofit/>
+          </a:bodyPr>
+          <a:p>
+            <a:pPr algn="ctr">
+              <a:lnSpc>
+                <a:spcPct val="180000"/>
+              </a:lnSpc>
+            </a:pPr>
+            <a:r>
+              <a:rPr lang="en-US" sz="2000">
+                <a:solidFill>
+                  <a:schemeClr val="tx1">
+                    <a:lumMod val="75000"/>
+                    <a:lumOff val="25000"/>
+                  </a:schemeClr>
+                </a:solidFill>
+                <a:latin typeface="La Gagliane" panose="02000600000000000000" charset="0"/>
+                <a:cs typeface="La Gagliane" panose="02000600000000000000" charset="0"/>
+              </a:rPr>
+              <a:t>Enjoyable shopping</a:t>
+            </a:r>
+            <a:endParaRPr lang="en-US" sz="2000">
+              <a:solidFill>
+                <a:schemeClr val="tx1">
+                  <a:lumMod val="75000"/>
+                  <a:lumOff val="25000"/>
+                </a:schemeClr>
+              </a:solidFill>
+              <a:latin typeface="La Gagliane" panose="02000600000000000000" charset="0"/>
+              <a:cs typeface="La Gagliane" panose="02000600000000000000" charset="0"/>
+            </a:endParaRPr>
+          </a:p>
+          <a:p>
+            <a:pPr algn="ctr">
+              <a:lnSpc>
+                <a:spcPct val="180000"/>
+              </a:lnSpc>
+            </a:pPr>
+            <a:r>
+              <a:rPr lang="en-US" sz="2000">
+                <a:solidFill>
+                  <a:schemeClr val="tx1">
+                    <a:lumMod val="75000"/>
+                    <a:lumOff val="25000"/>
+                  </a:schemeClr>
+                </a:solidFill>
+                <a:latin typeface="La Gagliane" panose="02000600000000000000" charset="0"/>
+                <a:cs typeface="La Gagliane" panose="02000600000000000000" charset="0"/>
+              </a:rPr>
+              <a:t>experience</a:t>
+            </a:r>
+            <a:endParaRPr lang="en-US" sz="2000">
+              <a:solidFill>
+                <a:schemeClr val="tx1">
+                  <a:lumMod val="75000"/>
+                  <a:lumOff val="25000"/>
+                </a:schemeClr>
+              </a:solidFill>
+              <a:latin typeface="La Gagliane" panose="02000600000000000000" charset="0"/>
+              <a:cs typeface="La Gagliane" panose="02000600000000000000" charset="0"/>
+            </a:endParaRPr>
+          </a:p>
+        </p:txBody>
+      </p:sp>
+      <p:sp>
+        <p:nvSpPr>
+          <p:cNvPr id="19" name="Text Box 18"/>
+          <p:cNvSpPr txBox="1"/>
+          <p:nvPr/>
+        </p:nvSpPr>
+        <p:spPr>
+          <a:xfrm>
+            <a:off x="1250315" y="7606030"/>
+            <a:ext cx="7267575" cy="706755"/>
+          </a:xfrm>
+          <a:prstGeom prst="rect">
+            <a:avLst/>
+          </a:prstGeom>
+          <a:noFill/>
+        </p:spPr>
+        <p:txBody>
+          <a:bodyPr wrap="square" rtlCol="0">
+            <a:spAutoFit/>
+          </a:bodyPr>
+          <a:p>
+            <a:r>
+              <a:rPr lang="en-US" sz="4000" b="1">
+                <a:solidFill>
+                  <a:srgbClr val="E2C799"/>
+                </a:solidFill>
+                <a:latin typeface="La Gagliane" panose="02000600000000000000" charset="0"/>
+                <a:cs typeface="La Gagliane" panose="02000600000000000000" charset="0"/>
+                <a:sym typeface="+mn-ea"/>
+              </a:rPr>
+              <a:t>Wine </a:t>
+            </a:r>
+            <a:r>
+              <a:rPr lang="en-US" sz="4000" b="1">
+                <a:solidFill>
+                  <a:srgbClr val="E2C799"/>
+                </a:solidFill>
+                <a:latin typeface="Bahnschrift Condensed" panose="020B0502040204020203" charset="0"/>
+                <a:cs typeface="Bahnschrift Condensed" panose="020B0502040204020203" charset="0"/>
+              </a:rPr>
+              <a:t>“</a:t>
+            </a:r>
+            <a:r>
+              <a:rPr lang="en-US" sz="4000" b="1">
+                <a:solidFill>
+                  <a:srgbClr val="E2C799"/>
+                </a:solidFill>
+                <a:latin typeface="La Gagliane" panose="02000600000000000000" charset="0"/>
+                <a:cs typeface="La Gagliane" panose="02000600000000000000" charset="0"/>
+                <a:sym typeface="+mn-ea"/>
+              </a:rPr>
+              <a:t>world</a:t>
+            </a:r>
+            <a:r>
+              <a:rPr lang="en-US" sz="4000" b="1">
+                <a:solidFill>
+                  <a:srgbClr val="E2C799"/>
+                </a:solidFill>
+                <a:latin typeface="La Gagliane" panose="02000600000000000000" charset="0"/>
+                <a:cs typeface="La Gagliane" panose="02000600000000000000" charset="0"/>
+              </a:rPr>
+              <a:t>”</a:t>
+            </a:r>
+            <a:r>
+              <a:rPr lang="en-US" sz="4000" b="1">
+                <a:solidFill>
+                  <a:srgbClr val="E2C799"/>
+                </a:solidFill>
+                <a:latin typeface="Bahnschrift Condensed" panose="020B0502040204020203" charset="0"/>
+                <a:cs typeface="Bahnschrift Condensed" panose="020B0502040204020203" charset="0"/>
+              </a:rPr>
+              <a:t>” </a:t>
+            </a:r>
+            <a:r>
+              <a:rPr lang="en-US" sz="4000" b="1">
+                <a:solidFill>
+                  <a:srgbClr val="E2C799"/>
+                </a:solidFill>
+                <a:latin typeface="La Gagliane" panose="02000600000000000000" charset="0"/>
+                <a:cs typeface="La Gagliane" panose="02000600000000000000" charset="0"/>
+              </a:rPr>
+              <a:t>- </a:t>
+            </a:r>
+            <a:endParaRPr lang="en-US" sz="4000" b="1">
+              <a:solidFill>
+                <a:srgbClr val="E2C799"/>
+              </a:solidFill>
+              <a:latin typeface="La Gagliane" panose="02000600000000000000" charset="0"/>
+              <a:cs typeface="La Gagliane" panose="02000600000000000000" charset="0"/>
+            </a:endParaRPr>
+          </a:p>
+        </p:txBody>
+      </p:sp>
+      <p:sp>
+        <p:nvSpPr>
+          <p:cNvPr id="20" name="Text Box 19"/>
+          <p:cNvSpPr txBox="1"/>
+          <p:nvPr/>
+        </p:nvSpPr>
+        <p:spPr>
+          <a:xfrm>
+            <a:off x="9441180" y="1319530"/>
+            <a:ext cx="4064000" cy="460375"/>
+          </a:xfrm>
+          <a:prstGeom prst="rect">
+            <a:avLst/>
+          </a:prstGeom>
+          <a:noFill/>
+        </p:spPr>
+        <p:txBody>
+          <a:bodyPr wrap="square" rtlCol="0">
+            <a:spAutoFit/>
+          </a:bodyPr>
+          <a:p>
+            <a:r>
+              <a:rPr lang="en-US" sz="2400">
+                <a:solidFill>
+                  <a:schemeClr val="tx2">
+                    <a:lumMod val="60000"/>
+                    <a:lumOff val="40000"/>
+                  </a:schemeClr>
+                </a:solidFill>
+                <a:latin typeface="La Gagliane" panose="02000600000000000000" charset="0"/>
+                <a:cs typeface="La Gagliane" panose="02000600000000000000" charset="0"/>
+              </a:rPr>
+              <a:t>features</a:t>
+            </a:r>
+            <a:endParaRPr lang="en-US" sz="2400">
+              <a:solidFill>
+                <a:schemeClr val="tx2">
+                  <a:lumMod val="60000"/>
+                  <a:lumOff val="40000"/>
+                </a:schemeClr>
+              </a:solidFill>
+              <a:latin typeface="La Gagliane" panose="02000600000000000000" charset="0"/>
+              <a:cs typeface="La Gagliane" panose="02000600000000000000" charset="0"/>
+            </a:endParaRPr>
+          </a:p>
+        </p:txBody>
+      </p:sp>
+      <p:pic>
+        <p:nvPicPr>
+          <p:cNvPr id="21" name="Picture 20"/>
+          <p:cNvPicPr>
+            <a:picLocks noChangeAspect="1"/>
+          </p:cNvPicPr>
+          <p:nvPr/>
+        </p:nvPicPr>
+        <p:blipFill>
+          <a:blip r:embed="rId2"/>
+          <a:stretch>
+            <a:fillRect/>
+          </a:stretch>
+        </p:blipFill>
+        <p:spPr>
+          <a:xfrm>
+            <a:off x="765810" y="1186180"/>
+            <a:ext cx="5172075" cy="3705225"/>
+          </a:xfrm>
+          <a:prstGeom prst="rect">
+            <a:avLst/>
+          </a:prstGeom>
+        </p:spPr>
+      </p:pic>
+      <p:pic>
+        <p:nvPicPr>
+          <p:cNvPr id="22" name="Picture 21"/>
+          <p:cNvPicPr>
+            <a:picLocks noChangeAspect="1"/>
+          </p:cNvPicPr>
+          <p:nvPr/>
+        </p:nvPicPr>
+        <p:blipFill>
+          <a:blip r:embed="rId3"/>
+          <a:stretch>
+            <a:fillRect/>
+          </a:stretch>
+        </p:blipFill>
+        <p:spPr>
+          <a:xfrm>
+            <a:off x="7857490" y="2198370"/>
+            <a:ext cx="3482975" cy="4189730"/>
+          </a:xfrm>
+          <a:prstGeom prst="rect">
+            <a:avLst/>
+          </a:prstGeom>
+        </p:spPr>
+      </p:pic>
+      <p:sp>
+        <p:nvSpPr>
+          <p:cNvPr id="23" name="Text Box 22"/>
+          <p:cNvSpPr txBox="1"/>
+          <p:nvPr/>
+        </p:nvSpPr>
+        <p:spPr>
+          <a:xfrm>
+            <a:off x="3782695" y="5189220"/>
+            <a:ext cx="3916680" cy="1198880"/>
+          </a:xfrm>
+          <a:prstGeom prst="rect">
+            <a:avLst/>
+          </a:prstGeom>
+          <a:noFill/>
+        </p:spPr>
+        <p:txBody>
+          <a:bodyPr wrap="square" rtlCol="0">
+            <a:spAutoFit/>
+          </a:bodyPr>
+          <a:p>
+            <a:r>
+              <a:rPr lang="en-US" sz="3600">
+                <a:solidFill>
+                  <a:schemeClr val="tx2">
+                    <a:lumMod val="40000"/>
+                    <a:lumOff val="60000"/>
+                  </a:schemeClr>
+                </a:solidFill>
+              </a:rPr>
+              <a:t>“</a:t>
+            </a:r>
+            <a:r>
+              <a:rPr lang="en-US" sz="3600">
+                <a:solidFill>
+                  <a:schemeClr val="tx2">
+                    <a:lumMod val="40000"/>
+                    <a:lumOff val="60000"/>
+                  </a:schemeClr>
+                </a:solidFill>
+                <a:latin typeface="La Gagliane" panose="02000600000000000000" charset="0"/>
+                <a:cs typeface="La Gagliane" panose="02000600000000000000" charset="0"/>
+              </a:rPr>
+              <a:t>receipt</a:t>
+            </a:r>
+            <a:r>
+              <a:rPr lang="en-US" sz="3600">
+                <a:solidFill>
+                  <a:schemeClr val="tx2">
+                    <a:lumMod val="40000"/>
+                    <a:lumOff val="60000"/>
+                  </a:schemeClr>
+                </a:solidFill>
+              </a:rPr>
+              <a:t>” </a:t>
+            </a:r>
+            <a:r>
+              <a:rPr lang="en-US" sz="3600">
+                <a:solidFill>
+                  <a:schemeClr val="tx2">
+                    <a:lumMod val="40000"/>
+                    <a:lumOff val="60000"/>
+                  </a:schemeClr>
+                </a:solidFill>
+                <a:latin typeface="La Gagliane" panose="02000600000000000000" charset="0"/>
+                <a:cs typeface="La Gagliane" panose="02000600000000000000" charset="0"/>
+              </a:rPr>
+              <a:t>checkout</a:t>
+            </a:r>
+            <a:r>
+              <a:rPr lang="en-US" sz="3600">
+                <a:solidFill>
+                  <a:schemeClr val="tx2">
+                    <a:lumMod val="40000"/>
+                    <a:lumOff val="60000"/>
+                  </a:schemeClr>
+                </a:solidFill>
+              </a:rPr>
+              <a:t> ━</a:t>
+            </a:r>
+            <a:endParaRPr lang="en-US" sz="3600">
+              <a:solidFill>
+                <a:schemeClr val="tx2">
+                  <a:lumMod val="40000"/>
+                  <a:lumOff val="60000"/>
+                </a:schemeClr>
+              </a:solidFill>
+            </a:endParaRPr>
+          </a:p>
+        </p:txBody>
+      </p:sp>
+      <p:sp>
+        <p:nvSpPr>
+          <p:cNvPr id="36" name="Text Box 35"/>
+          <p:cNvSpPr txBox="1"/>
+          <p:nvPr/>
+        </p:nvSpPr>
+        <p:spPr>
+          <a:xfrm rot="16200000">
+            <a:off x="2361565" y="-2699385"/>
+            <a:ext cx="785495" cy="6768465"/>
+          </a:xfrm>
+          <a:prstGeom prst="rect">
+            <a:avLst/>
+          </a:prstGeom>
+          <a:noFill/>
+        </p:spPr>
+        <p:txBody>
+          <a:bodyPr vert="eaVert" wrap="square" rtlCol="0">
+            <a:spAutoFit/>
+          </a:bodyPr>
+          <a:p>
+            <a:pPr algn="ctr">
+              <a:lnSpc>
+                <a:spcPct val="140000"/>
+              </a:lnSpc>
+            </a:pPr>
+            <a:r>
+              <a:rPr lang="en-US" sz="2800" b="1">
+                <a:solidFill>
+                  <a:schemeClr val="accent1">
+                    <a:lumMod val="60000"/>
+                    <a:lumOff val="40000"/>
+                  </a:schemeClr>
+                </a:solidFill>
+                <a:latin typeface="La Gagliane" panose="02000600000000000000" charset="0"/>
+                <a:cs typeface="La Gagliane" panose="02000600000000000000" charset="0"/>
+              </a:rPr>
+              <a:t>NEWS</a:t>
+            </a:r>
+            <a:r>
+              <a:rPr lang="en-US" sz="2800">
+                <a:solidFill>
+                  <a:schemeClr val="accent1">
+                    <a:lumMod val="60000"/>
+                    <a:lumOff val="40000"/>
+                  </a:schemeClr>
+                </a:solidFill>
+                <a:latin typeface="La Gagliane" panose="02000600000000000000" charset="0"/>
+                <a:cs typeface="La Gagliane" panose="02000600000000000000" charset="0"/>
+              </a:rPr>
+              <a:t> review</a:t>
+            </a:r>
+            <a:endParaRPr lang="en-US" sz="2800">
+              <a:solidFill>
+                <a:schemeClr val="accent1">
+                  <a:lumMod val="60000"/>
+                  <a:lumOff val="40000"/>
+                </a:schemeClr>
+              </a:solidFill>
+              <a:latin typeface="La Gagliane" panose="02000600000000000000" charset="0"/>
+              <a:cs typeface="La Gagliane" panose="02000600000000000000" charset="0"/>
+            </a:endParaRPr>
+          </a:p>
+        </p:txBody>
+      </p:sp>
+    </p:spTree>
+  </p:cSld>
+  <p:clrMapOvr>
+    <a:masterClrMapping/>
+  </p:clrMapOvr>
+  <mc:AlternateContent xmlns:mc="http://schemas.openxmlformats.org/markup-compatibility/2006" xmlns:p159="http://schemas.microsoft.com/office/powerpoint/2015/09/main">
+    <mc:Choice Requires="p159">
+      <p:transition xmlns:p14="http://schemas.microsoft.com/office/powerpoint/2010/main" spd="med" p14:dur="750">
+        <p159:morph option="byObject"/>
+      </p:transition>
+    </mc:Choice>
+    <mc:Fallback>
+      <p:transition spd="med">
+        <p:fade/>
+      </p:transition>
+    </mc:Fallback>
+  </mc:AlternateContent>
+  <p:timing>
+    <p:tnLst>
+      <p:par>
+        <p:cTn id="1" dur="indefinite" restart="never" nodeType="tmRoot"/>
+      </p:par>
+    </p:tnLst>
+  </p:timing>
+</p:sld>
+</file>
+
+<file path=ppt/slides/slide5.xml><?xml version="1.0" encoding="utf-8"?>
+<p:sld xmlns:a="http://schemas.openxmlformats.org/drawingml/2006/main" xmlns:r="http://schemas.openxmlformats.org/officeDocument/2006/relationships" xmlns:p="http://schemas.openxmlformats.org/presentationml/2006/main">
+  <p:cSld>
+    <p:bg>
+      <p:bgPr>
+        <a:solidFill>
+          <a:srgbClr val="9A3B3B"/>
+        </a:solidFill>
+        <a:effectLst/>
+      </p:bgPr>
+    </p:bg>
+    <p:spTree>
+      <p:nvGrpSpPr>
+        <p:cNvPr id="1" name=""/>
+        <p:cNvGrpSpPr/>
+        <p:nvPr/>
+      </p:nvGrpSpPr>
+      <p:grpSpPr/>
+      <p:sp>
+        <p:nvSpPr>
+          <p:cNvPr id="4" name="Freeform 3"/>
+          <p:cNvSpPr/>
+          <p:nvPr/>
+        </p:nvSpPr>
+        <p:spPr>
+          <a:xfrm rot="21060000">
+            <a:off x="6864985" y="408940"/>
+            <a:ext cx="5293995" cy="843915"/>
+          </a:xfrm>
+          <a:custGeom>
+            <a:avLst/>
+            <a:gdLst>
+              <a:gd name="connsiteX0" fmla="*/ 0 w 15804"/>
+              <a:gd name="connsiteY0" fmla="*/ 0 h 3698"/>
+              <a:gd name="connsiteX1" fmla="*/ 13871 w 15804"/>
+              <a:gd name="connsiteY1" fmla="*/ 1185 h 3698"/>
+              <a:gd name="connsiteX2" fmla="*/ 15804 w 15804"/>
+              <a:gd name="connsiteY2" fmla="*/ 3698 h 3698"/>
+              <a:gd name="connsiteX3" fmla="*/ 985 w 15804"/>
+              <a:gd name="connsiteY3" fmla="*/ 1951 h 3698"/>
+              <a:gd name="connsiteX4" fmla="*/ 0 w 15804"/>
+              <a:gd name="connsiteY4" fmla="*/ 0 h 3698"/>
+            </a:gdLst>
+            <a:ahLst/>
+            <a:cxnLst>
+              <a:cxn ang="0">
+                <a:pos x="connsiteX0" y="connsiteY0"/>
+              </a:cxn>
+              <a:cxn ang="0">
+                <a:pos x="connsiteX1" y="connsiteY1"/>
+              </a:cxn>
+              <a:cxn ang="0">
+                <a:pos x="connsiteX2" y="connsiteY2"/>
+              </a:cxn>
+              <a:cxn ang="0">
+                <a:pos x="connsiteX3" y="connsiteY3"/>
+              </a:cxn>
+              <a:cxn ang="0">
+                <a:pos x="connsiteX4" y="connsiteY4"/>
+              </a:cxn>
+            </a:cxnLst>
+            <a:rect l="l" t="t" r="r" b="b"/>
+            <a:pathLst>
+              <a:path w="15804" h="3698">
+                <a:moveTo>
+                  <a:pt x="0" y="0"/>
+                </a:moveTo>
+                <a:lnTo>
+                  <a:pt x="13871" y="1185"/>
+                </a:lnTo>
+                <a:lnTo>
+                  <a:pt x="15804" y="3698"/>
+                </a:lnTo>
+                <a:lnTo>
+                  <a:pt x="985" y="1951"/>
+                </a:lnTo>
+                <a:lnTo>
+                  <a:pt x="0" y="0"/>
+                </a:lnTo>
+                <a:close/>
+              </a:path>
+            </a:pathLst>
+          </a:custGeom>
+          <a:solidFill>
+            <a:schemeClr val="bg2">
+              <a:lumMod val="25000"/>
+              <a:alpha val="63000"/>
+            </a:schemeClr>
+          </a:solidFill>
+          <a:ln>
+            <a:noFill/>
+          </a:ln>
+          <a:effectLst>
+            <a:reflection stA="0" endPos="65000" dist="50800" dir="5400000" sy="-100000" algn="bl" rotWithShape="0"/>
+          </a:effectLst>
+        </p:spPr>
+        <p:style>
+          <a:lnRef idx="2">
+            <a:schemeClr val="accent1">
+              <a:lumMod val="75000"/>
+            </a:schemeClr>
+          </a:lnRef>
+          <a:fillRef idx="1">
+            <a:schemeClr val="accent1"/>
+          </a:fillRef>
+          <a:effectRef idx="0">
+            <a:srgbClr val="FFFFFF"/>
+          </a:effectRef>
+          <a:fontRef idx="minor">
+            <a:schemeClr val="lt1"/>
+          </a:fontRef>
+        </p:style>
+        <p:txBody>
+          <a:bodyPr rtlCol="0" anchor="ctr"/>
+          <a:p>
+            <a:pPr algn="ctr"/>
+            <a:endParaRPr lang="en-US"/>
+          </a:p>
+        </p:txBody>
+      </p:sp>
+      <p:sp>
+        <p:nvSpPr>
+          <p:cNvPr id="5" name="Text Box 4"/>
+          <p:cNvSpPr txBox="1"/>
+          <p:nvPr/>
+        </p:nvSpPr>
+        <p:spPr>
+          <a:xfrm>
+            <a:off x="6831330" y="601345"/>
+            <a:ext cx="7419340" cy="331470"/>
+          </a:xfrm>
+          <a:prstGeom prst="rect">
+            <a:avLst/>
+          </a:prstGeom>
+          <a:noFill/>
+        </p:spPr>
+        <p:txBody>
+          <a:bodyPr wrap="square" rtlCol="0">
+            <a:noAutofit/>
+          </a:bodyPr>
+          <a:p>
+            <a:r>
+              <a:rPr lang="en-US" sz="2800">
+                <a:solidFill>
+                  <a:schemeClr val="bg1"/>
+                </a:solidFill>
+                <a:latin typeface="La Gagliane" panose="02000600000000000000" charset="0"/>
+                <a:cs typeface="La Gagliane" panose="02000600000000000000" charset="0"/>
+              </a:rPr>
+              <a:t>Wine Connoiseurs</a:t>
+            </a:r>
+            <a:endParaRPr lang="en-US" sz="2800">
+              <a:solidFill>
+                <a:schemeClr val="bg1"/>
+              </a:solidFill>
+              <a:latin typeface="La Gagliane" panose="02000600000000000000" charset="0"/>
+              <a:cs typeface="La Gagliane" panose="02000600000000000000" charset="0"/>
+            </a:endParaRPr>
+          </a:p>
+        </p:txBody>
+      </p:sp>
+      <p:sp>
+        <p:nvSpPr>
+          <p:cNvPr id="6" name="Freeform 5"/>
+          <p:cNvSpPr/>
+          <p:nvPr/>
+        </p:nvSpPr>
+        <p:spPr>
+          <a:xfrm>
+            <a:off x="-1948180" y="-1077595"/>
+            <a:ext cx="1456055" cy="1369695"/>
+          </a:xfrm>
+          <a:custGeom>
+            <a:avLst/>
+            <a:gdLst>
+              <a:gd name="connsiteX0" fmla="*/ 0 w 7052"/>
+              <a:gd name="connsiteY0" fmla="*/ 3296 h 6330"/>
+              <a:gd name="connsiteX1" fmla="*/ 2536 w 7052"/>
+              <a:gd name="connsiteY1" fmla="*/ 0 h 6330"/>
+              <a:gd name="connsiteX2" fmla="*/ 7052 w 7052"/>
+              <a:gd name="connsiteY2" fmla="*/ 3296 h 6330"/>
+              <a:gd name="connsiteX3" fmla="*/ 3227 w 7052"/>
+              <a:gd name="connsiteY3" fmla="*/ 6330 h 6330"/>
+              <a:gd name="connsiteX4" fmla="*/ 0 w 7052"/>
+              <a:gd name="connsiteY4" fmla="*/ 3296 h 6330"/>
+            </a:gdLst>
+            <a:ahLst/>
+            <a:cxnLst>
+              <a:cxn ang="0">
+                <a:pos x="connsiteX0" y="connsiteY0"/>
+              </a:cxn>
+              <a:cxn ang="0">
+                <a:pos x="connsiteX1" y="connsiteY1"/>
+              </a:cxn>
+              <a:cxn ang="0">
+                <a:pos x="connsiteX2" y="connsiteY2"/>
+              </a:cxn>
+              <a:cxn ang="0">
+                <a:pos x="connsiteX3" y="connsiteY3"/>
+              </a:cxn>
+              <a:cxn ang="0">
+                <a:pos x="connsiteX4" y="connsiteY4"/>
+              </a:cxn>
+            </a:cxnLst>
+            <a:rect l="l" t="t" r="r" b="b"/>
+            <a:pathLst>
+              <a:path w="7052" h="6330">
+                <a:moveTo>
+                  <a:pt x="0" y="3296"/>
+                </a:moveTo>
+                <a:cubicBezTo>
+                  <a:pt x="0" y="1552"/>
+                  <a:pt x="589" y="0"/>
+                  <a:pt x="2536" y="0"/>
+                </a:cubicBezTo>
+                <a:cubicBezTo>
+                  <a:pt x="4483" y="0"/>
+                  <a:pt x="7052" y="1552"/>
+                  <a:pt x="7052" y="3296"/>
+                </a:cubicBezTo>
+                <a:cubicBezTo>
+                  <a:pt x="7052" y="5040"/>
+                  <a:pt x="5174" y="6330"/>
+                  <a:pt x="3227" y="6330"/>
+                </a:cubicBezTo>
+                <a:cubicBezTo>
+                  <a:pt x="1280" y="6330"/>
+                  <a:pt x="0" y="5040"/>
+                  <a:pt x="0" y="3296"/>
+                </a:cubicBezTo>
+                <a:close/>
+              </a:path>
+            </a:pathLst>
+          </a:custGeom>
+          <a:solidFill>
+            <a:srgbClr val="E2C799"/>
+          </a:solidFill>
+          <a:ln>
+            <a:noFill/>
+          </a:ln>
+        </p:spPr>
+        <p:style>
+          <a:lnRef idx="2">
+            <a:schemeClr val="accent1">
+              <a:lumMod val="75000"/>
+            </a:schemeClr>
+          </a:lnRef>
+          <a:fillRef idx="1">
+            <a:schemeClr val="accent1"/>
+          </a:fillRef>
+          <a:effectRef idx="0">
+            <a:srgbClr val="FFFFFF"/>
+          </a:effectRef>
+          <a:fontRef idx="minor">
+            <a:schemeClr val="lt1"/>
+          </a:fontRef>
+        </p:style>
+        <p:txBody>
+          <a:bodyPr rtlCol="0" anchor="ctr"/>
+          <a:p>
+            <a:pPr algn="ctr"/>
+            <a:endParaRPr lang="en-US"/>
+          </a:p>
+        </p:txBody>
+      </p:sp>
+      <p:sp>
+        <p:nvSpPr>
+          <p:cNvPr id="7" name="Freeform 6"/>
+          <p:cNvSpPr/>
+          <p:nvPr/>
+        </p:nvSpPr>
+        <p:spPr>
+          <a:xfrm>
+            <a:off x="12253595" y="5652770"/>
+            <a:ext cx="678180" cy="1033145"/>
+          </a:xfrm>
+          <a:custGeom>
+            <a:avLst/>
+            <a:gdLst>
+              <a:gd name="connsiteX0" fmla="*/ 0 w 4111"/>
+              <a:gd name="connsiteY0" fmla="*/ 2146 h 3770"/>
+              <a:gd name="connsiteX1" fmla="*/ 2708 w 4111"/>
+              <a:gd name="connsiteY1" fmla="*/ 0 h 3770"/>
+              <a:gd name="connsiteX2" fmla="*/ 4111 w 4111"/>
+              <a:gd name="connsiteY2" fmla="*/ 2146 h 3770"/>
+              <a:gd name="connsiteX3" fmla="*/ 2149 w 4111"/>
+              <a:gd name="connsiteY3" fmla="*/ 3770 h 3770"/>
+              <a:gd name="connsiteX4" fmla="*/ 0 w 4111"/>
+              <a:gd name="connsiteY4" fmla="*/ 2146 h 3770"/>
+            </a:gdLst>
+            <a:ahLst/>
+            <a:cxnLst>
+              <a:cxn ang="0">
+                <a:pos x="connsiteX0" y="connsiteY0"/>
+              </a:cxn>
+              <a:cxn ang="0">
+                <a:pos x="connsiteX1" y="connsiteY1"/>
+              </a:cxn>
+              <a:cxn ang="0">
+                <a:pos x="connsiteX2" y="connsiteY2"/>
+              </a:cxn>
+              <a:cxn ang="0">
+                <a:pos x="connsiteX3" y="connsiteY3"/>
+              </a:cxn>
+              <a:cxn ang="0">
+                <a:pos x="connsiteX4" y="connsiteY4"/>
+              </a:cxn>
+            </a:cxnLst>
+            <a:rect l="l" t="t" r="r" b="b"/>
+            <a:pathLst>
+              <a:path w="4111" h="3770">
+                <a:moveTo>
+                  <a:pt x="0" y="2146"/>
+                </a:moveTo>
+                <a:cubicBezTo>
+                  <a:pt x="0" y="1176"/>
+                  <a:pt x="1573" y="0"/>
+                  <a:pt x="2708" y="0"/>
+                </a:cubicBezTo>
+                <a:cubicBezTo>
+                  <a:pt x="3843" y="0"/>
+                  <a:pt x="4111" y="1176"/>
+                  <a:pt x="4111" y="2146"/>
+                </a:cubicBezTo>
+                <a:cubicBezTo>
+                  <a:pt x="4111" y="3116"/>
+                  <a:pt x="3284" y="3770"/>
+                  <a:pt x="2149" y="3770"/>
+                </a:cubicBezTo>
+                <a:cubicBezTo>
+                  <a:pt x="1014" y="3770"/>
+                  <a:pt x="0" y="3116"/>
+                  <a:pt x="0" y="2146"/>
+                </a:cubicBezTo>
+                <a:close/>
+              </a:path>
+            </a:pathLst>
+          </a:custGeom>
+          <a:solidFill>
+            <a:srgbClr val="E2C799"/>
+          </a:solidFill>
+          <a:ln>
+            <a:noFill/>
+          </a:ln>
+        </p:spPr>
+        <p:style>
+          <a:lnRef idx="2">
+            <a:schemeClr val="accent1">
+              <a:lumMod val="75000"/>
+            </a:schemeClr>
+          </a:lnRef>
+          <a:fillRef idx="1">
+            <a:schemeClr val="accent1"/>
+          </a:fillRef>
+          <a:effectRef idx="0">
+            <a:srgbClr val="FFFFFF"/>
+          </a:effectRef>
+          <a:fontRef idx="minor">
+            <a:schemeClr val="lt1"/>
+          </a:fontRef>
+        </p:style>
+        <p:txBody>
+          <a:bodyPr rtlCol="0" anchor="ctr"/>
+          <a:p>
+            <a:pPr algn="ctr"/>
+            <a:endParaRPr lang="en-US"/>
+          </a:p>
+        </p:txBody>
+      </p:sp>
+      <p:sp>
+        <p:nvSpPr>
+          <p:cNvPr id="8" name="Text Box 7"/>
+          <p:cNvSpPr txBox="1"/>
+          <p:nvPr/>
+        </p:nvSpPr>
+        <p:spPr>
+          <a:xfrm>
+            <a:off x="-2476500" y="-1077595"/>
+            <a:ext cx="4449445" cy="3117215"/>
+          </a:xfrm>
+          <a:prstGeom prst="rect">
+            <a:avLst/>
+          </a:prstGeom>
+          <a:noFill/>
+        </p:spPr>
+        <p:txBody>
+          <a:bodyPr wrap="square" rtlCol="0">
+            <a:noAutofit/>
+          </a:bodyPr>
+          <a:p>
+            <a:pPr>
+              <a:lnSpc>
+                <a:spcPct val="140000"/>
+              </a:lnSpc>
+            </a:pPr>
+            <a:r>
+              <a:rPr lang="en-US">
+                <a:solidFill>
+                  <a:schemeClr val="tx1">
+                    <a:lumMod val="75000"/>
+                    <a:lumOff val="25000"/>
+                  </a:schemeClr>
+                </a:solidFill>
+                <a:latin typeface="La Gagliane" panose="02000600000000000000" charset="0"/>
+                <a:cs typeface="La Gagliane" panose="02000600000000000000" charset="0"/>
+              </a:rPr>
+              <a:t>Pham Han</a:t>
+            </a:r>
+            <a:endParaRPr lang="en-US">
+              <a:solidFill>
+                <a:schemeClr val="tx1">
+                  <a:lumMod val="75000"/>
+                  <a:lumOff val="25000"/>
+                </a:schemeClr>
+              </a:solidFill>
+              <a:latin typeface="La Gagliane" panose="02000600000000000000" charset="0"/>
+              <a:cs typeface="La Gagliane" panose="02000600000000000000" charset="0"/>
+            </a:endParaRPr>
+          </a:p>
+        </p:txBody>
+      </p:sp>
+      <p:sp>
+        <p:nvSpPr>
+          <p:cNvPr id="9" name="Text Box 8"/>
+          <p:cNvSpPr txBox="1"/>
+          <p:nvPr/>
+        </p:nvSpPr>
+        <p:spPr>
+          <a:xfrm>
+            <a:off x="13420090" y="4712970"/>
+            <a:ext cx="4449445" cy="3117215"/>
+          </a:xfrm>
+          <a:prstGeom prst="rect">
+            <a:avLst/>
+          </a:prstGeom>
+          <a:noFill/>
+        </p:spPr>
+        <p:txBody>
+          <a:bodyPr wrap="square" rtlCol="0">
+            <a:noAutofit/>
+          </a:bodyPr>
+          <a:p>
+            <a:pPr>
+              <a:lnSpc>
+                <a:spcPct val="140000"/>
+              </a:lnSpc>
+            </a:pPr>
+            <a:r>
+              <a:rPr lang="en-US" sz="2400" b="1">
+                <a:solidFill>
+                  <a:schemeClr val="tx1">
+                    <a:lumMod val="75000"/>
+                    <a:lumOff val="25000"/>
+                  </a:schemeClr>
+                </a:solidFill>
+                <a:latin typeface="La Gagliane" panose="02000600000000000000" charset="0"/>
+                <a:cs typeface="La Gagliane" panose="02000600000000000000" charset="0"/>
+              </a:rPr>
+              <a:t>JSA</a:t>
+            </a:r>
+            <a:r>
+              <a:rPr lang="en-US" sz="2400">
+                <a:solidFill>
+                  <a:schemeClr val="tx1">
+                    <a:lumMod val="75000"/>
+                    <a:lumOff val="25000"/>
+                  </a:schemeClr>
+                </a:solidFill>
+                <a:latin typeface="Times New Roman" panose="02020603050405020304" charset="0"/>
+                <a:ea typeface="Microsoft YaHei" panose="020B0503020204020204" charset="-122"/>
+                <a:cs typeface="Times New Roman" panose="02020603050405020304" charset="0"/>
+              </a:rPr>
+              <a:t>41</a:t>
+            </a:r>
+            <a:endParaRPr lang="en-US" sz="2400">
+              <a:solidFill>
+                <a:schemeClr val="tx1">
+                  <a:lumMod val="75000"/>
+                  <a:lumOff val="25000"/>
+                </a:schemeClr>
+              </a:solidFill>
+              <a:latin typeface="Times New Roman" panose="02020603050405020304" charset="0"/>
+              <a:ea typeface="Microsoft YaHei" panose="020B0503020204020204" charset="-122"/>
+              <a:cs typeface="Times New Roman" panose="02020603050405020304" charset="0"/>
+            </a:endParaRPr>
+          </a:p>
+        </p:txBody>
+      </p:sp>
+      <p:grpSp>
+        <p:nvGrpSpPr>
+          <p:cNvPr id="13" name="Group 12"/>
+          <p:cNvGrpSpPr/>
+          <p:nvPr/>
+        </p:nvGrpSpPr>
+        <p:grpSpPr>
+          <a:xfrm>
+            <a:off x="-10928350" y="-414655"/>
+            <a:ext cx="7522210" cy="7683500"/>
+            <a:chOff x="-260" y="-653"/>
+            <a:chExt cx="11846" cy="12100"/>
+          </a:xfrm>
+        </p:grpSpPr>
+        <p:sp>
+          <p:nvSpPr>
+            <p:cNvPr id="2" name="Rectangles 1"/>
+            <p:cNvSpPr/>
+            <p:nvPr/>
+          </p:nvSpPr>
+          <p:spPr>
+            <a:xfrm>
+              <a:off x="-260" y="-653"/>
+              <a:ext cx="9965" cy="12100"/>
+            </a:xfrm>
+            <a:prstGeom prst="rect">
+              <a:avLst/>
+            </a:prstGeom>
+            <a:solidFill>
+              <a:srgbClr val="E2C799"/>
+            </a:solidFill>
+            <a:ln>
+              <a:noFill/>
+            </a:ln>
+          </p:spPr>
+          <p:style>
+            <a:lnRef idx="2">
+              <a:schemeClr val="accent1">
+                <a:lumMod val="75000"/>
+              </a:schemeClr>
+            </a:lnRef>
+            <a:fillRef idx="1">
+              <a:schemeClr val="accent1"/>
+            </a:fillRef>
+            <a:effectRef idx="0">
+              <a:srgbClr val="FFFFFF"/>
+            </a:effectRef>
+            <a:fontRef idx="minor">
+              <a:schemeClr val="lt1"/>
+            </a:fontRef>
+          </p:style>
+          <p:txBody>
+            <a:bodyPr rtlCol="0" anchor="ctr"/>
+            <a:p>
+              <a:pPr algn="ctr"/>
+              <a:endParaRPr lang="en-US"/>
+            </a:p>
+          </p:txBody>
+        </p:sp>
+        <p:sp>
+          <p:nvSpPr>
+            <p:cNvPr id="3" name="Text Box 2"/>
+            <p:cNvSpPr txBox="1"/>
+            <p:nvPr/>
+          </p:nvSpPr>
+          <p:spPr>
+            <a:xfrm>
+              <a:off x="5186" y="4542"/>
+              <a:ext cx="6400" cy="2470"/>
+            </a:xfrm>
+            <a:prstGeom prst="rect">
+              <a:avLst/>
+            </a:prstGeom>
+            <a:noFill/>
+          </p:spPr>
+          <p:txBody>
+            <a:bodyPr wrap="square" rtlCol="0">
+              <a:spAutoFit/>
+            </a:bodyPr>
+            <a:p>
+              <a:r>
+                <a:rPr lang="en-US" sz="9600">
+                  <a:solidFill>
+                    <a:schemeClr val="tx1">
+                      <a:lumMod val="75000"/>
+                      <a:lumOff val="25000"/>
+                    </a:schemeClr>
+                  </a:solidFill>
+                  <a:latin typeface="La Gagliane" panose="02000600000000000000" charset="0"/>
+                  <a:cs typeface="La Gagliane" panose="02000600000000000000" charset="0"/>
+                </a:rPr>
+                <a:t>DE</a:t>
+              </a:r>
+              <a:endParaRPr lang="en-US" sz="9600">
+                <a:solidFill>
+                  <a:schemeClr val="tx1">
+                    <a:lumMod val="75000"/>
+                    <a:lumOff val="25000"/>
+                  </a:schemeClr>
+                </a:solidFill>
+                <a:latin typeface="La Gagliane" panose="02000600000000000000" charset="0"/>
+                <a:cs typeface="La Gagliane" panose="02000600000000000000" charset="0"/>
+              </a:endParaRPr>
+            </a:p>
+          </p:txBody>
+        </p:sp>
+      </p:grpSp>
+      <p:grpSp>
+        <p:nvGrpSpPr>
+          <p:cNvPr id="12" name="Group 11"/>
+          <p:cNvGrpSpPr/>
+          <p:nvPr/>
+        </p:nvGrpSpPr>
+        <p:grpSpPr>
+          <a:xfrm>
+            <a:off x="16760825" y="-389255"/>
+            <a:ext cx="6574790" cy="7683500"/>
+            <a:chOff x="9315" y="-613"/>
+            <a:chExt cx="10354" cy="12100"/>
+          </a:xfrm>
+        </p:grpSpPr>
+        <p:sp>
+          <p:nvSpPr>
+            <p:cNvPr id="10" name="Rectangles 9"/>
+            <p:cNvSpPr/>
+            <p:nvPr/>
+          </p:nvSpPr>
+          <p:spPr>
+            <a:xfrm>
+              <a:off x="9705" y="-613"/>
+              <a:ext cx="9965" cy="12100"/>
+            </a:xfrm>
+            <a:prstGeom prst="rect">
+              <a:avLst/>
+            </a:prstGeom>
+            <a:solidFill>
+              <a:srgbClr val="E2C799"/>
+            </a:solidFill>
+            <a:ln>
+              <a:noFill/>
+            </a:ln>
+          </p:spPr>
+          <p:style>
+            <a:lnRef idx="2">
+              <a:schemeClr val="accent1">
+                <a:lumMod val="75000"/>
+              </a:schemeClr>
+            </a:lnRef>
+            <a:fillRef idx="1">
+              <a:schemeClr val="accent1"/>
+            </a:fillRef>
+            <a:effectRef idx="0">
+              <a:srgbClr val="FFFFFF"/>
+            </a:effectRef>
+            <a:fontRef idx="minor">
+              <a:schemeClr val="lt1"/>
+            </a:fontRef>
+          </p:style>
+          <p:txBody>
+            <a:bodyPr rtlCol="0" anchor="ctr"/>
+            <a:p>
+              <a:pPr algn="ctr"/>
+              <a:endParaRPr lang="en-US"/>
+            </a:p>
+          </p:txBody>
+        </p:sp>
+        <p:sp>
+          <p:nvSpPr>
+            <p:cNvPr id="11" name="Text Box 10"/>
+            <p:cNvSpPr txBox="1"/>
+            <p:nvPr/>
+          </p:nvSpPr>
+          <p:spPr>
+            <a:xfrm>
+              <a:off x="9315" y="4522"/>
+              <a:ext cx="6400" cy="2470"/>
+            </a:xfrm>
+            <a:prstGeom prst="rect">
+              <a:avLst/>
+            </a:prstGeom>
+            <a:noFill/>
+          </p:spPr>
+          <p:txBody>
+            <a:bodyPr wrap="square" rtlCol="0">
+              <a:spAutoFit/>
+            </a:bodyPr>
+            <a:p>
+              <a:r>
+                <a:rPr lang="en-US" sz="9600">
+                  <a:solidFill>
+                    <a:schemeClr val="tx1">
+                      <a:lumMod val="75000"/>
+                      <a:lumOff val="25000"/>
+                    </a:schemeClr>
+                  </a:solidFill>
+                  <a:latin typeface="La Gagliane" panose="02000600000000000000" charset="0"/>
+                  <a:cs typeface="La Gagliane" panose="02000600000000000000" charset="0"/>
+                </a:rPr>
+                <a:t>MO</a:t>
+              </a:r>
+              <a:endParaRPr lang="en-US" sz="9600">
+                <a:solidFill>
+                  <a:schemeClr val="tx1">
+                    <a:lumMod val="75000"/>
+                    <a:lumOff val="25000"/>
+                  </a:schemeClr>
+                </a:solidFill>
+                <a:latin typeface="La Gagliane" panose="02000600000000000000" charset="0"/>
+                <a:cs typeface="La Gagliane" panose="02000600000000000000" charset="0"/>
+              </a:endParaRPr>
+            </a:p>
+          </p:txBody>
+        </p:sp>
+      </p:grpSp>
+      <p:sp>
+        <p:nvSpPr>
+          <p:cNvPr id="14" name="Text Box 13"/>
+          <p:cNvSpPr txBox="1"/>
+          <p:nvPr/>
+        </p:nvSpPr>
+        <p:spPr>
+          <a:xfrm>
+            <a:off x="7909560" y="1319530"/>
+            <a:ext cx="4108450" cy="3133090"/>
+          </a:xfrm>
+          <a:prstGeom prst="rect">
+            <a:avLst/>
+          </a:prstGeom>
+          <a:noFill/>
+        </p:spPr>
+        <p:txBody>
+          <a:bodyPr vert="horz" wrap="square" rtlCol="0">
+            <a:noAutofit/>
+          </a:bodyPr>
+          <a:p>
+            <a:pPr algn="r" fontAlgn="base">
+              <a:lnSpc>
+                <a:spcPct val="130000"/>
+              </a:lnSpc>
+            </a:pPr>
+            <a:r>
+              <a:rPr lang="en-US">
+                <a:solidFill>
+                  <a:schemeClr val="bg1">
+                    <a:lumMod val="75000"/>
+                  </a:schemeClr>
+                </a:solidFill>
+                <a:latin typeface="La Gagliane" panose="02000600000000000000" charset="0"/>
+                <a:cs typeface="La Gagliane" panose="02000600000000000000" charset="0"/>
+              </a:rPr>
+              <a:t>Reasons for choosing the topic</a:t>
+            </a:r>
+            <a:endParaRPr lang="en-US">
+              <a:solidFill>
+                <a:schemeClr val="bg1">
+                  <a:lumMod val="75000"/>
+                </a:schemeClr>
+              </a:solidFill>
+              <a:latin typeface="La Gagliane" panose="02000600000000000000" charset="0"/>
+              <a:cs typeface="La Gagliane" panose="02000600000000000000" charset="0"/>
+            </a:endParaRPr>
+          </a:p>
+        </p:txBody>
+      </p:sp>
+      <p:sp>
+        <p:nvSpPr>
+          <p:cNvPr id="15" name="Freeform 14"/>
+          <p:cNvSpPr/>
+          <p:nvPr/>
+        </p:nvSpPr>
+        <p:spPr>
+          <a:xfrm>
+            <a:off x="-360680" y="2190750"/>
+            <a:ext cx="7659370" cy="1390650"/>
+          </a:xfrm>
+          <a:custGeom>
+            <a:avLst/>
+            <a:gdLst>
+              <a:gd name="connsiteX0" fmla="*/ 0 w 12062"/>
+              <a:gd name="connsiteY0" fmla="*/ 671 h 2190"/>
+              <a:gd name="connsiteX1" fmla="*/ 12062 w 12062"/>
+              <a:gd name="connsiteY1" fmla="*/ 0 h 2190"/>
+              <a:gd name="connsiteX2" fmla="*/ 10820 w 12062"/>
+              <a:gd name="connsiteY2" fmla="*/ 2145 h 2190"/>
+              <a:gd name="connsiteX3" fmla="*/ 189 w 12062"/>
+              <a:gd name="connsiteY3" fmla="*/ 2190 h 2190"/>
+              <a:gd name="connsiteX4" fmla="*/ 0 w 12062"/>
+              <a:gd name="connsiteY4" fmla="*/ 671 h 2190"/>
+            </a:gdLst>
+            <a:ahLst/>
+            <a:cxnLst>
+              <a:cxn ang="0">
+                <a:pos x="connsiteX0" y="connsiteY0"/>
+              </a:cxn>
+              <a:cxn ang="0">
+                <a:pos x="connsiteX1" y="connsiteY1"/>
+              </a:cxn>
+              <a:cxn ang="0">
+                <a:pos x="connsiteX2" y="connsiteY2"/>
+              </a:cxn>
+              <a:cxn ang="0">
+                <a:pos x="connsiteX3" y="connsiteY3"/>
+              </a:cxn>
+              <a:cxn ang="0">
+                <a:pos x="connsiteX4" y="connsiteY4"/>
+              </a:cxn>
+            </a:cxnLst>
+            <a:rect l="l" t="t" r="r" b="b"/>
+            <a:pathLst>
+              <a:path w="12062" h="2190">
+                <a:moveTo>
+                  <a:pt x="0" y="671"/>
+                </a:moveTo>
+                <a:lnTo>
+                  <a:pt x="12062" y="0"/>
+                </a:lnTo>
+                <a:lnTo>
+                  <a:pt x="10820" y="2145"/>
+                </a:lnTo>
+                <a:lnTo>
+                  <a:pt x="189" y="2190"/>
+                </a:lnTo>
+                <a:lnTo>
+                  <a:pt x="0" y="671"/>
+                </a:lnTo>
+                <a:close/>
+              </a:path>
+            </a:pathLst>
+          </a:custGeom>
+          <a:solidFill>
+            <a:srgbClr val="F8F9E7"/>
+          </a:solidFill>
+          <a:ln>
+            <a:noFill/>
+          </a:ln>
+        </p:spPr>
+        <p:style>
+          <a:lnRef idx="2">
+            <a:schemeClr val="accent1">
+              <a:lumMod val="75000"/>
+            </a:schemeClr>
+          </a:lnRef>
+          <a:fillRef idx="1">
+            <a:schemeClr val="accent1"/>
+          </a:fillRef>
+          <a:effectRef idx="0">
+            <a:srgbClr val="FFFFFF"/>
+          </a:effectRef>
+          <a:fontRef idx="minor">
+            <a:schemeClr val="lt1"/>
+          </a:fontRef>
+        </p:style>
+        <p:txBody>
+          <a:bodyPr rtlCol="0" anchor="ctr"/>
+          <a:p>
+            <a:pPr algn="ctr"/>
+            <a:endParaRPr lang="en-US"/>
+          </a:p>
+        </p:txBody>
+      </p:sp>
+      <p:sp>
+        <p:nvSpPr>
+          <p:cNvPr id="18" name="Freeform 17"/>
+          <p:cNvSpPr/>
+          <p:nvPr/>
+        </p:nvSpPr>
+        <p:spPr>
+          <a:xfrm>
+            <a:off x="-266700" y="3906520"/>
+            <a:ext cx="9677400" cy="1430655"/>
+          </a:xfrm>
+          <a:custGeom>
+            <a:avLst/>
+            <a:gdLst>
+              <a:gd name="connsiteX0" fmla="*/ 0 w 12062"/>
+              <a:gd name="connsiteY0" fmla="*/ 671 h 2190"/>
+              <a:gd name="connsiteX1" fmla="*/ 12062 w 12062"/>
+              <a:gd name="connsiteY1" fmla="*/ 0 h 2190"/>
+              <a:gd name="connsiteX2" fmla="*/ 10820 w 12062"/>
+              <a:gd name="connsiteY2" fmla="*/ 2145 h 2190"/>
+              <a:gd name="connsiteX3" fmla="*/ 189 w 12062"/>
+              <a:gd name="connsiteY3" fmla="*/ 2190 h 2190"/>
+              <a:gd name="connsiteX4" fmla="*/ 0 w 12062"/>
+              <a:gd name="connsiteY4" fmla="*/ 671 h 2190"/>
+            </a:gdLst>
+            <a:ahLst/>
+            <a:cxnLst>
+              <a:cxn ang="0">
+                <a:pos x="connsiteX0" y="connsiteY0"/>
+              </a:cxn>
+              <a:cxn ang="0">
+                <a:pos x="connsiteX1" y="connsiteY1"/>
+              </a:cxn>
+              <a:cxn ang="0">
+                <a:pos x="connsiteX2" y="connsiteY2"/>
+              </a:cxn>
+              <a:cxn ang="0">
+                <a:pos x="connsiteX3" y="connsiteY3"/>
+              </a:cxn>
+              <a:cxn ang="0">
+                <a:pos x="connsiteX4" y="connsiteY4"/>
+              </a:cxn>
+            </a:cxnLst>
+            <a:rect l="l" t="t" r="r" b="b"/>
+            <a:pathLst>
+              <a:path w="12062" h="2190">
+                <a:moveTo>
+                  <a:pt x="0" y="671"/>
+                </a:moveTo>
+                <a:lnTo>
+                  <a:pt x="12062" y="0"/>
+                </a:lnTo>
+                <a:lnTo>
+                  <a:pt x="10820" y="2145"/>
+                </a:lnTo>
+                <a:lnTo>
+                  <a:pt x="189" y="2190"/>
+                </a:lnTo>
+                <a:lnTo>
+                  <a:pt x="0" y="671"/>
+                </a:lnTo>
+                <a:close/>
+              </a:path>
+            </a:pathLst>
+          </a:custGeom>
+          <a:solidFill>
+            <a:srgbClr val="F8F9E7"/>
+          </a:solidFill>
+          <a:ln>
+            <a:noFill/>
+          </a:ln>
+        </p:spPr>
+        <p:style>
+          <a:lnRef idx="2">
+            <a:schemeClr val="accent1">
+              <a:lumMod val="75000"/>
+            </a:schemeClr>
+          </a:lnRef>
+          <a:fillRef idx="1">
+            <a:schemeClr val="accent1"/>
+          </a:fillRef>
+          <a:effectRef idx="0">
+            <a:srgbClr val="FFFFFF"/>
+          </a:effectRef>
+          <a:fontRef idx="minor">
+            <a:schemeClr val="lt1"/>
+          </a:fontRef>
+        </p:style>
+        <p:txBody>
+          <a:bodyPr rtlCol="0" anchor="ctr"/>
+          <a:p>
+            <a:pPr algn="ctr"/>
+            <a:endParaRPr lang="en-US"/>
+          </a:p>
+        </p:txBody>
+      </p:sp>
+      <p:sp>
+        <p:nvSpPr>
+          <p:cNvPr id="19" name="Freeform 18"/>
+          <p:cNvSpPr/>
+          <p:nvPr/>
+        </p:nvSpPr>
+        <p:spPr>
+          <a:xfrm>
+            <a:off x="-172720" y="5622290"/>
+            <a:ext cx="12043410" cy="1430655"/>
+          </a:xfrm>
+          <a:custGeom>
+            <a:avLst/>
+            <a:gdLst>
+              <a:gd name="connsiteX0" fmla="*/ 0 w 12062"/>
+              <a:gd name="connsiteY0" fmla="*/ 671 h 2190"/>
+              <a:gd name="connsiteX1" fmla="*/ 12062 w 12062"/>
+              <a:gd name="connsiteY1" fmla="*/ 0 h 2190"/>
+              <a:gd name="connsiteX2" fmla="*/ 10820 w 12062"/>
+              <a:gd name="connsiteY2" fmla="*/ 2145 h 2190"/>
+              <a:gd name="connsiteX3" fmla="*/ 189 w 12062"/>
+              <a:gd name="connsiteY3" fmla="*/ 2190 h 2190"/>
+              <a:gd name="connsiteX4" fmla="*/ 0 w 12062"/>
+              <a:gd name="connsiteY4" fmla="*/ 671 h 2190"/>
+            </a:gdLst>
+            <a:ahLst/>
+            <a:cxnLst>
+              <a:cxn ang="0">
+                <a:pos x="connsiteX0" y="connsiteY0"/>
+              </a:cxn>
+              <a:cxn ang="0">
+                <a:pos x="connsiteX1" y="connsiteY1"/>
+              </a:cxn>
+              <a:cxn ang="0">
+                <a:pos x="connsiteX2" y="connsiteY2"/>
+              </a:cxn>
+              <a:cxn ang="0">
+                <a:pos x="connsiteX3" y="connsiteY3"/>
+              </a:cxn>
+              <a:cxn ang="0">
+                <a:pos x="connsiteX4" y="connsiteY4"/>
+              </a:cxn>
+            </a:cxnLst>
+            <a:rect l="l" t="t" r="r" b="b"/>
+            <a:pathLst>
+              <a:path w="12062" h="2190">
+                <a:moveTo>
+                  <a:pt x="0" y="671"/>
+                </a:moveTo>
+                <a:lnTo>
+                  <a:pt x="12062" y="0"/>
+                </a:lnTo>
+                <a:lnTo>
+                  <a:pt x="10820" y="2145"/>
+                </a:lnTo>
+                <a:lnTo>
+                  <a:pt x="189" y="2190"/>
+                </a:lnTo>
+                <a:lnTo>
+                  <a:pt x="0" y="671"/>
+                </a:lnTo>
+                <a:close/>
+              </a:path>
+            </a:pathLst>
+          </a:custGeom>
+          <a:solidFill>
+            <a:srgbClr val="F8F9E7"/>
+          </a:solidFill>
+          <a:ln>
+            <a:noFill/>
+          </a:ln>
+        </p:spPr>
+        <p:style>
+          <a:lnRef idx="2">
+            <a:schemeClr val="accent1">
+              <a:lumMod val="75000"/>
+            </a:schemeClr>
+          </a:lnRef>
+          <a:fillRef idx="1">
+            <a:schemeClr val="accent1"/>
+          </a:fillRef>
+          <a:effectRef idx="0">
+            <a:srgbClr val="FFFFFF"/>
+          </a:effectRef>
+          <a:fontRef idx="minor">
+            <a:schemeClr val="lt1"/>
+          </a:fontRef>
+        </p:style>
+        <p:txBody>
+          <a:bodyPr rtlCol="0" anchor="ctr"/>
+          <a:p>
+            <a:pPr algn="ctr"/>
+            <a:endParaRPr lang="en-US"/>
+          </a:p>
+        </p:txBody>
+      </p:sp>
+      <p:sp>
+        <p:nvSpPr>
+          <p:cNvPr id="20" name="Text Box 19"/>
+          <p:cNvSpPr txBox="1"/>
+          <p:nvPr/>
+        </p:nvSpPr>
+        <p:spPr>
+          <a:xfrm>
+            <a:off x="455295" y="2777490"/>
+            <a:ext cx="6376035" cy="521970"/>
+          </a:xfrm>
+          <a:prstGeom prst="rect">
+            <a:avLst/>
+          </a:prstGeom>
+          <a:noFill/>
+        </p:spPr>
+        <p:txBody>
+          <a:bodyPr wrap="square" rtlCol="0">
+            <a:spAutoFit/>
+          </a:bodyPr>
+          <a:p>
+            <a:r>
+              <a:rPr lang="en-US" sz="2800">
+                <a:solidFill>
+                  <a:schemeClr val="tx1">
+                    <a:lumMod val="75000"/>
+                    <a:lumOff val="25000"/>
+                  </a:schemeClr>
+                </a:solidFill>
+                <a:latin typeface="La Gagliane" panose="02000600000000000000" charset="0"/>
+                <a:cs typeface="La Gagliane" panose="02000600000000000000" charset="0"/>
+              </a:rPr>
+              <a:t>Aesthetic &amp; culltural</a:t>
+            </a:r>
+            <a:endParaRPr lang="en-US" sz="2800">
+              <a:solidFill>
+                <a:schemeClr val="tx1">
+                  <a:lumMod val="75000"/>
+                  <a:lumOff val="25000"/>
+                </a:schemeClr>
+              </a:solidFill>
+              <a:latin typeface="La Gagliane" panose="02000600000000000000" charset="0"/>
+              <a:cs typeface="La Gagliane" panose="02000600000000000000" charset="0"/>
+            </a:endParaRPr>
+          </a:p>
+        </p:txBody>
+      </p:sp>
+      <p:sp>
+        <p:nvSpPr>
+          <p:cNvPr id="21" name="Text Box 20"/>
+          <p:cNvSpPr txBox="1"/>
+          <p:nvPr/>
+        </p:nvSpPr>
+        <p:spPr>
+          <a:xfrm>
+            <a:off x="1135380" y="4415155"/>
+            <a:ext cx="9130665" cy="645160"/>
+          </a:xfrm>
+          <a:prstGeom prst="rect">
+            <a:avLst/>
+          </a:prstGeom>
+          <a:noFill/>
+        </p:spPr>
+        <p:txBody>
+          <a:bodyPr wrap="square" rtlCol="0">
+            <a:spAutoFit/>
+          </a:bodyPr>
+          <a:p>
+            <a:r>
+              <a:rPr lang="en-US" sz="3600">
+                <a:solidFill>
+                  <a:schemeClr val="tx1">
+                    <a:lumMod val="75000"/>
+                    <a:lumOff val="25000"/>
+                  </a:schemeClr>
+                </a:solidFill>
+                <a:latin typeface="La Gagliane" panose="02000600000000000000" charset="0"/>
+                <a:cs typeface="La Gagliane" panose="02000600000000000000" charset="0"/>
+              </a:rPr>
+              <a:t>Inspiration &amp; health</a:t>
+            </a:r>
+            <a:endParaRPr lang="en-US" sz="3600">
+              <a:solidFill>
+                <a:schemeClr val="tx1">
+                  <a:lumMod val="75000"/>
+                  <a:lumOff val="25000"/>
+                </a:schemeClr>
+              </a:solidFill>
+              <a:latin typeface="La Gagliane" panose="02000600000000000000" charset="0"/>
+              <a:cs typeface="La Gagliane" panose="02000600000000000000" charset="0"/>
+            </a:endParaRPr>
+          </a:p>
+        </p:txBody>
+      </p:sp>
+      <p:sp>
+        <p:nvSpPr>
+          <p:cNvPr id="23" name="Text Box 22"/>
+          <p:cNvSpPr txBox="1"/>
+          <p:nvPr/>
+        </p:nvSpPr>
+        <p:spPr>
+          <a:xfrm>
+            <a:off x="1972945" y="6192520"/>
+            <a:ext cx="9130665" cy="706755"/>
+          </a:xfrm>
+          <a:prstGeom prst="rect">
+            <a:avLst/>
+          </a:prstGeom>
+          <a:noFill/>
+        </p:spPr>
+        <p:txBody>
+          <a:bodyPr wrap="square" rtlCol="0">
+            <a:spAutoFit/>
+          </a:bodyPr>
+          <a:p>
+            <a:r>
+              <a:rPr lang="en-US" sz="4000">
+                <a:solidFill>
+                  <a:schemeClr val="tx1">
+                    <a:lumMod val="75000"/>
+                    <a:lumOff val="25000"/>
+                  </a:schemeClr>
+                </a:solidFill>
+                <a:latin typeface="La Gagliane" panose="02000600000000000000" charset="0"/>
+                <a:cs typeface="La Gagliane" panose="02000600000000000000" charset="0"/>
+              </a:rPr>
+              <a:t>Diversity &amp; abundance</a:t>
+            </a:r>
+            <a:endParaRPr lang="en-US" sz="4000">
+              <a:solidFill>
+                <a:schemeClr val="tx1">
+                  <a:lumMod val="75000"/>
+                  <a:lumOff val="25000"/>
+                </a:schemeClr>
+              </a:solidFill>
+              <a:latin typeface="La Gagliane" panose="02000600000000000000" charset="0"/>
+              <a:cs typeface="La Gagliane" panose="02000600000000000000" charset="0"/>
+            </a:endParaRPr>
+          </a:p>
+        </p:txBody>
+      </p:sp>
+      <p:sp>
+        <p:nvSpPr>
+          <p:cNvPr id="36" name="Text Box 35"/>
+          <p:cNvSpPr txBox="1"/>
+          <p:nvPr/>
+        </p:nvSpPr>
+        <p:spPr>
+          <a:xfrm>
+            <a:off x="12696190" y="1426210"/>
+            <a:ext cx="4064000" cy="460375"/>
+          </a:xfrm>
+          <a:prstGeom prst="rect">
+            <a:avLst/>
+          </a:prstGeom>
+          <a:noFill/>
+        </p:spPr>
+        <p:txBody>
+          <a:bodyPr wrap="square" rtlCol="0">
+            <a:spAutoFit/>
+          </a:bodyPr>
+          <a:p>
+            <a:r>
+              <a:rPr lang="en-US" sz="2400">
+                <a:solidFill>
+                  <a:schemeClr val="tx2">
+                    <a:lumMod val="60000"/>
+                    <a:lumOff val="40000"/>
+                  </a:schemeClr>
+                </a:solidFill>
+                <a:latin typeface="La Gagliane" panose="02000600000000000000" charset="0"/>
+                <a:cs typeface="La Gagliane" panose="02000600000000000000" charset="0"/>
+              </a:rPr>
+              <a:t>features</a:t>
+            </a:r>
+            <a:endParaRPr lang="en-US" sz="2400">
+              <a:solidFill>
+                <a:schemeClr val="tx2">
+                  <a:lumMod val="60000"/>
+                  <a:lumOff val="40000"/>
+                </a:schemeClr>
+              </a:solidFill>
+              <a:latin typeface="La Gagliane" panose="02000600000000000000" charset="0"/>
+              <a:cs typeface="La Gagliane" panose="02000600000000000000" charset="0"/>
+            </a:endParaRPr>
+          </a:p>
+        </p:txBody>
+      </p:sp>
+      <p:pic>
+        <p:nvPicPr>
+          <p:cNvPr id="37" name="Picture 36"/>
+          <p:cNvPicPr>
+            <a:picLocks noChangeAspect="1"/>
+          </p:cNvPicPr>
+          <p:nvPr/>
+        </p:nvPicPr>
+        <p:blipFill>
+          <a:blip r:embed="rId1"/>
+          <a:stretch>
+            <a:fillRect/>
+          </a:stretch>
+        </p:blipFill>
+        <p:spPr>
+          <a:xfrm>
+            <a:off x="-4406265" y="-3705225"/>
+            <a:ext cx="5172075" cy="3705225"/>
+          </a:xfrm>
+          <a:prstGeom prst="rect">
+            <a:avLst/>
+          </a:prstGeom>
+        </p:spPr>
+      </p:pic>
+      <p:pic>
+        <p:nvPicPr>
+          <p:cNvPr id="38" name="Picture 37"/>
+          <p:cNvPicPr>
+            <a:picLocks noChangeAspect="1"/>
+          </p:cNvPicPr>
+          <p:nvPr/>
+        </p:nvPicPr>
+        <p:blipFill>
+          <a:blip r:embed="rId2"/>
+          <a:stretch>
+            <a:fillRect/>
+          </a:stretch>
+        </p:blipFill>
+        <p:spPr>
+          <a:xfrm>
+            <a:off x="12977495" y="7268845"/>
+            <a:ext cx="3482975" cy="4189730"/>
+          </a:xfrm>
+          <a:prstGeom prst="rect">
+            <a:avLst/>
+          </a:prstGeom>
+        </p:spPr>
+      </p:pic>
+      <p:sp>
+        <p:nvSpPr>
+          <p:cNvPr id="39" name="Text Box 38"/>
+          <p:cNvSpPr txBox="1"/>
+          <p:nvPr/>
+        </p:nvSpPr>
+        <p:spPr>
+          <a:xfrm>
+            <a:off x="8902700" y="10259695"/>
+            <a:ext cx="3916680" cy="1198880"/>
+          </a:xfrm>
+          <a:prstGeom prst="rect">
+            <a:avLst/>
+          </a:prstGeom>
+          <a:noFill/>
+        </p:spPr>
+        <p:txBody>
+          <a:bodyPr wrap="square" rtlCol="0">
+            <a:spAutoFit/>
+          </a:bodyPr>
+          <a:p>
+            <a:r>
+              <a:rPr lang="en-US" sz="3600">
+                <a:solidFill>
+                  <a:schemeClr val="tx2">
+                    <a:lumMod val="40000"/>
+                    <a:lumOff val="60000"/>
+                  </a:schemeClr>
+                </a:solidFill>
+              </a:rPr>
+              <a:t>“</a:t>
+            </a:r>
+            <a:r>
+              <a:rPr lang="en-US" sz="3600">
+                <a:solidFill>
+                  <a:schemeClr val="tx2">
+                    <a:lumMod val="40000"/>
+                    <a:lumOff val="60000"/>
+                  </a:schemeClr>
+                </a:solidFill>
+                <a:latin typeface="La Gagliane" panose="02000600000000000000" charset="0"/>
+                <a:cs typeface="La Gagliane" panose="02000600000000000000" charset="0"/>
+              </a:rPr>
+              <a:t>receipt</a:t>
+            </a:r>
+            <a:r>
+              <a:rPr lang="en-US" sz="3600">
+                <a:solidFill>
+                  <a:schemeClr val="tx2">
+                    <a:lumMod val="40000"/>
+                    <a:lumOff val="60000"/>
+                  </a:schemeClr>
+                </a:solidFill>
+              </a:rPr>
+              <a:t>” </a:t>
+            </a:r>
+            <a:r>
+              <a:rPr lang="en-US" sz="3600">
+                <a:solidFill>
+                  <a:schemeClr val="tx2">
+                    <a:lumMod val="40000"/>
+                    <a:lumOff val="60000"/>
+                  </a:schemeClr>
+                </a:solidFill>
+                <a:latin typeface="La Gagliane" panose="02000600000000000000" charset="0"/>
+                <a:cs typeface="La Gagliane" panose="02000600000000000000" charset="0"/>
+              </a:rPr>
+              <a:t>checkout</a:t>
+            </a:r>
+            <a:r>
+              <a:rPr lang="en-US" sz="3600">
+                <a:solidFill>
+                  <a:schemeClr val="tx2">
+                    <a:lumMod val="40000"/>
+                    <a:lumOff val="60000"/>
+                  </a:schemeClr>
+                </a:solidFill>
+              </a:rPr>
+              <a:t> ━</a:t>
+            </a:r>
+            <a:endParaRPr lang="en-US" sz="3600">
+              <a:solidFill>
+                <a:schemeClr val="tx2">
+                  <a:lumMod val="40000"/>
+                  <a:lumOff val="60000"/>
+                </a:schemeClr>
+              </a:solidFill>
+            </a:endParaRPr>
+          </a:p>
+        </p:txBody>
+      </p:sp>
+      <p:sp>
+        <p:nvSpPr>
+          <p:cNvPr id="40" name="Text Box 39"/>
+          <p:cNvSpPr txBox="1"/>
+          <p:nvPr/>
+        </p:nvSpPr>
+        <p:spPr>
+          <a:xfrm rot="16200000">
+            <a:off x="-2810510" y="-7590790"/>
+            <a:ext cx="785495" cy="6768465"/>
+          </a:xfrm>
+          <a:prstGeom prst="rect">
+            <a:avLst/>
+          </a:prstGeom>
+          <a:noFill/>
+        </p:spPr>
+        <p:txBody>
+          <a:bodyPr vert="eaVert" wrap="square" rtlCol="0">
+            <a:spAutoFit/>
+          </a:bodyPr>
+          <a:p>
+            <a:pPr algn="ctr">
+              <a:lnSpc>
+                <a:spcPct val="140000"/>
+              </a:lnSpc>
+            </a:pPr>
+            <a:r>
+              <a:rPr lang="en-US" sz="2800" b="1">
+                <a:solidFill>
+                  <a:schemeClr val="accent1">
+                    <a:lumMod val="60000"/>
+                    <a:lumOff val="40000"/>
+                  </a:schemeClr>
+                </a:solidFill>
+                <a:latin typeface="La Gagliane" panose="02000600000000000000" charset="0"/>
+                <a:cs typeface="La Gagliane" panose="02000600000000000000" charset="0"/>
+              </a:rPr>
+              <a:t>NEWS</a:t>
+            </a:r>
+            <a:r>
+              <a:rPr lang="en-US" sz="2800">
+                <a:solidFill>
+                  <a:schemeClr val="accent1">
+                    <a:lumMod val="60000"/>
+                    <a:lumOff val="40000"/>
+                  </a:schemeClr>
+                </a:solidFill>
+                <a:latin typeface="La Gagliane" panose="02000600000000000000" charset="0"/>
+                <a:cs typeface="La Gagliane" panose="02000600000000000000" charset="0"/>
+              </a:rPr>
+              <a:t> review</a:t>
+            </a:r>
+            <a:endParaRPr lang="en-US" sz="2800">
+              <a:solidFill>
+                <a:schemeClr val="accent1">
+                  <a:lumMod val="60000"/>
+                  <a:lumOff val="40000"/>
+                </a:schemeClr>
+              </a:solidFill>
+              <a:latin typeface="La Gagliane" panose="02000600000000000000" charset="0"/>
+              <a:cs typeface="La Gagliane" panose="02000600000000000000" charset="0"/>
+            </a:endParaRPr>
+          </a:p>
+        </p:txBody>
+      </p:sp>
+    </p:spTree>
+  </p:cSld>
+  <p:clrMapOvr>
+    <a:masterClrMapping/>
+  </p:clrMapOvr>
+  <mc:AlternateContent xmlns:mc="http://schemas.openxmlformats.org/markup-compatibility/2006" xmlns:p159="http://schemas.microsoft.com/office/powerpoint/2015/09/main">
+    <mc:Choice Requires="p159">
+      <p:transition xmlns:p14="http://schemas.microsoft.com/office/powerpoint/2010/main" spd="med" p14:dur="750">
+        <p159:morph option="byObject"/>
+      </p:transition>
+    </mc:Choice>
+    <mc:Fallback>
+      <p:transition spd="med">
+        <p:fade/>
+      </p:transition>
+    </mc:Fallback>
+  </mc:AlternateContent>
+  <p:timing>
+    <p:tnLst>
+      <p:par>
+        <p:cTn id="1" dur="indefinite" restart="never" nodeType="tmRoot"/>
+      </p:par>
+    </p:tnLst>
+  </p:timing>
+</p:sld>
+</file>
+
+<file path=ppt/slides/slide6.xml><?xml version="1.0" encoding="utf-8"?>
+<p:sld xmlns:a="http://schemas.openxmlformats.org/drawingml/2006/main" xmlns:r="http://schemas.openxmlformats.org/officeDocument/2006/relationships" xmlns:p="http://schemas.openxmlformats.org/presentationml/2006/main">
+  <p:cSld>
+    <p:bg>
+      <p:bgPr>
+        <a:solidFill>
+          <a:srgbClr val="9A3B3B"/>
+        </a:solidFill>
+        <a:effectLst/>
+      </p:bgPr>
+    </p:bg>
+    <p:spTree>
+      <p:nvGrpSpPr>
+        <p:cNvPr id="1" name=""/>
+        <p:cNvGrpSpPr/>
+        <p:nvPr/>
+      </p:nvGrpSpPr>
+      <p:grpSpPr/>
+      <p:sp>
+        <p:nvSpPr>
+          <p:cNvPr id="4" name="Freeform 3"/>
+          <p:cNvSpPr/>
+          <p:nvPr/>
+        </p:nvSpPr>
+        <p:spPr>
+          <a:xfrm rot="21060000">
+            <a:off x="8093075" y="-1252855"/>
+            <a:ext cx="5293995" cy="843915"/>
+          </a:xfrm>
+          <a:custGeom>
+            <a:avLst/>
+            <a:gdLst>
+              <a:gd name="connsiteX0" fmla="*/ 0 w 15804"/>
+              <a:gd name="connsiteY0" fmla="*/ 0 h 3698"/>
+              <a:gd name="connsiteX1" fmla="*/ 13871 w 15804"/>
+              <a:gd name="connsiteY1" fmla="*/ 1185 h 3698"/>
+              <a:gd name="connsiteX2" fmla="*/ 15804 w 15804"/>
+              <a:gd name="connsiteY2" fmla="*/ 3698 h 3698"/>
+              <a:gd name="connsiteX3" fmla="*/ 985 w 15804"/>
+              <a:gd name="connsiteY3" fmla="*/ 1951 h 3698"/>
+              <a:gd name="connsiteX4" fmla="*/ 0 w 15804"/>
+              <a:gd name="connsiteY4" fmla="*/ 0 h 3698"/>
+            </a:gdLst>
+            <a:ahLst/>
+            <a:cxnLst>
+              <a:cxn ang="0">
+                <a:pos x="connsiteX0" y="connsiteY0"/>
+              </a:cxn>
+              <a:cxn ang="0">
+                <a:pos x="connsiteX1" y="connsiteY1"/>
+              </a:cxn>
+              <a:cxn ang="0">
+                <a:pos x="connsiteX2" y="connsiteY2"/>
+              </a:cxn>
+              <a:cxn ang="0">
+                <a:pos x="connsiteX3" y="connsiteY3"/>
+              </a:cxn>
+              <a:cxn ang="0">
+                <a:pos x="connsiteX4" y="connsiteY4"/>
+              </a:cxn>
+            </a:cxnLst>
+            <a:rect l="l" t="t" r="r" b="b"/>
+            <a:pathLst>
+              <a:path w="15804" h="3698">
+                <a:moveTo>
+                  <a:pt x="0" y="0"/>
+                </a:moveTo>
+                <a:lnTo>
+                  <a:pt x="13871" y="1185"/>
+                </a:lnTo>
+                <a:lnTo>
+                  <a:pt x="15804" y="3698"/>
+                </a:lnTo>
+                <a:lnTo>
+                  <a:pt x="985" y="1951"/>
+                </a:lnTo>
+                <a:lnTo>
+                  <a:pt x="0" y="0"/>
+                </a:lnTo>
+                <a:close/>
+              </a:path>
+            </a:pathLst>
+          </a:custGeom>
+          <a:solidFill>
+            <a:schemeClr val="bg2">
+              <a:lumMod val="25000"/>
+              <a:alpha val="63000"/>
+            </a:schemeClr>
+          </a:solidFill>
+          <a:ln>
+            <a:noFill/>
+          </a:ln>
+          <a:effectLst>
+            <a:reflection stA="0" endPos="65000" dist="50800" dir="5400000" sy="-100000" algn="bl" rotWithShape="0"/>
+          </a:effectLst>
+        </p:spPr>
+        <p:style>
+          <a:lnRef idx="2">
+            <a:schemeClr val="accent1">
+              <a:lumMod val="75000"/>
+            </a:schemeClr>
+          </a:lnRef>
+          <a:fillRef idx="1">
+            <a:schemeClr val="accent1"/>
+          </a:fillRef>
+          <a:effectRef idx="0">
+            <a:srgbClr val="FFFFFF"/>
+          </a:effectRef>
+          <a:fontRef idx="minor">
+            <a:schemeClr val="lt1"/>
+          </a:fontRef>
+        </p:style>
+        <p:txBody>
+          <a:bodyPr rtlCol="0" anchor="ctr"/>
+          <a:p>
+            <a:pPr algn="ctr"/>
+            <a:endParaRPr lang="en-US"/>
+          </a:p>
+        </p:txBody>
+      </p:sp>
+      <p:sp>
+        <p:nvSpPr>
+          <p:cNvPr id="5" name="Text Box 4"/>
+          <p:cNvSpPr txBox="1"/>
+          <p:nvPr/>
+        </p:nvSpPr>
+        <p:spPr>
+          <a:xfrm>
+            <a:off x="8059420" y="-1060450"/>
+            <a:ext cx="7419340" cy="331470"/>
+          </a:xfrm>
+          <a:prstGeom prst="rect">
+            <a:avLst/>
+          </a:prstGeom>
+          <a:noFill/>
+        </p:spPr>
+        <p:txBody>
+          <a:bodyPr wrap="square" rtlCol="0">
+            <a:noAutofit/>
+          </a:bodyPr>
+          <a:p>
+            <a:r>
+              <a:rPr lang="en-US" sz="2800">
+                <a:solidFill>
+                  <a:schemeClr val="bg1"/>
+                </a:solidFill>
+                <a:latin typeface="La Gagliane" panose="02000600000000000000" charset="0"/>
+                <a:cs typeface="La Gagliane" panose="02000600000000000000" charset="0"/>
+              </a:rPr>
+              <a:t>Wine Connoiseurs</a:t>
+            </a:r>
+            <a:endParaRPr lang="en-US" sz="2800">
+              <a:solidFill>
+                <a:schemeClr val="bg1"/>
+              </a:solidFill>
+              <a:latin typeface="La Gagliane" panose="02000600000000000000" charset="0"/>
+              <a:cs typeface="La Gagliane" panose="02000600000000000000" charset="0"/>
+            </a:endParaRPr>
+          </a:p>
+        </p:txBody>
+      </p:sp>
+      <p:sp>
+        <p:nvSpPr>
+          <p:cNvPr id="6" name="Freeform 5"/>
+          <p:cNvSpPr/>
+          <p:nvPr/>
+        </p:nvSpPr>
+        <p:spPr>
+          <a:xfrm>
+            <a:off x="-1948180" y="-1077595"/>
+            <a:ext cx="1456055" cy="1369695"/>
+          </a:xfrm>
+          <a:custGeom>
+            <a:avLst/>
+            <a:gdLst>
+              <a:gd name="connsiteX0" fmla="*/ 0 w 7052"/>
+              <a:gd name="connsiteY0" fmla="*/ 3296 h 6330"/>
+              <a:gd name="connsiteX1" fmla="*/ 2536 w 7052"/>
+              <a:gd name="connsiteY1" fmla="*/ 0 h 6330"/>
+              <a:gd name="connsiteX2" fmla="*/ 7052 w 7052"/>
+              <a:gd name="connsiteY2" fmla="*/ 3296 h 6330"/>
+              <a:gd name="connsiteX3" fmla="*/ 3227 w 7052"/>
+              <a:gd name="connsiteY3" fmla="*/ 6330 h 6330"/>
+              <a:gd name="connsiteX4" fmla="*/ 0 w 7052"/>
+              <a:gd name="connsiteY4" fmla="*/ 3296 h 6330"/>
+            </a:gdLst>
+            <a:ahLst/>
+            <a:cxnLst>
+              <a:cxn ang="0">
+                <a:pos x="connsiteX0" y="connsiteY0"/>
+              </a:cxn>
+              <a:cxn ang="0">
+                <a:pos x="connsiteX1" y="connsiteY1"/>
+              </a:cxn>
+              <a:cxn ang="0">
+                <a:pos x="connsiteX2" y="connsiteY2"/>
+              </a:cxn>
+              <a:cxn ang="0">
+                <a:pos x="connsiteX3" y="connsiteY3"/>
+              </a:cxn>
+              <a:cxn ang="0">
+                <a:pos x="connsiteX4" y="connsiteY4"/>
+              </a:cxn>
+            </a:cxnLst>
+            <a:rect l="l" t="t" r="r" b="b"/>
+            <a:pathLst>
+              <a:path w="7052" h="6330">
+                <a:moveTo>
+                  <a:pt x="0" y="3296"/>
+                </a:moveTo>
+                <a:cubicBezTo>
+                  <a:pt x="0" y="1552"/>
+                  <a:pt x="589" y="0"/>
+                  <a:pt x="2536" y="0"/>
+                </a:cubicBezTo>
+                <a:cubicBezTo>
+                  <a:pt x="4483" y="0"/>
+                  <a:pt x="7052" y="1552"/>
+                  <a:pt x="7052" y="3296"/>
+                </a:cubicBezTo>
+                <a:cubicBezTo>
+                  <a:pt x="7052" y="5040"/>
+                  <a:pt x="5174" y="6330"/>
+                  <a:pt x="3227" y="6330"/>
+                </a:cubicBezTo>
+                <a:cubicBezTo>
+                  <a:pt x="1280" y="6330"/>
+                  <a:pt x="0" y="5040"/>
+                  <a:pt x="0" y="3296"/>
+                </a:cubicBezTo>
+                <a:close/>
+              </a:path>
+            </a:pathLst>
+          </a:custGeom>
+          <a:solidFill>
+            <a:srgbClr val="E2C799"/>
+          </a:solidFill>
+          <a:ln>
+            <a:noFill/>
+          </a:ln>
+        </p:spPr>
+        <p:style>
+          <a:lnRef idx="2">
+            <a:schemeClr val="accent1">
+              <a:lumMod val="75000"/>
+            </a:schemeClr>
+          </a:lnRef>
+          <a:fillRef idx="1">
+            <a:schemeClr val="accent1"/>
+          </a:fillRef>
+          <a:effectRef idx="0">
+            <a:srgbClr val="FFFFFF"/>
+          </a:effectRef>
+          <a:fontRef idx="minor">
+            <a:schemeClr val="lt1"/>
+          </a:fontRef>
+        </p:style>
+        <p:txBody>
+          <a:bodyPr rtlCol="0" anchor="ctr"/>
+          <a:p>
+            <a:pPr algn="ctr"/>
+            <a:endParaRPr lang="en-US"/>
+          </a:p>
+        </p:txBody>
+      </p:sp>
+      <p:sp>
+        <p:nvSpPr>
+          <p:cNvPr id="7" name="Freeform 6"/>
+          <p:cNvSpPr/>
+          <p:nvPr/>
+        </p:nvSpPr>
+        <p:spPr>
+          <a:xfrm>
+            <a:off x="12253595" y="5652770"/>
+            <a:ext cx="678180" cy="1033145"/>
+          </a:xfrm>
+          <a:custGeom>
+            <a:avLst/>
+            <a:gdLst>
+              <a:gd name="connsiteX0" fmla="*/ 0 w 4111"/>
+              <a:gd name="connsiteY0" fmla="*/ 2146 h 3770"/>
+              <a:gd name="connsiteX1" fmla="*/ 2708 w 4111"/>
+              <a:gd name="connsiteY1" fmla="*/ 0 h 3770"/>
+              <a:gd name="connsiteX2" fmla="*/ 4111 w 4111"/>
+              <a:gd name="connsiteY2" fmla="*/ 2146 h 3770"/>
+              <a:gd name="connsiteX3" fmla="*/ 2149 w 4111"/>
+              <a:gd name="connsiteY3" fmla="*/ 3770 h 3770"/>
+              <a:gd name="connsiteX4" fmla="*/ 0 w 4111"/>
+              <a:gd name="connsiteY4" fmla="*/ 2146 h 3770"/>
+            </a:gdLst>
+            <a:ahLst/>
+            <a:cxnLst>
+              <a:cxn ang="0">
+                <a:pos x="connsiteX0" y="connsiteY0"/>
+              </a:cxn>
+              <a:cxn ang="0">
+                <a:pos x="connsiteX1" y="connsiteY1"/>
+              </a:cxn>
+              <a:cxn ang="0">
+                <a:pos x="connsiteX2" y="connsiteY2"/>
+              </a:cxn>
+              <a:cxn ang="0">
+                <a:pos x="connsiteX3" y="connsiteY3"/>
+              </a:cxn>
+              <a:cxn ang="0">
+                <a:pos x="connsiteX4" y="connsiteY4"/>
+              </a:cxn>
+            </a:cxnLst>
+            <a:rect l="l" t="t" r="r" b="b"/>
+            <a:pathLst>
+              <a:path w="4111" h="3770">
+                <a:moveTo>
+                  <a:pt x="0" y="2146"/>
+                </a:moveTo>
+                <a:cubicBezTo>
+                  <a:pt x="0" y="1176"/>
+                  <a:pt x="1573" y="0"/>
+                  <a:pt x="2708" y="0"/>
+                </a:cubicBezTo>
+                <a:cubicBezTo>
+                  <a:pt x="3843" y="0"/>
+                  <a:pt x="4111" y="1176"/>
+                  <a:pt x="4111" y="2146"/>
+                </a:cubicBezTo>
+                <a:cubicBezTo>
+                  <a:pt x="4111" y="3116"/>
+                  <a:pt x="3284" y="3770"/>
+                  <a:pt x="2149" y="3770"/>
+                </a:cubicBezTo>
+                <a:cubicBezTo>
+                  <a:pt x="1014" y="3770"/>
+                  <a:pt x="0" y="3116"/>
+                  <a:pt x="0" y="2146"/>
+                </a:cubicBezTo>
+                <a:close/>
+              </a:path>
+            </a:pathLst>
+          </a:custGeom>
+          <a:solidFill>
+            <a:srgbClr val="E2C799"/>
+          </a:solidFill>
+          <a:ln>
+            <a:noFill/>
+          </a:ln>
+        </p:spPr>
+        <p:style>
+          <a:lnRef idx="2">
+            <a:schemeClr val="accent1">
+              <a:lumMod val="75000"/>
+            </a:schemeClr>
+          </a:lnRef>
+          <a:fillRef idx="1">
+            <a:schemeClr val="accent1"/>
+          </a:fillRef>
+          <a:effectRef idx="0">
+            <a:srgbClr val="FFFFFF"/>
+          </a:effectRef>
+          <a:fontRef idx="minor">
+            <a:schemeClr val="lt1"/>
+          </a:fontRef>
+        </p:style>
+        <p:txBody>
+          <a:bodyPr rtlCol="0" anchor="ctr"/>
+          <a:p>
+            <a:pPr algn="ctr"/>
+            <a:endParaRPr lang="en-US"/>
+          </a:p>
+        </p:txBody>
+      </p:sp>
+      <p:sp>
+        <p:nvSpPr>
+          <p:cNvPr id="8" name="Text Box 7"/>
+          <p:cNvSpPr txBox="1"/>
+          <p:nvPr/>
+        </p:nvSpPr>
+        <p:spPr>
+          <a:xfrm>
+            <a:off x="-2476500" y="-1077595"/>
+            <a:ext cx="4449445" cy="3117215"/>
+          </a:xfrm>
+          <a:prstGeom prst="rect">
+            <a:avLst/>
+          </a:prstGeom>
+          <a:noFill/>
+        </p:spPr>
+        <p:txBody>
+          <a:bodyPr wrap="square" rtlCol="0">
+            <a:noAutofit/>
+          </a:bodyPr>
+          <a:p>
+            <a:pPr>
+              <a:lnSpc>
+                <a:spcPct val="140000"/>
+              </a:lnSpc>
+            </a:pPr>
+            <a:r>
+              <a:rPr lang="en-US">
+                <a:solidFill>
+                  <a:schemeClr val="tx1">
+                    <a:lumMod val="75000"/>
+                    <a:lumOff val="25000"/>
+                  </a:schemeClr>
+                </a:solidFill>
+                <a:latin typeface="La Gagliane" panose="02000600000000000000" charset="0"/>
+                <a:cs typeface="La Gagliane" panose="02000600000000000000" charset="0"/>
+              </a:rPr>
+              <a:t>Pham Han</a:t>
+            </a:r>
+            <a:endParaRPr lang="en-US">
+              <a:solidFill>
+                <a:schemeClr val="tx1">
+                  <a:lumMod val="75000"/>
+                  <a:lumOff val="25000"/>
+                </a:schemeClr>
+              </a:solidFill>
+              <a:latin typeface="La Gagliane" panose="02000600000000000000" charset="0"/>
+              <a:cs typeface="La Gagliane" panose="02000600000000000000" charset="0"/>
+            </a:endParaRPr>
+          </a:p>
+        </p:txBody>
+      </p:sp>
+      <p:sp>
+        <p:nvSpPr>
+          <p:cNvPr id="9" name="Text Box 8"/>
+          <p:cNvSpPr txBox="1"/>
+          <p:nvPr/>
+        </p:nvSpPr>
+        <p:spPr>
+          <a:xfrm>
+            <a:off x="13420090" y="4712970"/>
+            <a:ext cx="4449445" cy="3117215"/>
+          </a:xfrm>
+          <a:prstGeom prst="rect">
+            <a:avLst/>
+          </a:prstGeom>
+          <a:noFill/>
+        </p:spPr>
+        <p:txBody>
+          <a:bodyPr wrap="square" rtlCol="0">
+            <a:noAutofit/>
+          </a:bodyPr>
+          <a:p>
+            <a:pPr>
+              <a:lnSpc>
+                <a:spcPct val="140000"/>
+              </a:lnSpc>
+            </a:pPr>
+            <a:r>
+              <a:rPr lang="en-US" sz="2400" b="1">
+                <a:solidFill>
+                  <a:schemeClr val="tx1">
+                    <a:lumMod val="75000"/>
+                    <a:lumOff val="25000"/>
+                  </a:schemeClr>
+                </a:solidFill>
+                <a:latin typeface="La Gagliane" panose="02000600000000000000" charset="0"/>
+                <a:cs typeface="La Gagliane" panose="02000600000000000000" charset="0"/>
+              </a:rPr>
+              <a:t>JSA</a:t>
+            </a:r>
+            <a:r>
+              <a:rPr lang="en-US" sz="2400">
+                <a:solidFill>
+                  <a:schemeClr val="tx1">
+                    <a:lumMod val="75000"/>
+                    <a:lumOff val="25000"/>
+                  </a:schemeClr>
+                </a:solidFill>
+                <a:latin typeface="Times New Roman" panose="02020603050405020304" charset="0"/>
+                <a:ea typeface="Microsoft YaHei" panose="020B0503020204020204" charset="-122"/>
+                <a:cs typeface="Times New Roman" panose="02020603050405020304" charset="0"/>
+              </a:rPr>
+              <a:t>41</a:t>
+            </a:r>
+            <a:endParaRPr lang="en-US" sz="2400">
+              <a:solidFill>
+                <a:schemeClr val="tx1">
+                  <a:lumMod val="75000"/>
+                  <a:lumOff val="25000"/>
+                </a:schemeClr>
+              </a:solidFill>
+              <a:latin typeface="Times New Roman" panose="02020603050405020304" charset="0"/>
+              <a:ea typeface="Microsoft YaHei" panose="020B0503020204020204" charset="-122"/>
+              <a:cs typeface="Times New Roman" panose="02020603050405020304" charset="0"/>
+            </a:endParaRPr>
+          </a:p>
+        </p:txBody>
+      </p:sp>
+      <p:grpSp>
+        <p:nvGrpSpPr>
+          <p:cNvPr id="13" name="Group 12"/>
+          <p:cNvGrpSpPr/>
+          <p:nvPr/>
+        </p:nvGrpSpPr>
+        <p:grpSpPr>
+          <a:xfrm>
+            <a:off x="-342900" y="-414655"/>
+            <a:ext cx="7522210" cy="7683500"/>
+            <a:chOff x="-260" y="-653"/>
+            <a:chExt cx="11846" cy="12100"/>
+          </a:xfrm>
+        </p:grpSpPr>
+        <p:sp>
+          <p:nvSpPr>
+            <p:cNvPr id="2" name="Rectangles 1"/>
+            <p:cNvSpPr/>
+            <p:nvPr/>
+          </p:nvSpPr>
+          <p:spPr>
+            <a:xfrm>
+              <a:off x="-260" y="-653"/>
+              <a:ext cx="9965" cy="12100"/>
+            </a:xfrm>
+            <a:prstGeom prst="rect">
+              <a:avLst/>
+            </a:prstGeom>
+            <a:solidFill>
+              <a:srgbClr val="E2C799"/>
+            </a:solidFill>
+            <a:ln>
+              <a:noFill/>
+            </a:ln>
+          </p:spPr>
+          <p:style>
+            <a:lnRef idx="2">
+              <a:schemeClr val="accent1">
+                <a:lumMod val="75000"/>
+              </a:schemeClr>
+            </a:lnRef>
+            <a:fillRef idx="1">
+              <a:schemeClr val="accent1"/>
+            </a:fillRef>
+            <a:effectRef idx="0">
+              <a:srgbClr val="FFFFFF"/>
+            </a:effectRef>
+            <a:fontRef idx="minor">
+              <a:schemeClr val="lt1"/>
+            </a:fontRef>
+          </p:style>
+          <p:txBody>
+            <a:bodyPr rtlCol="0" anchor="ctr"/>
+            <a:p>
+              <a:pPr algn="ctr"/>
+              <a:endParaRPr lang="en-US"/>
+            </a:p>
+          </p:txBody>
+        </p:sp>
+        <p:sp>
+          <p:nvSpPr>
+            <p:cNvPr id="3" name="Text Box 2"/>
+            <p:cNvSpPr txBox="1"/>
+            <p:nvPr/>
+          </p:nvSpPr>
+          <p:spPr>
+            <a:xfrm>
+              <a:off x="5186" y="4542"/>
+              <a:ext cx="6400" cy="2470"/>
+            </a:xfrm>
+            <a:prstGeom prst="rect">
+              <a:avLst/>
+            </a:prstGeom>
+            <a:noFill/>
+          </p:spPr>
+          <p:txBody>
+            <a:bodyPr wrap="square" rtlCol="0">
+              <a:spAutoFit/>
+            </a:bodyPr>
+            <a:p>
+              <a:r>
+                <a:rPr lang="en-US" sz="9600">
+                  <a:solidFill>
+                    <a:schemeClr val="tx1">
+                      <a:lumMod val="75000"/>
+                      <a:lumOff val="25000"/>
+                    </a:schemeClr>
+                  </a:solidFill>
+                  <a:latin typeface="La Gagliane" panose="02000600000000000000" charset="0"/>
+                  <a:cs typeface="La Gagliane" panose="02000600000000000000" charset="0"/>
+                </a:rPr>
+                <a:t>DE</a:t>
+              </a:r>
+              <a:endParaRPr lang="en-US" sz="9600">
+                <a:solidFill>
+                  <a:schemeClr val="tx1">
+                    <a:lumMod val="75000"/>
+                    <a:lumOff val="25000"/>
+                  </a:schemeClr>
+                </a:solidFill>
+                <a:latin typeface="La Gagliane" panose="02000600000000000000" charset="0"/>
+                <a:cs typeface="La Gagliane" panose="02000600000000000000" charset="0"/>
+              </a:endParaRPr>
+            </a:p>
+          </p:txBody>
+        </p:sp>
+      </p:grpSp>
+      <p:grpSp>
+        <p:nvGrpSpPr>
+          <p:cNvPr id="12" name="Group 11"/>
+          <p:cNvGrpSpPr/>
+          <p:nvPr/>
+        </p:nvGrpSpPr>
+        <p:grpSpPr>
+          <a:xfrm>
+            <a:off x="5737225" y="-389255"/>
+            <a:ext cx="6574790" cy="7683500"/>
+            <a:chOff x="9315" y="-613"/>
+            <a:chExt cx="10354" cy="12100"/>
+          </a:xfrm>
+        </p:grpSpPr>
+        <p:sp>
+          <p:nvSpPr>
+            <p:cNvPr id="10" name="Rectangles 9"/>
+            <p:cNvSpPr/>
+            <p:nvPr/>
+          </p:nvSpPr>
+          <p:spPr>
+            <a:xfrm>
+              <a:off x="9705" y="-613"/>
+              <a:ext cx="9965" cy="12100"/>
+            </a:xfrm>
+            <a:prstGeom prst="rect">
+              <a:avLst/>
+            </a:prstGeom>
+            <a:solidFill>
+              <a:srgbClr val="E2C799"/>
+            </a:solidFill>
+            <a:ln>
+              <a:noFill/>
+            </a:ln>
+          </p:spPr>
+          <p:style>
+            <a:lnRef idx="2">
+              <a:schemeClr val="accent1">
+                <a:lumMod val="75000"/>
+              </a:schemeClr>
+            </a:lnRef>
+            <a:fillRef idx="1">
+              <a:schemeClr val="accent1"/>
+            </a:fillRef>
+            <a:effectRef idx="0">
+              <a:srgbClr val="FFFFFF"/>
+            </a:effectRef>
+            <a:fontRef idx="minor">
+              <a:schemeClr val="lt1"/>
+            </a:fontRef>
+          </p:style>
+          <p:txBody>
+            <a:bodyPr rtlCol="0" anchor="ctr"/>
+            <a:p>
+              <a:pPr algn="ctr"/>
+              <a:endParaRPr lang="en-US"/>
+            </a:p>
+          </p:txBody>
+        </p:sp>
+        <p:sp>
+          <p:nvSpPr>
+            <p:cNvPr id="11" name="Text Box 10"/>
+            <p:cNvSpPr txBox="1"/>
+            <p:nvPr/>
+          </p:nvSpPr>
+          <p:spPr>
+            <a:xfrm>
+              <a:off x="9315" y="4522"/>
+              <a:ext cx="6400" cy="2470"/>
+            </a:xfrm>
+            <a:prstGeom prst="rect">
+              <a:avLst/>
+            </a:prstGeom>
+            <a:noFill/>
+          </p:spPr>
+          <p:txBody>
+            <a:bodyPr wrap="square" rtlCol="0">
+              <a:spAutoFit/>
+            </a:bodyPr>
+            <a:p>
+              <a:r>
+                <a:rPr lang="en-US" sz="9600">
+                  <a:solidFill>
+                    <a:schemeClr val="tx1">
+                      <a:lumMod val="75000"/>
+                      <a:lumOff val="25000"/>
+                    </a:schemeClr>
+                  </a:solidFill>
+                  <a:latin typeface="La Gagliane" panose="02000600000000000000" charset="0"/>
+                  <a:cs typeface="La Gagliane" panose="02000600000000000000" charset="0"/>
+                </a:rPr>
+                <a:t>MO</a:t>
+              </a:r>
+              <a:endParaRPr lang="en-US" sz="9600">
+                <a:solidFill>
+                  <a:schemeClr val="tx1">
+                    <a:lumMod val="75000"/>
+                    <a:lumOff val="25000"/>
+                  </a:schemeClr>
+                </a:solidFill>
+                <a:latin typeface="La Gagliane" panose="02000600000000000000" charset="0"/>
+                <a:cs typeface="La Gagliane" panose="02000600000000000000" charset="0"/>
+              </a:endParaRPr>
+            </a:p>
+          </p:txBody>
+        </p:sp>
+      </p:grpSp>
+      <p:sp>
+        <p:nvSpPr>
+          <p:cNvPr id="15" name="Freeform 14"/>
+          <p:cNvSpPr/>
+          <p:nvPr/>
+        </p:nvSpPr>
+        <p:spPr>
+          <a:xfrm>
+            <a:off x="-12628880" y="2190750"/>
+            <a:ext cx="7659370" cy="1390650"/>
+          </a:xfrm>
+          <a:custGeom>
+            <a:avLst/>
+            <a:gdLst>
+              <a:gd name="connsiteX0" fmla="*/ 0 w 12062"/>
+              <a:gd name="connsiteY0" fmla="*/ 671 h 2190"/>
+              <a:gd name="connsiteX1" fmla="*/ 12062 w 12062"/>
+              <a:gd name="connsiteY1" fmla="*/ 0 h 2190"/>
+              <a:gd name="connsiteX2" fmla="*/ 10820 w 12062"/>
+              <a:gd name="connsiteY2" fmla="*/ 2145 h 2190"/>
+              <a:gd name="connsiteX3" fmla="*/ 189 w 12062"/>
+              <a:gd name="connsiteY3" fmla="*/ 2190 h 2190"/>
+              <a:gd name="connsiteX4" fmla="*/ 0 w 12062"/>
+              <a:gd name="connsiteY4" fmla="*/ 671 h 2190"/>
+            </a:gdLst>
+            <a:ahLst/>
+            <a:cxnLst>
+              <a:cxn ang="0">
+                <a:pos x="connsiteX0" y="connsiteY0"/>
+              </a:cxn>
+              <a:cxn ang="0">
+                <a:pos x="connsiteX1" y="connsiteY1"/>
+              </a:cxn>
+              <a:cxn ang="0">
+                <a:pos x="connsiteX2" y="connsiteY2"/>
+              </a:cxn>
+              <a:cxn ang="0">
+                <a:pos x="connsiteX3" y="connsiteY3"/>
+              </a:cxn>
+              <a:cxn ang="0">
+                <a:pos x="connsiteX4" y="connsiteY4"/>
+              </a:cxn>
+            </a:cxnLst>
+            <a:rect l="l" t="t" r="r" b="b"/>
+            <a:pathLst>
+              <a:path w="12062" h="2190">
+                <a:moveTo>
+                  <a:pt x="0" y="671"/>
+                </a:moveTo>
+                <a:lnTo>
+                  <a:pt x="12062" y="0"/>
+                </a:lnTo>
+                <a:lnTo>
+                  <a:pt x="10820" y="2145"/>
+                </a:lnTo>
+                <a:lnTo>
+                  <a:pt x="189" y="2190"/>
+                </a:lnTo>
+                <a:lnTo>
+                  <a:pt x="0" y="671"/>
+                </a:lnTo>
+                <a:close/>
+              </a:path>
+            </a:pathLst>
+          </a:custGeom>
+          <a:solidFill>
+            <a:srgbClr val="F8F9E7"/>
+          </a:solidFill>
+          <a:ln>
+            <a:noFill/>
+          </a:ln>
+        </p:spPr>
+        <p:style>
+          <a:lnRef idx="2">
+            <a:schemeClr val="accent1">
+              <a:lumMod val="75000"/>
+            </a:schemeClr>
+          </a:lnRef>
+          <a:fillRef idx="1">
+            <a:schemeClr val="accent1"/>
+          </a:fillRef>
+          <a:effectRef idx="0">
+            <a:srgbClr val="FFFFFF"/>
+          </a:effectRef>
+          <a:fontRef idx="minor">
+            <a:schemeClr val="lt1"/>
+          </a:fontRef>
+        </p:style>
+        <p:txBody>
+          <a:bodyPr rtlCol="0" anchor="ctr"/>
+          <a:p>
+            <a:pPr algn="ctr"/>
+            <a:endParaRPr lang="en-US"/>
+          </a:p>
+        </p:txBody>
+      </p:sp>
+      <p:sp>
+        <p:nvSpPr>
+          <p:cNvPr id="18" name="Freeform 17"/>
+          <p:cNvSpPr/>
+          <p:nvPr/>
+        </p:nvSpPr>
+        <p:spPr>
+          <a:xfrm>
+            <a:off x="-12534900" y="3906520"/>
+            <a:ext cx="9677400" cy="1430655"/>
+          </a:xfrm>
+          <a:custGeom>
+            <a:avLst/>
+            <a:gdLst>
+              <a:gd name="connsiteX0" fmla="*/ 0 w 12062"/>
+              <a:gd name="connsiteY0" fmla="*/ 671 h 2190"/>
+              <a:gd name="connsiteX1" fmla="*/ 12062 w 12062"/>
+              <a:gd name="connsiteY1" fmla="*/ 0 h 2190"/>
+              <a:gd name="connsiteX2" fmla="*/ 10820 w 12062"/>
+              <a:gd name="connsiteY2" fmla="*/ 2145 h 2190"/>
+              <a:gd name="connsiteX3" fmla="*/ 189 w 12062"/>
+              <a:gd name="connsiteY3" fmla="*/ 2190 h 2190"/>
+              <a:gd name="connsiteX4" fmla="*/ 0 w 12062"/>
+              <a:gd name="connsiteY4" fmla="*/ 671 h 2190"/>
+            </a:gdLst>
+            <a:ahLst/>
+            <a:cxnLst>
+              <a:cxn ang="0">
+                <a:pos x="connsiteX0" y="connsiteY0"/>
+              </a:cxn>
+              <a:cxn ang="0">
+                <a:pos x="connsiteX1" y="connsiteY1"/>
+              </a:cxn>
+              <a:cxn ang="0">
+                <a:pos x="connsiteX2" y="connsiteY2"/>
+              </a:cxn>
+              <a:cxn ang="0">
+                <a:pos x="connsiteX3" y="connsiteY3"/>
+              </a:cxn>
+              <a:cxn ang="0">
+                <a:pos x="connsiteX4" y="connsiteY4"/>
+              </a:cxn>
+            </a:cxnLst>
+            <a:rect l="l" t="t" r="r" b="b"/>
+            <a:pathLst>
+              <a:path w="12062" h="2190">
+                <a:moveTo>
+                  <a:pt x="0" y="671"/>
+                </a:moveTo>
+                <a:lnTo>
+                  <a:pt x="12062" y="0"/>
+                </a:lnTo>
+                <a:lnTo>
+                  <a:pt x="10820" y="2145"/>
+                </a:lnTo>
+                <a:lnTo>
+                  <a:pt x="189" y="2190"/>
+                </a:lnTo>
+                <a:lnTo>
+                  <a:pt x="0" y="671"/>
+                </a:lnTo>
+                <a:close/>
+              </a:path>
+            </a:pathLst>
+          </a:custGeom>
+          <a:solidFill>
+            <a:srgbClr val="F8F9E7"/>
+          </a:solidFill>
+          <a:ln>
+            <a:noFill/>
+          </a:ln>
+        </p:spPr>
+        <p:style>
+          <a:lnRef idx="2">
+            <a:schemeClr val="accent1">
+              <a:lumMod val="75000"/>
+            </a:schemeClr>
+          </a:lnRef>
+          <a:fillRef idx="1">
+            <a:schemeClr val="accent1"/>
+          </a:fillRef>
+          <a:effectRef idx="0">
+            <a:srgbClr val="FFFFFF"/>
+          </a:effectRef>
+          <a:fontRef idx="minor">
+            <a:schemeClr val="lt1"/>
+          </a:fontRef>
+        </p:style>
+        <p:txBody>
+          <a:bodyPr rtlCol="0" anchor="ctr"/>
+          <a:p>
+            <a:pPr algn="ctr"/>
+            <a:endParaRPr lang="en-US"/>
+          </a:p>
+        </p:txBody>
+      </p:sp>
+      <p:sp>
+        <p:nvSpPr>
+          <p:cNvPr id="19" name="Freeform 18"/>
+          <p:cNvSpPr/>
+          <p:nvPr/>
+        </p:nvSpPr>
+        <p:spPr>
+          <a:xfrm>
+            <a:off x="-12440920" y="5622290"/>
+            <a:ext cx="12043410" cy="1430655"/>
+          </a:xfrm>
+          <a:custGeom>
+            <a:avLst/>
+            <a:gdLst>
+              <a:gd name="connsiteX0" fmla="*/ 0 w 12062"/>
+              <a:gd name="connsiteY0" fmla="*/ 671 h 2190"/>
+              <a:gd name="connsiteX1" fmla="*/ 12062 w 12062"/>
+              <a:gd name="connsiteY1" fmla="*/ 0 h 2190"/>
+              <a:gd name="connsiteX2" fmla="*/ 10820 w 12062"/>
+              <a:gd name="connsiteY2" fmla="*/ 2145 h 2190"/>
+              <a:gd name="connsiteX3" fmla="*/ 189 w 12062"/>
+              <a:gd name="connsiteY3" fmla="*/ 2190 h 2190"/>
+              <a:gd name="connsiteX4" fmla="*/ 0 w 12062"/>
+              <a:gd name="connsiteY4" fmla="*/ 671 h 2190"/>
+            </a:gdLst>
+            <a:ahLst/>
+            <a:cxnLst>
+              <a:cxn ang="0">
+                <a:pos x="connsiteX0" y="connsiteY0"/>
+              </a:cxn>
+              <a:cxn ang="0">
+                <a:pos x="connsiteX1" y="connsiteY1"/>
+              </a:cxn>
+              <a:cxn ang="0">
+                <a:pos x="connsiteX2" y="connsiteY2"/>
+              </a:cxn>
+              <a:cxn ang="0">
+                <a:pos x="connsiteX3" y="connsiteY3"/>
+              </a:cxn>
+              <a:cxn ang="0">
+                <a:pos x="connsiteX4" y="connsiteY4"/>
+              </a:cxn>
+            </a:cxnLst>
+            <a:rect l="l" t="t" r="r" b="b"/>
+            <a:pathLst>
+              <a:path w="12062" h="2190">
+                <a:moveTo>
+                  <a:pt x="0" y="671"/>
+                </a:moveTo>
+                <a:lnTo>
+                  <a:pt x="12062" y="0"/>
+                </a:lnTo>
+                <a:lnTo>
+                  <a:pt x="10820" y="2145"/>
+                </a:lnTo>
+                <a:lnTo>
+                  <a:pt x="189" y="2190"/>
+                </a:lnTo>
+                <a:lnTo>
+                  <a:pt x="0" y="671"/>
+                </a:lnTo>
+                <a:close/>
+              </a:path>
+            </a:pathLst>
+          </a:custGeom>
+          <a:solidFill>
+            <a:srgbClr val="F8F9E7"/>
+          </a:solidFill>
+          <a:ln>
+            <a:noFill/>
+          </a:ln>
+        </p:spPr>
+        <p:style>
+          <a:lnRef idx="2">
+            <a:schemeClr val="accent1">
+              <a:lumMod val="75000"/>
+            </a:schemeClr>
+          </a:lnRef>
+          <a:fillRef idx="1">
+            <a:schemeClr val="accent1"/>
+          </a:fillRef>
+          <a:effectRef idx="0">
+            <a:srgbClr val="FFFFFF"/>
+          </a:effectRef>
+          <a:fontRef idx="minor">
+            <a:schemeClr val="lt1"/>
+          </a:fontRef>
+        </p:style>
+        <p:txBody>
+          <a:bodyPr rtlCol="0" anchor="ctr"/>
+          <a:p>
+            <a:pPr algn="ctr"/>
+            <a:endParaRPr lang="en-US"/>
+          </a:p>
+        </p:txBody>
+      </p:sp>
+      <p:sp>
+        <p:nvSpPr>
+          <p:cNvPr id="20" name="Text Box 19"/>
+          <p:cNvSpPr txBox="1"/>
+          <p:nvPr/>
+        </p:nvSpPr>
+        <p:spPr>
+          <a:xfrm>
+            <a:off x="-11812905" y="2777490"/>
+            <a:ext cx="6376035" cy="521970"/>
+          </a:xfrm>
+          <a:prstGeom prst="rect">
+            <a:avLst/>
+          </a:prstGeom>
+          <a:noFill/>
+        </p:spPr>
+        <p:txBody>
+          <a:bodyPr wrap="square" rtlCol="0">
+            <a:spAutoFit/>
+          </a:bodyPr>
+          <a:p>
+            <a:r>
+              <a:rPr lang="en-US" sz="2800">
+                <a:solidFill>
+                  <a:schemeClr val="tx1">
+                    <a:lumMod val="75000"/>
+                    <a:lumOff val="25000"/>
+                  </a:schemeClr>
+                </a:solidFill>
+                <a:latin typeface="La Gagliane" panose="02000600000000000000" charset="0"/>
+                <a:cs typeface="La Gagliane" panose="02000600000000000000" charset="0"/>
+              </a:rPr>
+              <a:t>Aesthetic &amp; culltural</a:t>
+            </a:r>
+            <a:endParaRPr lang="en-US" sz="2800">
+              <a:solidFill>
+                <a:schemeClr val="tx1">
+                  <a:lumMod val="75000"/>
+                  <a:lumOff val="25000"/>
+                </a:schemeClr>
+              </a:solidFill>
+              <a:latin typeface="La Gagliane" panose="02000600000000000000" charset="0"/>
+              <a:cs typeface="La Gagliane" panose="02000600000000000000" charset="0"/>
+            </a:endParaRPr>
+          </a:p>
+        </p:txBody>
+      </p:sp>
+      <p:sp>
+        <p:nvSpPr>
+          <p:cNvPr id="21" name="Text Box 20"/>
+          <p:cNvSpPr txBox="1"/>
+          <p:nvPr/>
+        </p:nvSpPr>
+        <p:spPr>
+          <a:xfrm>
+            <a:off x="-11132820" y="4415155"/>
+            <a:ext cx="9130665" cy="645160"/>
+          </a:xfrm>
+          <a:prstGeom prst="rect">
+            <a:avLst/>
+          </a:prstGeom>
+          <a:noFill/>
+        </p:spPr>
+        <p:txBody>
+          <a:bodyPr wrap="square" rtlCol="0">
+            <a:spAutoFit/>
+          </a:bodyPr>
+          <a:p>
+            <a:r>
+              <a:rPr lang="en-US" sz="3600">
+                <a:solidFill>
+                  <a:schemeClr val="tx1">
+                    <a:lumMod val="75000"/>
+                    <a:lumOff val="25000"/>
+                  </a:schemeClr>
+                </a:solidFill>
+                <a:latin typeface="La Gagliane" panose="02000600000000000000" charset="0"/>
+                <a:cs typeface="La Gagliane" panose="02000600000000000000" charset="0"/>
+              </a:rPr>
+              <a:t>Inspiration &amp; health</a:t>
+            </a:r>
+            <a:endParaRPr lang="en-US" sz="3600">
+              <a:solidFill>
+                <a:schemeClr val="tx1">
+                  <a:lumMod val="75000"/>
+                  <a:lumOff val="25000"/>
+                </a:schemeClr>
+              </a:solidFill>
+              <a:latin typeface="La Gagliane" panose="02000600000000000000" charset="0"/>
+              <a:cs typeface="La Gagliane" panose="02000600000000000000" charset="0"/>
+            </a:endParaRPr>
+          </a:p>
+        </p:txBody>
+      </p:sp>
+      <p:sp>
+        <p:nvSpPr>
+          <p:cNvPr id="23" name="Text Box 22"/>
+          <p:cNvSpPr txBox="1"/>
+          <p:nvPr/>
+        </p:nvSpPr>
+        <p:spPr>
+          <a:xfrm>
+            <a:off x="-10295255" y="6192520"/>
+            <a:ext cx="9130665" cy="706755"/>
+          </a:xfrm>
+          <a:prstGeom prst="rect">
+            <a:avLst/>
+          </a:prstGeom>
+          <a:noFill/>
+        </p:spPr>
+        <p:txBody>
+          <a:bodyPr wrap="square" rtlCol="0">
+            <a:spAutoFit/>
+          </a:bodyPr>
+          <a:p>
+            <a:r>
+              <a:rPr lang="en-US" sz="4000">
+                <a:solidFill>
+                  <a:schemeClr val="tx1">
+                    <a:lumMod val="75000"/>
+                    <a:lumOff val="25000"/>
+                  </a:schemeClr>
+                </a:solidFill>
+                <a:latin typeface="La Gagliane" panose="02000600000000000000" charset="0"/>
+                <a:cs typeface="La Gagliane" panose="02000600000000000000" charset="0"/>
+              </a:rPr>
+              <a:t>Diversity &amp; abundance</a:t>
+            </a:r>
+            <a:endParaRPr lang="en-US" sz="4000">
+              <a:solidFill>
+                <a:schemeClr val="tx1">
+                  <a:lumMod val="75000"/>
+                  <a:lumOff val="25000"/>
+                </a:schemeClr>
+              </a:solidFill>
+              <a:latin typeface="La Gagliane" panose="02000600000000000000" charset="0"/>
+              <a:cs typeface="La Gagliane" panose="02000600000000000000" charset="0"/>
+            </a:endParaRPr>
+          </a:p>
+        </p:txBody>
+      </p:sp>
+      <p:sp>
+        <p:nvSpPr>
+          <p:cNvPr id="14" name="Text Box 13"/>
+          <p:cNvSpPr txBox="1"/>
+          <p:nvPr/>
+        </p:nvSpPr>
+        <p:spPr>
+          <a:xfrm>
+            <a:off x="12710160" y="1319530"/>
+            <a:ext cx="4108450" cy="3133090"/>
+          </a:xfrm>
+          <a:prstGeom prst="rect">
+            <a:avLst/>
+          </a:prstGeom>
+          <a:noFill/>
+        </p:spPr>
+        <p:txBody>
+          <a:bodyPr vert="horz" wrap="square" rtlCol="0">
+            <a:noAutofit/>
+          </a:bodyPr>
+          <a:p>
+            <a:pPr algn="r" fontAlgn="base">
+              <a:lnSpc>
+                <a:spcPct val="130000"/>
+              </a:lnSpc>
+            </a:pPr>
+            <a:r>
+              <a:rPr lang="en-US">
+                <a:solidFill>
+                  <a:schemeClr val="bg1">
+                    <a:lumMod val="75000"/>
+                  </a:schemeClr>
+                </a:solidFill>
+                <a:latin typeface="La Gagliane" panose="02000600000000000000" charset="0"/>
+                <a:cs typeface="La Gagliane" panose="02000600000000000000" charset="0"/>
+              </a:rPr>
+              <a:t>Reasons for choosing the topic</a:t>
+            </a:r>
+            <a:endParaRPr lang="en-US">
+              <a:solidFill>
+                <a:schemeClr val="bg1">
+                  <a:lumMod val="75000"/>
+                </a:schemeClr>
+              </a:solidFill>
+              <a:latin typeface="La Gagliane" panose="02000600000000000000" charset="0"/>
+              <a:cs typeface="La Gagliane" panose="02000600000000000000" charset="0"/>
+            </a:endParaRPr>
+          </a:p>
+        </p:txBody>
+      </p:sp>
+      <p:sp>
+        <p:nvSpPr>
+          <p:cNvPr id="16" name="Text Box 15"/>
+          <p:cNvSpPr txBox="1"/>
+          <p:nvPr/>
+        </p:nvSpPr>
+        <p:spPr>
+          <a:xfrm>
+            <a:off x="4432300" y="4344670"/>
+            <a:ext cx="4064000" cy="368300"/>
+          </a:xfrm>
+          <a:prstGeom prst="rect">
+            <a:avLst/>
+          </a:prstGeom>
+          <a:noFill/>
+        </p:spPr>
+        <p:txBody>
+          <a:bodyPr wrap="square" rtlCol="0">
+            <a:spAutoFit/>
+          </a:bodyPr>
+          <a:p>
+            <a:pPr algn="ctr"/>
+            <a:r>
+              <a:rPr lang="en-US">
+                <a:solidFill>
+                  <a:schemeClr val="bg1">
+                    <a:lumMod val="95000"/>
+                  </a:schemeClr>
+                </a:solidFill>
+                <a:latin typeface="La Gagliane" panose="02000600000000000000" charset="0"/>
+                <a:cs typeface="La Gagliane" panose="02000600000000000000" charset="0"/>
+              </a:rPr>
+              <a:t>i’ll keep secrets</a:t>
+            </a:r>
+            <a:endParaRPr lang="en-US">
+              <a:solidFill>
+                <a:schemeClr val="bg1">
+                  <a:lumMod val="95000"/>
+                </a:schemeClr>
+              </a:solidFill>
+              <a:latin typeface="La Gagliane" panose="02000600000000000000" charset="0"/>
+              <a:cs typeface="La Gagliane" panose="02000600000000000000" charset="0"/>
+            </a:endParaRPr>
+          </a:p>
+        </p:txBody>
+      </p:sp>
+    </p:spTree>
+  </p:cSld>
+  <p:clrMapOvr>
+    <a:masterClrMapping/>
+  </p:clrMapOvr>
+  <mc:AlternateContent xmlns:mc="http://schemas.openxmlformats.org/markup-compatibility/2006" xmlns:p159="http://schemas.microsoft.com/office/powerpoint/2015/09/main">
+    <mc:Choice Requires="p159">
+      <p:transition xmlns:p14="http://schemas.microsoft.com/office/powerpoint/2010/main" p14:dur="500">
+        <p159:morph option="byObject"/>
+        <p:sndAc>
+          <p:stSnd>
+            <p:snd r:embed="rId1" name="whoosh.wav"/>
+          </p:stSnd>
+        </p:sndAc>
+      </p:transition>
+    </mc:Choice>
+    <mc:Fallback>
+      <p:transition>
+        <p:fade/>
+        <p:sndAc>
+          <p:stSnd>
+            <p:snd r:embed="rId1" name="whoosh.wav"/>
+          </p:stSnd>
+        </p:sndAc>
+      </p:transition>
+    </mc:Fallback>
+  </mc:AlternateContent>
+  <p:timing>
+    <p:tnLst>
+      <p:par>
+        <p:cTn id="1" dur="indefinite" restart="never" nodeType="tmRoot">
+          <p:childTnLst>
+            <p:seq concurrent="1" nextAc="seek">
+              <p:cTn id="2" dur="indefinite" nodeType="mainSeq">
+                <p:childTnLst>
+                  <p:par>
+                    <p:cTn id="3" fill="hold">
+                      <p:stCondLst>
+                        <p:cond delay="indefinite"/>
+                        <p:cond evt="onBegin" delay="0">
+                          <p:tn val="2"/>
+                        </p:cond>
+                      </p:stCondLst>
+                      <p:childTnLst>
+                        <p:par>
+                          <p:cTn id="4" fill="hold">
+                            <p:stCondLst>
+                              <p:cond delay="0"/>
+                            </p:stCondLst>
+                            <p:childTnLst>
+                              <p:par>
+                                <p:cTn id="5" presetID="5" presetClass="entr" presetSubtype="10" fill="hold" grpId="0" nodeType="afterEffect">
+                                  <p:stCondLst>
+                                    <p:cond delay="0"/>
+                                  </p:stCondLst>
+                                  <p:childTnLst>
+                                    <p:set>
+                                      <p:cBhvr>
+                                        <p:cTn id="6" dur="1" fill="hold">
+                                          <p:stCondLst>
+                                            <p:cond delay="0"/>
+                                          </p:stCondLst>
+                                        </p:cTn>
+                                        <p:tgtEl>
+                                          <p:spTgt spid="16"/>
+                                        </p:tgtEl>
+                                        <p:attrNameLst>
+                                          <p:attrName>style.visibility</p:attrName>
+                                        </p:attrNameLst>
+                                      </p:cBhvr>
+                                      <p:to>
+                                        <p:strVal val="visible"/>
+                                      </p:to>
+                                    </p:set>
+                                    <p:animEffect transition="in" filter="checkerboard(across)">
+                                      <p:cBhvr>
+                                        <p:cTn id="7" dur="500"/>
+                                        <p:tgtEl>
+                                          <p:spTgt spid="16"/>
+                                        </p:tgtEl>
+                                      </p:cBhvr>
+                                    </p:animEffect>
+                                  </p:childTnLst>
+                                </p:cTn>
+                              </p:par>
+                            </p:childTnLst>
+                          </p:cTn>
+                        </p:par>
+                      </p:childTnLst>
+                    </p:cTn>
+                  </p:par>
+                </p:childTnLst>
+              </p:cTn>
+              <p:prevCondLst>
+                <p:cond evt="onPrev" delay="0">
+                  <p:tgtEl>
+                    <p:sldTgt/>
+                  </p:tgtEl>
+                </p:cond>
+              </p:prevCondLst>
+              <p:nextCondLst>
+                <p:cond evt="onNext" delay="0">
+                  <p:tgtEl>
+                    <p:sldTgt/>
+                  </p:tgtEl>
+                </p:cond>
+              </p:nextCondLst>
+            </p:seq>
+          </p:childTnLst>
+        </p:cTn>
+      </p:par>
+    </p:tnLst>
+    <p:bldLst>
+      <p:bldP spid="16" grpId="0"/>
+      <p:bldP spid="16" grpId="1"/>
+    </p:bldLst>
+  </p:timing>
 </p:sld>
 </file>
 
